--- a/docs/MeSec Demo.pptx
+++ b/docs/MeSec Demo.pptx
@@ -2,18 +2,17 @@
 <file path=ppt/presentation.xml><?xml version="1.0" encoding="utf-8"?>
 <p:presentation xmlns:a="http://schemas.openxmlformats.org/drawingml/2006/main" xmlns:r="http://schemas.openxmlformats.org/officeDocument/2006/relationships" xmlns:p="http://schemas.openxmlformats.org/presentationml/2006/main" saveSubsetFonts="1">
   <p:sldMasterIdLst>
-    <p:sldMasterId id="2147483648" r:id="rId1"/>
-    <p:sldMasterId id="2147483660" r:id="rId2"/>
+    <p:sldMasterId id="2147483660" r:id="rId1"/>
   </p:sldMasterIdLst>
   <p:notesMasterIdLst>
-    <p:notesMasterId r:id="rId8"/>
+    <p:notesMasterId r:id="rId7"/>
   </p:notesMasterIdLst>
   <p:sldIdLst>
-    <p:sldId id="301" r:id="rId3"/>
-    <p:sldId id="307" r:id="rId4"/>
-    <p:sldId id="308" r:id="rId5"/>
-    <p:sldId id="309" r:id="rId6"/>
-    <p:sldId id="310" r:id="rId7"/>
+    <p:sldId id="301" r:id="rId2"/>
+    <p:sldId id="307" r:id="rId3"/>
+    <p:sldId id="308" r:id="rId4"/>
+    <p:sldId id="310" r:id="rId5"/>
+    <p:sldId id="311" r:id="rId6"/>
   </p:sldIdLst>
   <p:sldSz cx="12192000" cy="6858000"/>
   <p:notesSz cx="6858000" cy="9144000"/>
@@ -112,6 +111,11 @@
       </a:defRPr>
     </a:lvl9pPr>
   </p:defaultTextStyle>
+  <p:extLst>
+    <p:ext uri="{EFAFB233-063F-42B5-8137-9DF3F51BA10A}">
+      <p15:sldGuideLst xmlns:p15="http://schemas.microsoft.com/office/powerpoint/2012/main"/>
+    </p:ext>
+  </p:extLst>
 </p:presentation>
 </file>
 
@@ -4096,7 +4100,7 @@
           <a:p>
             <a:fld id="{6CAC0943-D256-47EC-B593-9710BEDB2877}" type="datetimeFigureOut">
               <a:rPr lang="zh-CN" altLang="en-US" smtClean="0"/>
-              <a:t>2025/10/24</a:t>
+              <a:t>2025/10/27</a:t>
             </a:fld>
             <a:endParaRPr lang="zh-CN" altLang="en-US"/>
           </a:p>
@@ -4742,18 +4746,6 @@
           <a:lstStyle/>
           <a:p>
             <a:r>
-              <a:rPr lang="en-US" altLang="zh-CN" b="0" dirty="0"/>
-              <a:t>【</a:t>
-            </a:r>
-            <a:r>
-              <a:rPr lang="zh-CN" altLang="en-US" b="0" dirty="0"/>
-              <a:t>展示项目主页</a:t>
-            </a:r>
-            <a:r>
-              <a:rPr lang="en-US" altLang="zh-CN" b="0" dirty="0"/>
-              <a:t>】</a:t>
-            </a:r>
-            <a:r>
               <a:rPr lang="zh-CN" altLang="en-US" b="0" dirty="0"/>
               <a:t>这里是我项目的前后端的架构。两者之间是通过</a:t>
             </a:r>
@@ -4835,7 +4827,79 @@
             </a:r>
             <a:r>
               <a:rPr lang="zh-CN" altLang="en-US" b="0" dirty="0"/>
-              <a:t>版本，没有使用全量级的，主要是考虑到一个速度和精度的平衡，因为我还是希望在电脑上能实现实时处理。而在最后的视频管线区域呢，它会逐帧读取视频，然后把每帧送到</a:t>
+              <a:t>版本，没有使用全量级的，主要是考虑到一个速度和精度的平衡，因为我还是希望在电脑上能实现实时处理。然后我们站在用户的视角看一下这个项目。在这张时序图里我通过了一条虚线把前后端分开了。首先，用户打开的是一个</a:t>
+            </a:r>
+            <a:r>
+              <a:rPr lang="en-US" altLang="zh-CN" b="0" dirty="0"/>
+              <a:t>Render</a:t>
+            </a:r>
+            <a:r>
+              <a:rPr lang="zh-CN" altLang="en-US" b="0" dirty="0"/>
+              <a:t>，也就是渲染进程。在这里他可以选一个本地视频文件，并根据需求配置一些处理参数，比如选择要打码的是人脸还是车牌。在开始处理之后呢，前端界面会把指令和配置打包，通过进程间通信（</a:t>
+            </a:r>
+            <a:r>
+              <a:rPr lang="en-US" altLang="zh-CN" b="0" dirty="0"/>
+              <a:t>IPC</a:t>
+            </a:r>
+            <a:r>
+              <a:rPr lang="zh-CN" altLang="en-US" b="0" dirty="0"/>
+              <a:t>），发送给</a:t>
+            </a:r>
+            <a:r>
+              <a:rPr lang="en-US" altLang="zh-CN" b="0" dirty="0"/>
+              <a:t>Electron</a:t>
+            </a:r>
+            <a:r>
+              <a:rPr lang="zh-CN" altLang="en-US" b="0" dirty="0"/>
+              <a:t>主进程（</a:t>
+            </a:r>
+            <a:r>
+              <a:rPr lang="en-US" altLang="zh-CN" b="0" dirty="0"/>
+              <a:t>Main</a:t>
+            </a:r>
+            <a:r>
+              <a:rPr lang="zh-CN" altLang="en-US" b="0" dirty="0"/>
+              <a:t>）。这个主进程负责管理整个应用，但它不亲自处理计算任务。主进程在收到任务后，会通过</a:t>
+            </a:r>
+            <a:r>
+              <a:rPr lang="en-US" altLang="zh-CN" b="0" dirty="0"/>
+              <a:t>JSON-RPC</a:t>
+            </a:r>
+            <a:r>
+              <a:rPr lang="zh-CN" altLang="en-US" b="0" dirty="0"/>
+              <a:t>远程调用，将任务请求转发给一个在后台独立运行的</a:t>
+            </a:r>
+            <a:r>
+              <a:rPr lang="en-US" altLang="zh-CN" b="0" dirty="0"/>
+              <a:t>Python</a:t>
+            </a:r>
+            <a:r>
+              <a:rPr lang="zh-CN" altLang="en-US" b="0" dirty="0"/>
+              <a:t>服务。</a:t>
+            </a:r>
+            <a:r>
+              <a:rPr lang="en-US" altLang="zh-CN" b="0" dirty="0"/>
+              <a:t>Python</a:t>
+            </a:r>
+            <a:r>
+              <a:rPr lang="zh-CN" altLang="en-US" b="0" dirty="0"/>
+              <a:t>服务接到指令后，会启动视频处理管线（</a:t>
+            </a:r>
+            <a:r>
+              <a:rPr lang="en-US" altLang="zh-CN" b="0" dirty="0"/>
+              <a:t>Pipe</a:t>
+            </a:r>
+            <a:r>
+              <a:rPr lang="zh-CN" altLang="en-US" b="0" dirty="0"/>
+              <a:t>），加载相应的</a:t>
+            </a:r>
+            <a:r>
+              <a:rPr lang="en-US" altLang="zh-CN" b="0" dirty="0"/>
+              <a:t>AI</a:t>
+            </a:r>
+            <a:r>
+              <a:rPr lang="zh-CN" altLang="en-US" b="0" dirty="0"/>
+              <a:t>模型。而在最后的视频管线区域呢，它会逐帧读取视频，然后把每帧送到</a:t>
             </a:r>
             <a:r>
               <a:rPr lang="en-US" altLang="zh-CN" b="0" dirty="0"/>
@@ -4859,19 +4923,32 @@
             </a:r>
             <a:r>
               <a:rPr lang="zh-CN" altLang="en-US" b="0" dirty="0"/>
-              <a:t>进行加密。接下来</a:t>
-            </a:r>
-            <a:r>
-              <a:rPr lang="zh-CN" altLang="en-US" b="0" i="0" dirty="0">
-                <a:solidFill>
-                  <a:srgbClr val="CCCCCC"/>
-                </a:solidFill>
-                <a:effectLst/>
-                <a:latin typeface="Segoe WPC"/>
-              </a:rPr>
-              <a:t>我从用户视角，来看看它是怎么用的。</a:t>
-            </a:r>
-            <a:endParaRPr lang="zh-CN" altLang="en-US" b="0" dirty="0"/>
+              <a:t>进行加密。在处理过程中，这个管线会持续地将进度反馈给</a:t>
+            </a:r>
+            <a:r>
+              <a:rPr lang="en-US" altLang="zh-CN" b="0" dirty="0"/>
+              <a:t>Python</a:t>
+            </a:r>
+            <a:r>
+              <a:rPr lang="zh-CN" altLang="en-US" b="0" dirty="0"/>
+              <a:t>服务并显示出来。在管线处理完成之后呢，</a:t>
+            </a:r>
+            <a:r>
+              <a:rPr lang="en-US" altLang="zh-CN" b="0" dirty="0"/>
+              <a:t>Python</a:t>
+            </a:r>
+            <a:r>
+              <a:rPr lang="zh-CN" altLang="en-US" b="0" dirty="0"/>
+              <a:t>服务就会将最终结果，包括一个“成功”或“失败”的状态，以及处理后视频的存储路径返回给</a:t>
+            </a:r>
+            <a:r>
+              <a:rPr lang="en-US" altLang="zh-CN" b="0" dirty="0"/>
+              <a:t>Electron</a:t>
+            </a:r>
+            <a:r>
+              <a:rPr lang="zh-CN" altLang="en-US" b="0" dirty="0"/>
+              <a:t>主进程。最后，主进程再将这个好消息传递回我们的前端界面。</a:t>
+            </a:r>
           </a:p>
         </p:txBody>
       </p:sp>
@@ -5017,55 +5094,102 @@
           <a:p>
             <a:r>
               <a:rPr lang="zh-CN" altLang="en-US" b="0" dirty="0"/>
-              <a:t>还是这张图，用户首先在</a:t>
-            </a:r>
-            <a:r>
-              <a:rPr lang="en-US" altLang="zh-CN" b="0" dirty="0" err="1"/>
-              <a:t>VideoDropZone</a:t>
+              <a:t>优化上一方面是对于速度的优化，另一方面是对安全性的优化。关于视频处理方面呢，管线的核心是一套生产者</a:t>
+            </a:r>
+            <a:r>
+              <a:rPr lang="en-US" altLang="zh-CN" b="0" dirty="0"/>
+              <a:t>-</a:t>
             </a:r>
             <a:r>
               <a:rPr lang="zh-CN" altLang="en-US" b="0" dirty="0"/>
-              <a:t>拖入或选择视频文件。如果我们不想用这个自带的类别检测也可以，可以在视频提交后通过</a:t>
-            </a:r>
-            <a:r>
-              <a:rPr lang="en-US" altLang="zh-CN" b="0" dirty="0" err="1"/>
-              <a:t>ManualRoiDialog</a:t>
+              <a:t>消费者的模式，多个</a:t>
+            </a:r>
+            <a:r>
+              <a:rPr lang="en-US" altLang="zh-CN" b="0" dirty="0"/>
+              <a:t>Worker</a:t>
             </a:r>
             <a:r>
               <a:rPr lang="zh-CN" altLang="en-US" b="0" dirty="0"/>
-              <a:t>在第一帧手动框选。然后在处理过程中呢，</a:t>
-            </a:r>
-            <a:r>
-              <a:rPr lang="en-US" altLang="zh-CN" b="0" dirty="0" err="1"/>
-              <a:t>StatusBanner</a:t>
+              <a:t>并行执行三件事：目标检测、</a:t>
+            </a:r>
+            <a:r>
+              <a:rPr lang="en-US" altLang="zh-CN" b="0" dirty="0"/>
+              <a:t>ROI </a:t>
             </a:r>
             <a:r>
               <a:rPr lang="zh-CN" altLang="en-US" b="0" dirty="0"/>
-              <a:t>会给出状态反馈。而它对应的后端呢，基本上都交给了</a:t>
-            </a:r>
-            <a:r>
-              <a:rPr lang="en-US" altLang="zh-CN" b="0" dirty="0" err="1"/>
-              <a:t>anonymize_service</a:t>
+              <a:t>加密、匿名化渲染。这样并行的话一是可以减少相互阻塞，二是可以利用好</a:t>
+            </a:r>
+            <a:r>
+              <a:rPr lang="en-US" altLang="zh-CN" b="0" dirty="0"/>
+              <a:t>CPU</a:t>
             </a:r>
             <a:r>
               <a:rPr lang="zh-CN" altLang="en-US" b="0" dirty="0"/>
-              <a:t>这个</a:t>
+              <a:t>的多核性能，三是也方便我控制队列长度，防止内存爆炸。在推理方面呢是优先选择</a:t>
             </a:r>
             <a:r>
               <a:rPr lang="en-US" altLang="zh-CN" b="0" dirty="0"/>
-              <a:t>python</a:t>
+              <a:t>CUDA</a:t>
             </a:r>
             <a:r>
               <a:rPr lang="zh-CN" altLang="en-US" b="0" dirty="0"/>
-              <a:t>文件。好在</a:t>
+              <a:t>，没有的情况下才会选择</a:t>
             </a:r>
             <a:r>
               <a:rPr lang="en-US" altLang="zh-CN" b="0" dirty="0"/>
-              <a:t>YOLOv8</a:t>
+              <a:t>CPU</a:t>
             </a:r>
             <a:r>
               <a:rPr lang="zh-CN" altLang="en-US" b="0" dirty="0"/>
-              <a:t>本身就自带了目标检测和追踪的功能，我就不需要做很多很难的工作了。</a:t>
+              <a:t>，毕竟</a:t>
+            </a:r>
+            <a:r>
+              <a:rPr lang="en-US" altLang="zh-CN" b="0" dirty="0"/>
+              <a:t>CUDA</a:t>
+            </a:r>
+            <a:r>
+              <a:rPr lang="zh-CN" altLang="en-US" b="0" dirty="0"/>
+              <a:t>做推理比</a:t>
+            </a:r>
+            <a:r>
+              <a:rPr lang="en-US" altLang="zh-CN" b="0" dirty="0"/>
+              <a:t>CPU</a:t>
+            </a:r>
+            <a:r>
+              <a:rPr lang="zh-CN" altLang="en-US" b="0" dirty="0"/>
+              <a:t>要快得多嘛。</a:t>
+            </a:r>
+            <a:endParaRPr lang="en-US" altLang="zh-CN" b="0" dirty="0"/>
+          </a:p>
+          <a:p>
+            <a:r>
+              <a:rPr lang="zh-CN" altLang="en-US" b="0" dirty="0"/>
+              <a:t>在安全性上呢，应用是对目标内容做了</a:t>
+            </a:r>
+            <a:r>
+              <a:rPr lang="en-US" altLang="zh-CN" b="0" dirty="0"/>
+              <a:t>AES-256-GCM</a:t>
+            </a:r>
+            <a:r>
+              <a:rPr lang="zh-CN" altLang="en-US" b="0" dirty="0"/>
+              <a:t>加密，输出视频就不再包含原始信息了。对于</a:t>
+            </a:r>
+            <a:r>
+              <a:rPr lang="en-US" altLang="zh-CN" b="0" dirty="0"/>
+              <a:t>.pack</a:t>
+            </a:r>
+            <a:r>
+              <a:rPr lang="zh-CN" altLang="en-US" b="0" dirty="0"/>
+              <a:t>那个文件包呢，是做了它的完整性校验，防止它被篡改。总而言之，只要用户只要拥有密钥和</a:t>
+            </a:r>
+            <a:r>
+              <a:rPr lang="en-US" altLang="zh-CN" b="0" dirty="0"/>
+              <a:t>.pack</a:t>
+            </a:r>
+            <a:r>
+              <a:rPr lang="zh-CN" altLang="en-US" b="0" dirty="0"/>
+              <a:t>，就能恢复视频内容；但凡有一点不满足，就只能看到被遮挡过的视频。</a:t>
             </a:r>
           </a:p>
         </p:txBody>
@@ -5156,7 +5280,7 @@
     </p:spTree>
     <p:extLst>
       <p:ext uri="{BB962C8B-B14F-4D97-AF65-F5344CB8AC3E}">
-        <p14:creationId xmlns:p14="http://schemas.microsoft.com/office/powerpoint/2010/main" val="1260430846"/>
+        <p14:creationId xmlns:p14="http://schemas.microsoft.com/office/powerpoint/2010/main" val="1927424967"/>
       </p:ext>
     </p:extLst>
   </p:cSld>
@@ -5212,86 +5336,15 @@
           <a:p>
             <a:r>
               <a:rPr lang="zh-CN" altLang="en-US" b="0" dirty="0"/>
-              <a:t>优化上一方面是对于速度的优化，另一方面是对安全性的优化。关于视频处理方面呢，它的核心是一套生产者</a:t>
+              <a:t>整体的流程讲完了大家可能会有一些疑问，就是你这个加密是怎么和马赛克结合起来的，所以我就再解释一下这里。首先我们可以确认的一点就是，视频不过是一帧一帧的组合，一帧可以视作一张图片，而每张图片都是一些编码而已。在我的这个项目当中，我们会提交一个特定的区域来进行打码，我们想实现恢复打码视频的话就必须想办法存储被打码视频区域的元数据，所以管线会在提取指定区域元数据后使用</a:t>
             </a:r>
             <a:r>
               <a:rPr lang="en-US" altLang="zh-CN" b="0" dirty="0"/>
-              <a:t>-</a:t>
+              <a:t>AES</a:t>
             </a:r>
             <a:r>
               <a:rPr lang="zh-CN" altLang="en-US" b="0" dirty="0"/>
-              <a:t>消费者的模式，多个</a:t>
-            </a:r>
-            <a:r>
-              <a:rPr lang="en-US" altLang="zh-CN" b="0" dirty="0"/>
-              <a:t>Worker</a:t>
-            </a:r>
-            <a:r>
-              <a:rPr lang="zh-CN" altLang="en-US" b="0" dirty="0"/>
-              <a:t>并行执行三件事：目标检测、</a:t>
-            </a:r>
-            <a:r>
-              <a:rPr lang="en-US" altLang="zh-CN" b="0" dirty="0"/>
-              <a:t>ROI </a:t>
-            </a:r>
-            <a:r>
-              <a:rPr lang="zh-CN" altLang="en-US" b="0" dirty="0"/>
-              <a:t>加密、匿名化渲染。这样并行的话一是可以减少相互阻塞，二是可以利用好</a:t>
-            </a:r>
-            <a:r>
-              <a:rPr lang="en-US" altLang="zh-CN" b="0" dirty="0"/>
-              <a:t>CPU</a:t>
-            </a:r>
-            <a:r>
-              <a:rPr lang="zh-CN" altLang="en-US" b="0" dirty="0"/>
-              <a:t>的多核性能，三是也方便我控制队列长度，防止内存爆炸。在推理方面呢是优先选择</a:t>
-            </a:r>
-            <a:r>
-              <a:rPr lang="en-US" altLang="zh-CN" b="0" dirty="0"/>
-              <a:t>CUDA</a:t>
-            </a:r>
-            <a:r>
-              <a:rPr lang="zh-CN" altLang="en-US" b="0" dirty="0"/>
-              <a:t>，没有的情况下才会选择</a:t>
-            </a:r>
-            <a:r>
-              <a:rPr lang="en-US" altLang="zh-CN" b="0" dirty="0"/>
-              <a:t>CPU</a:t>
-            </a:r>
-            <a:r>
-              <a:rPr lang="zh-CN" altLang="en-US" b="0" dirty="0"/>
-              <a:t>，毕竟</a:t>
-            </a:r>
-            <a:r>
-              <a:rPr lang="en-US" altLang="zh-CN" b="0" dirty="0"/>
-              <a:t>CUDA</a:t>
-            </a:r>
-            <a:r>
-              <a:rPr lang="zh-CN" altLang="en-US" b="0" dirty="0"/>
-              <a:t>做推理比</a:t>
-            </a:r>
-            <a:r>
-              <a:rPr lang="en-US" altLang="zh-CN" b="0" dirty="0"/>
-              <a:t>CPU</a:t>
-            </a:r>
-            <a:r>
-              <a:rPr lang="zh-CN" altLang="en-US" b="0" dirty="0"/>
-              <a:t>要快得多嘛。</a:t>
-            </a:r>
-            <a:endParaRPr lang="en-US" altLang="zh-CN" b="0" dirty="0"/>
-          </a:p>
-          <a:p>
-            <a:r>
-              <a:rPr lang="zh-CN" altLang="en-US" b="0" dirty="0"/>
-              <a:t>在安全性上呢，应用是对目标内容做了</a:t>
-            </a:r>
-            <a:r>
-              <a:rPr lang="en-US" altLang="zh-CN" b="0" dirty="0"/>
-              <a:t>AES-256-GCM</a:t>
-            </a:r>
-            <a:r>
-              <a:rPr lang="zh-CN" altLang="en-US" b="0" dirty="0"/>
-              <a:t>加密，输出视频就不再包含原始信息了。对于</a:t>
+              <a:t>加密，实现元数据的保存和加密，防止没经过授权的用户能访问到原视频。在加密之后，管线会把相同位置的帧区域替换成模糊的效果，所以视频就只剩下打码后的内容了。而加密后的源文件呢，就被写进了</a:t>
             </a:r>
             <a:r>
               <a:rPr lang="en-US" altLang="zh-CN" b="0" dirty="0"/>
@@ -5299,7 +5352,23 @@
             </a:r>
             <a:r>
               <a:rPr lang="zh-CN" altLang="en-US" b="0" dirty="0"/>
-              <a:t>那个文件包呢，是做了它的完整性校验，防止它被篡改。总而言之，只要用户只要拥有密钥和</a:t>
+              <a:t>这个加密文件包里。包的头部会写一些视频的基本信息，比如版本、帧率、分辨率等等，然后就是存储每帧的数据。为了保证它的安全就是一些老生常谈的内容了，要公私钥加密、要完整性校验，这些我也都做了。实现加密之后，用户会得到的就是一个加密过的视频、一个保存元数据的包文件和两个密钥，一个是</a:t>
+            </a:r>
+            <a:r>
+              <a:rPr lang="en-US" altLang="zh-CN" b="0" dirty="0"/>
+              <a:t>AES</a:t>
+            </a:r>
+            <a:r>
+              <a:rPr lang="zh-CN" altLang="en-US" b="0" dirty="0"/>
+              <a:t>的公钥，另一个是</a:t>
+            </a:r>
+            <a:r>
+              <a:rPr lang="en-US" altLang="zh-CN" b="0" dirty="0"/>
+              <a:t>HMAC</a:t>
+            </a:r>
+            <a:r>
+              <a:rPr lang="zh-CN" altLang="en-US" b="0" dirty="0"/>
+              <a:t>的密钥。我原本以为做到这就算结束了，但我有一天突然觉得现在这种实现方式很不优雅。原本的设想明明是用户拿着密钥就可以解锁全部内容，但现在怎么还需要一个</a:t>
             </a:r>
             <a:r>
               <a:rPr lang="en-US" altLang="zh-CN" b="0" dirty="0"/>
@@ -5307,7 +5376,47 @@
             </a:r>
             <a:r>
               <a:rPr lang="zh-CN" altLang="en-US" b="0" dirty="0"/>
-              <a:t>，就能恢复视频内容；但凡有一点不满足，就只能看到被遮挡过的视频。</a:t>
+              <a:t>文件包呢？这不就违背了一次分发的初衷了吗？我就想到大多数文件编码都会留一些给用户自定义的区域，那我就想</a:t>
+            </a:r>
+            <a:r>
+              <a:rPr lang="en-US" altLang="zh-CN" b="0" dirty="0"/>
+              <a:t>mp4</a:t>
+            </a:r>
+            <a:r>
+              <a:rPr lang="zh-CN" altLang="en-US" b="0" dirty="0"/>
+              <a:t>有没有这种东西呢？发现还真有，叫做</a:t>
+            </a:r>
+            <a:r>
+              <a:rPr lang="en-US" altLang="zh-CN" b="0" dirty="0"/>
+              <a:t>mp4</a:t>
+            </a:r>
+            <a:r>
+              <a:rPr lang="zh-CN" altLang="en-US" b="0" dirty="0"/>
+              <a:t>扩展盒。那现在我们就可以把元数据包直接存进</a:t>
+            </a:r>
+            <a:r>
+              <a:rPr lang="en-US" altLang="zh-CN" b="0" dirty="0"/>
+              <a:t>MP4</a:t>
+            </a:r>
+            <a:r>
+              <a:rPr lang="zh-CN" altLang="en-US" b="0" dirty="0"/>
+              <a:t>文件本身了。它的优点就是基于</a:t>
+            </a:r>
+            <a:r>
+              <a:rPr lang="en-US" altLang="zh-CN" b="0" dirty="0"/>
+              <a:t>ISO</a:t>
+            </a:r>
+            <a:r>
+              <a:rPr lang="zh-CN" altLang="en-US" b="0" dirty="0"/>
+              <a:t>标准，是通用的做法，也就是说可以兼容现有的工具，播放器如果不认识这个</a:t>
+            </a:r>
+            <a:r>
+              <a:rPr lang="en-US" altLang="zh-CN" b="0" dirty="0"/>
+              <a:t>box</a:t>
+            </a:r>
+            <a:r>
+              <a:rPr lang="zh-CN" altLang="en-US" b="0" dirty="0"/>
+              <a:t>的话就会忽略它，不会破坏视频本身。只要用我们的特定的播放器，输入解密密钥之后，就可以观看无码视频了。</a:t>
             </a:r>
           </a:p>
         </p:txBody>
@@ -5398,7 +5507,7 @@
     </p:spTree>
     <p:extLst>
       <p:ext uri="{BB962C8B-B14F-4D97-AF65-F5344CB8AC3E}">
-        <p14:creationId xmlns:p14="http://schemas.microsoft.com/office/powerpoint/2010/main" val="1927424967"/>
+        <p14:creationId xmlns:p14="http://schemas.microsoft.com/office/powerpoint/2010/main" val="2495306897"/>
       </p:ext>
     </p:extLst>
   </p:cSld>
@@ -5409,632 +5518,6 @@
 </file>
 
 <file path=ppt/slideLayouts/slideLayout1.xml><?xml version="1.0" encoding="utf-8"?>
-<p:sldLayout xmlns:a="http://schemas.openxmlformats.org/drawingml/2006/main" xmlns:r="http://schemas.openxmlformats.org/officeDocument/2006/relationships" xmlns:p="http://schemas.openxmlformats.org/presentationml/2006/main" type="title" preserve="1">
-  <p:cSld name="标题幻灯片">
-    <p:spTree>
-      <p:nvGrpSpPr>
-        <p:cNvPr id="1" name=""/>
-        <p:cNvGrpSpPr/>
-        <p:nvPr/>
-      </p:nvGrpSpPr>
-      <p:grpSpPr>
-        <a:xfrm>
-          <a:off x="0" y="0"/>
-          <a:ext cx="0" cy="0"/>
-          <a:chOff x="0" y="0"/>
-          <a:chExt cx="0" cy="0"/>
-        </a:xfrm>
-      </p:grpSpPr>
-      <p:sp>
-        <p:nvSpPr>
-          <p:cNvPr id="2" name="标题 1">
-            <a:extLst>
-              <a:ext uri="{FF2B5EF4-FFF2-40B4-BE49-F238E27FC236}">
-                <a16:creationId xmlns:a16="http://schemas.microsoft.com/office/drawing/2014/main" id="{ED7D2F3F-778D-AE82-0D0A-08861B53A516}"/>
-              </a:ext>
-            </a:extLst>
-          </p:cNvPr>
-          <p:cNvSpPr>
-            <a:spLocks noGrp="1"/>
-          </p:cNvSpPr>
-          <p:nvPr>
-            <p:ph type="ctrTitle"/>
-          </p:nvPr>
-        </p:nvSpPr>
-        <p:spPr>
-          <a:xfrm>
-            <a:off x="1524000" y="1122363"/>
-            <a:ext cx="9144000" cy="2387600"/>
-          </a:xfrm>
-        </p:spPr>
-        <p:txBody>
-          <a:bodyPr anchor="b"/>
-          <a:lstStyle>
-            <a:lvl1pPr algn="ctr">
-              <a:defRPr sz="6000"/>
-            </a:lvl1pPr>
-          </a:lstStyle>
-          <a:p>
-            <a:r>
-              <a:rPr lang="zh-CN" altLang="en-US"/>
-              <a:t>单击此处编辑母版标题样式</a:t>
-            </a:r>
-          </a:p>
-        </p:txBody>
-      </p:sp>
-      <p:sp>
-        <p:nvSpPr>
-          <p:cNvPr id="3" name="副标题 2">
-            <a:extLst>
-              <a:ext uri="{FF2B5EF4-FFF2-40B4-BE49-F238E27FC236}">
-                <a16:creationId xmlns:a16="http://schemas.microsoft.com/office/drawing/2014/main" id="{05D9A00E-8E15-8AF3-9CFC-B10D7DABC4AC}"/>
-              </a:ext>
-            </a:extLst>
-          </p:cNvPr>
-          <p:cNvSpPr>
-            <a:spLocks noGrp="1"/>
-          </p:cNvSpPr>
-          <p:nvPr>
-            <p:ph type="subTitle" idx="1"/>
-          </p:nvPr>
-        </p:nvSpPr>
-        <p:spPr>
-          <a:xfrm>
-            <a:off x="1524000" y="3602038"/>
-            <a:ext cx="9144000" cy="1655762"/>
-          </a:xfrm>
-        </p:spPr>
-        <p:txBody>
-          <a:bodyPr/>
-          <a:lstStyle>
-            <a:lvl1pPr marL="0" indent="0" algn="ctr">
-              <a:buNone/>
-              <a:defRPr sz="2400"/>
-            </a:lvl1pPr>
-            <a:lvl2pPr marL="457200" indent="0" algn="ctr">
-              <a:buNone/>
-              <a:defRPr sz="2000"/>
-            </a:lvl2pPr>
-            <a:lvl3pPr marL="914400" indent="0" algn="ctr">
-              <a:buNone/>
-              <a:defRPr sz="1800"/>
-            </a:lvl3pPr>
-            <a:lvl4pPr marL="1371600" indent="0" algn="ctr">
-              <a:buNone/>
-              <a:defRPr sz="1600"/>
-            </a:lvl4pPr>
-            <a:lvl5pPr marL="1828800" indent="0" algn="ctr">
-              <a:buNone/>
-              <a:defRPr sz="1600"/>
-            </a:lvl5pPr>
-            <a:lvl6pPr marL="2286000" indent="0" algn="ctr">
-              <a:buNone/>
-              <a:defRPr sz="1600"/>
-            </a:lvl6pPr>
-            <a:lvl7pPr marL="2743200" indent="0" algn="ctr">
-              <a:buNone/>
-              <a:defRPr sz="1600"/>
-            </a:lvl7pPr>
-            <a:lvl8pPr marL="3200400" indent="0" algn="ctr">
-              <a:buNone/>
-              <a:defRPr sz="1600"/>
-            </a:lvl8pPr>
-            <a:lvl9pPr marL="3657600" indent="0" algn="ctr">
-              <a:buNone/>
-              <a:defRPr sz="1600"/>
-            </a:lvl9pPr>
-          </a:lstStyle>
-          <a:p>
-            <a:r>
-              <a:rPr lang="zh-CN" altLang="en-US"/>
-              <a:t>单击此处编辑母版副标题样式</a:t>
-            </a:r>
-          </a:p>
-        </p:txBody>
-      </p:sp>
-      <p:sp>
-        <p:nvSpPr>
-          <p:cNvPr id="4" name="日期占位符 3">
-            <a:extLst>
-              <a:ext uri="{FF2B5EF4-FFF2-40B4-BE49-F238E27FC236}">
-                <a16:creationId xmlns:a16="http://schemas.microsoft.com/office/drawing/2014/main" id="{C85CF270-027F-C4C8-2226-08DD15E5EDD1}"/>
-              </a:ext>
-            </a:extLst>
-          </p:cNvPr>
-          <p:cNvSpPr>
-            <a:spLocks noGrp="1"/>
-          </p:cNvSpPr>
-          <p:nvPr>
-            <p:ph type="dt" sz="half" idx="10"/>
-          </p:nvPr>
-        </p:nvSpPr>
-        <p:spPr/>
-        <p:txBody>
-          <a:bodyPr/>
-          <a:lstStyle/>
-          <a:p>
-            <a:fld id="{7AA81C96-24F4-4F3A-899C-FBD2C4469914}" type="datetimeFigureOut">
-              <a:rPr lang="zh-CN" altLang="en-US" smtClean="0"/>
-              <a:t>2025/10/24</a:t>
-            </a:fld>
-            <a:endParaRPr lang="zh-CN" altLang="en-US"/>
-          </a:p>
-        </p:txBody>
-      </p:sp>
-      <p:sp>
-        <p:nvSpPr>
-          <p:cNvPr id="5" name="页脚占位符 4">
-            <a:extLst>
-              <a:ext uri="{FF2B5EF4-FFF2-40B4-BE49-F238E27FC236}">
-                <a16:creationId xmlns:a16="http://schemas.microsoft.com/office/drawing/2014/main" id="{1232EE8F-47C5-D66D-EB84-BCD5242B04B0}"/>
-              </a:ext>
-            </a:extLst>
-          </p:cNvPr>
-          <p:cNvSpPr>
-            <a:spLocks noGrp="1"/>
-          </p:cNvSpPr>
-          <p:nvPr>
-            <p:ph type="ftr" sz="quarter" idx="11"/>
-          </p:nvPr>
-        </p:nvSpPr>
-        <p:spPr/>
-        <p:txBody>
-          <a:bodyPr/>
-          <a:lstStyle/>
-          <a:p>
-            <a:endParaRPr lang="zh-CN" altLang="en-US"/>
-          </a:p>
-        </p:txBody>
-      </p:sp>
-      <p:sp>
-        <p:nvSpPr>
-          <p:cNvPr id="6" name="灯片编号占位符 5">
-            <a:extLst>
-              <a:ext uri="{FF2B5EF4-FFF2-40B4-BE49-F238E27FC236}">
-                <a16:creationId xmlns:a16="http://schemas.microsoft.com/office/drawing/2014/main" id="{4FD5CA39-9072-3D23-C2D3-2F5DF91A9353}"/>
-              </a:ext>
-            </a:extLst>
-          </p:cNvPr>
-          <p:cNvSpPr>
-            <a:spLocks noGrp="1"/>
-          </p:cNvSpPr>
-          <p:nvPr>
-            <p:ph type="sldNum" sz="quarter" idx="12"/>
-          </p:nvPr>
-        </p:nvSpPr>
-        <p:spPr/>
-        <p:txBody>
-          <a:bodyPr/>
-          <a:lstStyle/>
-          <a:p>
-            <a:fld id="{C29498BF-BD51-437A-86B1-81643FAF715C}" type="slidenum">
-              <a:rPr lang="zh-CN" altLang="en-US" smtClean="0"/>
-              <a:t>‹#›</a:t>
-            </a:fld>
-            <a:endParaRPr lang="zh-CN" altLang="en-US"/>
-          </a:p>
-        </p:txBody>
-      </p:sp>
-    </p:spTree>
-    <p:extLst>
-      <p:ext uri="{BB962C8B-B14F-4D97-AF65-F5344CB8AC3E}">
-        <p14:creationId xmlns:p14="http://schemas.microsoft.com/office/powerpoint/2010/main" val="3243586079"/>
-      </p:ext>
-    </p:extLst>
-  </p:cSld>
-  <p:clrMapOvr>
-    <a:masterClrMapping/>
-  </p:clrMapOvr>
-</p:sldLayout>
-</file>
-
-<file path=ppt/slideLayouts/slideLayout10.xml><?xml version="1.0" encoding="utf-8"?>
-<p:sldLayout xmlns:a="http://schemas.openxmlformats.org/drawingml/2006/main" xmlns:r="http://schemas.openxmlformats.org/officeDocument/2006/relationships" xmlns:p="http://schemas.openxmlformats.org/presentationml/2006/main" type="vertTx" preserve="1">
-  <p:cSld name="标题和竖排文字">
-    <p:spTree>
-      <p:nvGrpSpPr>
-        <p:cNvPr id="1" name=""/>
-        <p:cNvGrpSpPr/>
-        <p:nvPr/>
-      </p:nvGrpSpPr>
-      <p:grpSpPr>
-        <a:xfrm>
-          <a:off x="0" y="0"/>
-          <a:ext cx="0" cy="0"/>
-          <a:chOff x="0" y="0"/>
-          <a:chExt cx="0" cy="0"/>
-        </a:xfrm>
-      </p:grpSpPr>
-      <p:sp>
-        <p:nvSpPr>
-          <p:cNvPr id="2" name="标题 1">
-            <a:extLst>
-              <a:ext uri="{FF2B5EF4-FFF2-40B4-BE49-F238E27FC236}">
-                <a16:creationId xmlns:a16="http://schemas.microsoft.com/office/drawing/2014/main" id="{80A27DAD-2D4C-10CC-F464-E6084AA1D4A7}"/>
-              </a:ext>
-            </a:extLst>
-          </p:cNvPr>
-          <p:cNvSpPr>
-            <a:spLocks noGrp="1"/>
-          </p:cNvSpPr>
-          <p:nvPr>
-            <p:ph type="title"/>
-          </p:nvPr>
-        </p:nvSpPr>
-        <p:spPr/>
-        <p:txBody>
-          <a:bodyPr/>
-          <a:lstStyle/>
-          <a:p>
-            <a:r>
-              <a:rPr lang="zh-CN" altLang="en-US"/>
-              <a:t>单击此处编辑母版标题样式</a:t>
-            </a:r>
-          </a:p>
-        </p:txBody>
-      </p:sp>
-      <p:sp>
-        <p:nvSpPr>
-          <p:cNvPr id="3" name="竖排文字占位符 2">
-            <a:extLst>
-              <a:ext uri="{FF2B5EF4-FFF2-40B4-BE49-F238E27FC236}">
-                <a16:creationId xmlns:a16="http://schemas.microsoft.com/office/drawing/2014/main" id="{2348FFDC-0AC7-88D6-60AF-DA78971A26D2}"/>
-              </a:ext>
-            </a:extLst>
-          </p:cNvPr>
-          <p:cNvSpPr>
-            <a:spLocks noGrp="1"/>
-          </p:cNvSpPr>
-          <p:nvPr>
-            <p:ph type="body" orient="vert" idx="1"/>
-          </p:nvPr>
-        </p:nvSpPr>
-        <p:spPr/>
-        <p:txBody>
-          <a:bodyPr vert="eaVert"/>
-          <a:lstStyle/>
-          <a:p>
-            <a:pPr lvl="0"/>
-            <a:r>
-              <a:rPr lang="zh-CN" altLang="en-US"/>
-              <a:t>单击此处编辑母版文本样式</a:t>
-            </a:r>
-          </a:p>
-          <a:p>
-            <a:pPr lvl="1"/>
-            <a:r>
-              <a:rPr lang="zh-CN" altLang="en-US"/>
-              <a:t>二级</a:t>
-            </a:r>
-          </a:p>
-          <a:p>
-            <a:pPr lvl="2"/>
-            <a:r>
-              <a:rPr lang="zh-CN" altLang="en-US"/>
-              <a:t>三级</a:t>
-            </a:r>
-          </a:p>
-          <a:p>
-            <a:pPr lvl="3"/>
-            <a:r>
-              <a:rPr lang="zh-CN" altLang="en-US"/>
-              <a:t>四级</a:t>
-            </a:r>
-          </a:p>
-          <a:p>
-            <a:pPr lvl="4"/>
-            <a:r>
-              <a:rPr lang="zh-CN" altLang="en-US"/>
-              <a:t>五级</a:t>
-            </a:r>
-          </a:p>
-        </p:txBody>
-      </p:sp>
-      <p:sp>
-        <p:nvSpPr>
-          <p:cNvPr id="4" name="日期占位符 3">
-            <a:extLst>
-              <a:ext uri="{FF2B5EF4-FFF2-40B4-BE49-F238E27FC236}">
-                <a16:creationId xmlns:a16="http://schemas.microsoft.com/office/drawing/2014/main" id="{F902D7AB-0635-BD0C-7911-C9795D675FAE}"/>
-              </a:ext>
-            </a:extLst>
-          </p:cNvPr>
-          <p:cNvSpPr>
-            <a:spLocks noGrp="1"/>
-          </p:cNvSpPr>
-          <p:nvPr>
-            <p:ph type="dt" sz="half" idx="10"/>
-          </p:nvPr>
-        </p:nvSpPr>
-        <p:spPr/>
-        <p:txBody>
-          <a:bodyPr/>
-          <a:lstStyle/>
-          <a:p>
-            <a:fld id="{7AA81C96-24F4-4F3A-899C-FBD2C4469914}" type="datetimeFigureOut">
-              <a:rPr lang="zh-CN" altLang="en-US" smtClean="0"/>
-              <a:t>2025/10/24</a:t>
-            </a:fld>
-            <a:endParaRPr lang="zh-CN" altLang="en-US"/>
-          </a:p>
-        </p:txBody>
-      </p:sp>
-      <p:sp>
-        <p:nvSpPr>
-          <p:cNvPr id="5" name="页脚占位符 4">
-            <a:extLst>
-              <a:ext uri="{FF2B5EF4-FFF2-40B4-BE49-F238E27FC236}">
-                <a16:creationId xmlns:a16="http://schemas.microsoft.com/office/drawing/2014/main" id="{DF2016DC-76B6-3C08-AA68-A84036B02E98}"/>
-              </a:ext>
-            </a:extLst>
-          </p:cNvPr>
-          <p:cNvSpPr>
-            <a:spLocks noGrp="1"/>
-          </p:cNvSpPr>
-          <p:nvPr>
-            <p:ph type="ftr" sz="quarter" idx="11"/>
-          </p:nvPr>
-        </p:nvSpPr>
-        <p:spPr/>
-        <p:txBody>
-          <a:bodyPr/>
-          <a:lstStyle/>
-          <a:p>
-            <a:endParaRPr lang="zh-CN" altLang="en-US"/>
-          </a:p>
-        </p:txBody>
-      </p:sp>
-      <p:sp>
-        <p:nvSpPr>
-          <p:cNvPr id="6" name="灯片编号占位符 5">
-            <a:extLst>
-              <a:ext uri="{FF2B5EF4-FFF2-40B4-BE49-F238E27FC236}">
-                <a16:creationId xmlns:a16="http://schemas.microsoft.com/office/drawing/2014/main" id="{262645EC-B3C4-CCEB-9CDB-800175B77DCC}"/>
-              </a:ext>
-            </a:extLst>
-          </p:cNvPr>
-          <p:cNvSpPr>
-            <a:spLocks noGrp="1"/>
-          </p:cNvSpPr>
-          <p:nvPr>
-            <p:ph type="sldNum" sz="quarter" idx="12"/>
-          </p:nvPr>
-        </p:nvSpPr>
-        <p:spPr/>
-        <p:txBody>
-          <a:bodyPr/>
-          <a:lstStyle/>
-          <a:p>
-            <a:fld id="{C29498BF-BD51-437A-86B1-81643FAF715C}" type="slidenum">
-              <a:rPr lang="zh-CN" altLang="en-US" smtClean="0"/>
-              <a:t>‹#›</a:t>
-            </a:fld>
-            <a:endParaRPr lang="zh-CN" altLang="en-US"/>
-          </a:p>
-        </p:txBody>
-      </p:sp>
-    </p:spTree>
-    <p:extLst>
-      <p:ext uri="{BB962C8B-B14F-4D97-AF65-F5344CB8AC3E}">
-        <p14:creationId xmlns:p14="http://schemas.microsoft.com/office/powerpoint/2010/main" val="1080580064"/>
-      </p:ext>
-    </p:extLst>
-  </p:cSld>
-  <p:clrMapOvr>
-    <a:masterClrMapping/>
-  </p:clrMapOvr>
-</p:sldLayout>
-</file>
-
-<file path=ppt/slideLayouts/slideLayout11.xml><?xml version="1.0" encoding="utf-8"?>
-<p:sldLayout xmlns:a="http://schemas.openxmlformats.org/drawingml/2006/main" xmlns:r="http://schemas.openxmlformats.org/officeDocument/2006/relationships" xmlns:p="http://schemas.openxmlformats.org/presentationml/2006/main" type="vertTitleAndTx" preserve="1">
-  <p:cSld name="竖排标题与文本">
-    <p:spTree>
-      <p:nvGrpSpPr>
-        <p:cNvPr id="1" name=""/>
-        <p:cNvGrpSpPr/>
-        <p:nvPr/>
-      </p:nvGrpSpPr>
-      <p:grpSpPr>
-        <a:xfrm>
-          <a:off x="0" y="0"/>
-          <a:ext cx="0" cy="0"/>
-          <a:chOff x="0" y="0"/>
-          <a:chExt cx="0" cy="0"/>
-        </a:xfrm>
-      </p:grpSpPr>
-      <p:sp>
-        <p:nvSpPr>
-          <p:cNvPr id="2" name="竖排标题 1">
-            <a:extLst>
-              <a:ext uri="{FF2B5EF4-FFF2-40B4-BE49-F238E27FC236}">
-                <a16:creationId xmlns:a16="http://schemas.microsoft.com/office/drawing/2014/main" id="{27B167CF-DE5F-2825-FC79-D89A8114695D}"/>
-              </a:ext>
-            </a:extLst>
-          </p:cNvPr>
-          <p:cNvSpPr>
-            <a:spLocks noGrp="1"/>
-          </p:cNvSpPr>
-          <p:nvPr>
-            <p:ph type="title" orient="vert"/>
-          </p:nvPr>
-        </p:nvSpPr>
-        <p:spPr>
-          <a:xfrm>
-            <a:off x="8724900" y="365125"/>
-            <a:ext cx="2628900" cy="5811838"/>
-          </a:xfrm>
-        </p:spPr>
-        <p:txBody>
-          <a:bodyPr vert="eaVert"/>
-          <a:lstStyle/>
-          <a:p>
-            <a:r>
-              <a:rPr lang="zh-CN" altLang="en-US"/>
-              <a:t>单击此处编辑母版标题样式</a:t>
-            </a:r>
-          </a:p>
-        </p:txBody>
-      </p:sp>
-      <p:sp>
-        <p:nvSpPr>
-          <p:cNvPr id="3" name="竖排文字占位符 2">
-            <a:extLst>
-              <a:ext uri="{FF2B5EF4-FFF2-40B4-BE49-F238E27FC236}">
-                <a16:creationId xmlns:a16="http://schemas.microsoft.com/office/drawing/2014/main" id="{BADB0C73-F30F-9FAF-B5AA-69CC6F30B95C}"/>
-              </a:ext>
-            </a:extLst>
-          </p:cNvPr>
-          <p:cNvSpPr>
-            <a:spLocks noGrp="1"/>
-          </p:cNvSpPr>
-          <p:nvPr>
-            <p:ph type="body" orient="vert" idx="1"/>
-          </p:nvPr>
-        </p:nvSpPr>
-        <p:spPr>
-          <a:xfrm>
-            <a:off x="838200" y="365125"/>
-            <a:ext cx="7734300" cy="5811838"/>
-          </a:xfrm>
-        </p:spPr>
-        <p:txBody>
-          <a:bodyPr vert="eaVert"/>
-          <a:lstStyle/>
-          <a:p>
-            <a:pPr lvl="0"/>
-            <a:r>
-              <a:rPr lang="zh-CN" altLang="en-US"/>
-              <a:t>单击此处编辑母版文本样式</a:t>
-            </a:r>
-          </a:p>
-          <a:p>
-            <a:pPr lvl="1"/>
-            <a:r>
-              <a:rPr lang="zh-CN" altLang="en-US"/>
-              <a:t>二级</a:t>
-            </a:r>
-          </a:p>
-          <a:p>
-            <a:pPr lvl="2"/>
-            <a:r>
-              <a:rPr lang="zh-CN" altLang="en-US"/>
-              <a:t>三级</a:t>
-            </a:r>
-          </a:p>
-          <a:p>
-            <a:pPr lvl="3"/>
-            <a:r>
-              <a:rPr lang="zh-CN" altLang="en-US"/>
-              <a:t>四级</a:t>
-            </a:r>
-          </a:p>
-          <a:p>
-            <a:pPr lvl="4"/>
-            <a:r>
-              <a:rPr lang="zh-CN" altLang="en-US"/>
-              <a:t>五级</a:t>
-            </a:r>
-          </a:p>
-        </p:txBody>
-      </p:sp>
-      <p:sp>
-        <p:nvSpPr>
-          <p:cNvPr id="4" name="日期占位符 3">
-            <a:extLst>
-              <a:ext uri="{FF2B5EF4-FFF2-40B4-BE49-F238E27FC236}">
-                <a16:creationId xmlns:a16="http://schemas.microsoft.com/office/drawing/2014/main" id="{6CE6261A-2633-4F02-58AC-85D9E738EB8D}"/>
-              </a:ext>
-            </a:extLst>
-          </p:cNvPr>
-          <p:cNvSpPr>
-            <a:spLocks noGrp="1"/>
-          </p:cNvSpPr>
-          <p:nvPr>
-            <p:ph type="dt" sz="half" idx="10"/>
-          </p:nvPr>
-        </p:nvSpPr>
-        <p:spPr/>
-        <p:txBody>
-          <a:bodyPr/>
-          <a:lstStyle/>
-          <a:p>
-            <a:fld id="{7AA81C96-24F4-4F3A-899C-FBD2C4469914}" type="datetimeFigureOut">
-              <a:rPr lang="zh-CN" altLang="en-US" smtClean="0"/>
-              <a:t>2025/10/24</a:t>
-            </a:fld>
-            <a:endParaRPr lang="zh-CN" altLang="en-US"/>
-          </a:p>
-        </p:txBody>
-      </p:sp>
-      <p:sp>
-        <p:nvSpPr>
-          <p:cNvPr id="5" name="页脚占位符 4">
-            <a:extLst>
-              <a:ext uri="{FF2B5EF4-FFF2-40B4-BE49-F238E27FC236}">
-                <a16:creationId xmlns:a16="http://schemas.microsoft.com/office/drawing/2014/main" id="{2C373321-F136-E9EB-F276-1356F0B507C2}"/>
-              </a:ext>
-            </a:extLst>
-          </p:cNvPr>
-          <p:cNvSpPr>
-            <a:spLocks noGrp="1"/>
-          </p:cNvSpPr>
-          <p:nvPr>
-            <p:ph type="ftr" sz="quarter" idx="11"/>
-          </p:nvPr>
-        </p:nvSpPr>
-        <p:spPr/>
-        <p:txBody>
-          <a:bodyPr/>
-          <a:lstStyle/>
-          <a:p>
-            <a:endParaRPr lang="zh-CN" altLang="en-US"/>
-          </a:p>
-        </p:txBody>
-      </p:sp>
-      <p:sp>
-        <p:nvSpPr>
-          <p:cNvPr id="6" name="灯片编号占位符 5">
-            <a:extLst>
-              <a:ext uri="{FF2B5EF4-FFF2-40B4-BE49-F238E27FC236}">
-                <a16:creationId xmlns:a16="http://schemas.microsoft.com/office/drawing/2014/main" id="{D73FD039-5401-D68F-C8A3-A135D00FBE83}"/>
-              </a:ext>
-            </a:extLst>
-          </p:cNvPr>
-          <p:cNvSpPr>
-            <a:spLocks noGrp="1"/>
-          </p:cNvSpPr>
-          <p:nvPr>
-            <p:ph type="sldNum" sz="quarter" idx="12"/>
-          </p:nvPr>
-        </p:nvSpPr>
-        <p:spPr/>
-        <p:txBody>
-          <a:bodyPr/>
-          <a:lstStyle/>
-          <a:p>
-            <a:fld id="{C29498BF-BD51-437A-86B1-81643FAF715C}" type="slidenum">
-              <a:rPr lang="zh-CN" altLang="en-US" smtClean="0"/>
-              <a:t>‹#›</a:t>
-            </a:fld>
-            <a:endParaRPr lang="zh-CN" altLang="en-US"/>
-          </a:p>
-        </p:txBody>
-      </p:sp>
-    </p:spTree>
-    <p:extLst>
-      <p:ext uri="{BB962C8B-B14F-4D97-AF65-F5344CB8AC3E}">
-        <p14:creationId xmlns:p14="http://schemas.microsoft.com/office/powerpoint/2010/main" val="4048507873"/>
-      </p:ext>
-    </p:extLst>
-  </p:cSld>
-  <p:clrMapOvr>
-    <a:masterClrMapping/>
-  </p:clrMapOvr>
-</p:sldLayout>
-</file>
-
-<file path=ppt/slideLayouts/slideLayout12.xml><?xml version="1.0" encoding="utf-8"?>
 <p:sldLayout xmlns:a="http://schemas.openxmlformats.org/drawingml/2006/main" xmlns:r="http://schemas.openxmlformats.org/officeDocument/2006/relationships" xmlns:p="http://schemas.openxmlformats.org/presentationml/2006/main" type="title" preserve="1">
   <p:cSld name="标题幻灯片">
     <p:spTree>
@@ -6163,7 +5646,7 @@
           <a:p>
             <a:fld id="{E7E08B94-B0B3-D748-9AF7-763EF72ADB9D}" type="datetimeFigureOut">
               <a:rPr kumimoji="1" lang="zh-CN" altLang="en-US" smtClean="0"/>
-              <a:t>2025/10/24</a:t>
+              <a:t>2025/10/27</a:t>
             </a:fld>
             <a:endParaRPr kumimoji="1" lang="zh-CN" altLang="en-US"/>
           </a:p>
@@ -6224,7 +5707,353 @@
 </p:sldLayout>
 </file>
 
-<file path=ppt/slideLayouts/slideLayout13.xml><?xml version="1.0" encoding="utf-8"?>
+<file path=ppt/slideLayouts/slideLayout10.xml><?xml version="1.0" encoding="utf-8"?>
+<p:sldLayout xmlns:a="http://schemas.openxmlformats.org/drawingml/2006/main" xmlns:r="http://schemas.openxmlformats.org/officeDocument/2006/relationships" xmlns:p="http://schemas.openxmlformats.org/presentationml/2006/main" type="vertTx" preserve="1">
+  <p:cSld name="标题和竖排文字">
+    <p:spTree>
+      <p:nvGrpSpPr>
+        <p:cNvPr id="1" name=""/>
+        <p:cNvGrpSpPr/>
+        <p:nvPr/>
+      </p:nvGrpSpPr>
+      <p:grpSpPr>
+        <a:xfrm>
+          <a:off x="0" y="0"/>
+          <a:ext cx="0" cy="0"/>
+          <a:chOff x="0" y="0"/>
+          <a:chExt cx="0" cy="0"/>
+        </a:xfrm>
+      </p:grpSpPr>
+      <p:sp>
+        <p:nvSpPr>
+          <p:cNvPr id="2" name="标题 1"/>
+          <p:cNvSpPr>
+            <a:spLocks noGrp="1"/>
+          </p:cNvSpPr>
+          <p:nvPr>
+            <p:ph type="title"/>
+          </p:nvPr>
+        </p:nvSpPr>
+        <p:spPr/>
+        <p:txBody>
+          <a:bodyPr/>
+          <a:lstStyle/>
+          <a:p>
+            <a:r>
+              <a:rPr kumimoji="1" lang="zh-CN" altLang="en-US"/>
+              <a:t>单击此处编辑母版标题样式</a:t>
+            </a:r>
+          </a:p>
+        </p:txBody>
+      </p:sp>
+      <p:sp>
+        <p:nvSpPr>
+          <p:cNvPr id="3" name="竖排文字占位符 2"/>
+          <p:cNvSpPr>
+            <a:spLocks noGrp="1"/>
+          </p:cNvSpPr>
+          <p:nvPr>
+            <p:ph type="body" orient="vert" idx="1"/>
+          </p:nvPr>
+        </p:nvSpPr>
+        <p:spPr/>
+        <p:txBody>
+          <a:bodyPr vert="eaVert"/>
+          <a:lstStyle/>
+          <a:p>
+            <a:pPr lvl="0"/>
+            <a:r>
+              <a:rPr kumimoji="1" lang="zh-CN" altLang="en-US"/>
+              <a:t>单击此处编辑母版文本样式</a:t>
+            </a:r>
+          </a:p>
+          <a:p>
+            <a:pPr lvl="1"/>
+            <a:r>
+              <a:rPr kumimoji="1" lang="zh-CN" altLang="en-US"/>
+              <a:t>二级</a:t>
+            </a:r>
+          </a:p>
+          <a:p>
+            <a:pPr lvl="2"/>
+            <a:r>
+              <a:rPr kumimoji="1" lang="zh-CN" altLang="en-US"/>
+              <a:t>三级</a:t>
+            </a:r>
+          </a:p>
+          <a:p>
+            <a:pPr lvl="3"/>
+            <a:r>
+              <a:rPr kumimoji="1" lang="zh-CN" altLang="en-US"/>
+              <a:t>四级</a:t>
+            </a:r>
+          </a:p>
+          <a:p>
+            <a:pPr lvl="4"/>
+            <a:r>
+              <a:rPr kumimoji="1" lang="zh-CN" altLang="en-US"/>
+              <a:t>五级</a:t>
+            </a:r>
+          </a:p>
+        </p:txBody>
+      </p:sp>
+      <p:sp>
+        <p:nvSpPr>
+          <p:cNvPr id="4" name="日期占位符 3"/>
+          <p:cNvSpPr>
+            <a:spLocks noGrp="1"/>
+          </p:cNvSpPr>
+          <p:nvPr>
+            <p:ph type="dt" sz="half" idx="10"/>
+          </p:nvPr>
+        </p:nvSpPr>
+        <p:spPr/>
+        <p:txBody>
+          <a:bodyPr/>
+          <a:lstStyle/>
+          <a:p>
+            <a:fld id="{E7E08B94-B0B3-D748-9AF7-763EF72ADB9D}" type="datetimeFigureOut">
+              <a:rPr kumimoji="1" lang="zh-CN" altLang="en-US" smtClean="0"/>
+              <a:t>2025/10/27</a:t>
+            </a:fld>
+            <a:endParaRPr kumimoji="1" lang="zh-CN" altLang="en-US"/>
+          </a:p>
+        </p:txBody>
+      </p:sp>
+      <p:sp>
+        <p:nvSpPr>
+          <p:cNvPr id="5" name="页脚占位符 4"/>
+          <p:cNvSpPr>
+            <a:spLocks noGrp="1"/>
+          </p:cNvSpPr>
+          <p:nvPr>
+            <p:ph type="ftr" sz="quarter" idx="11"/>
+          </p:nvPr>
+        </p:nvSpPr>
+        <p:spPr/>
+        <p:txBody>
+          <a:bodyPr/>
+          <a:lstStyle/>
+          <a:p>
+            <a:endParaRPr kumimoji="1" lang="zh-CN" altLang="en-US"/>
+          </a:p>
+        </p:txBody>
+      </p:sp>
+      <p:sp>
+        <p:nvSpPr>
+          <p:cNvPr id="6" name="灯片编号占位符 5"/>
+          <p:cNvSpPr>
+            <a:spLocks noGrp="1"/>
+          </p:cNvSpPr>
+          <p:nvPr>
+            <p:ph type="sldNum" sz="quarter" idx="12"/>
+          </p:nvPr>
+        </p:nvSpPr>
+        <p:spPr/>
+        <p:txBody>
+          <a:bodyPr/>
+          <a:lstStyle/>
+          <a:p>
+            <a:fld id="{A3F02C1F-FECB-3F4B-A508-74C8F5CFF95E}" type="slidenum">
+              <a:rPr kumimoji="1" lang="zh-CN" altLang="en-US" smtClean="0"/>
+              <a:t>‹#›</a:t>
+            </a:fld>
+            <a:endParaRPr kumimoji="1" lang="zh-CN" altLang="en-US"/>
+          </a:p>
+        </p:txBody>
+      </p:sp>
+    </p:spTree>
+    <p:extLst>
+      <p:ext uri="{BB962C8B-B14F-4D97-AF65-F5344CB8AC3E}">
+        <p14:creationId xmlns:p14="http://schemas.microsoft.com/office/powerpoint/2010/main" val="3059316591"/>
+      </p:ext>
+    </p:extLst>
+  </p:cSld>
+  <p:clrMapOvr>
+    <a:masterClrMapping/>
+  </p:clrMapOvr>
+</p:sldLayout>
+</file>
+
+<file path=ppt/slideLayouts/slideLayout11.xml><?xml version="1.0" encoding="utf-8"?>
+<p:sldLayout xmlns:a="http://schemas.openxmlformats.org/drawingml/2006/main" xmlns:r="http://schemas.openxmlformats.org/officeDocument/2006/relationships" xmlns:p="http://schemas.openxmlformats.org/presentationml/2006/main" type="vertTitleAndTx" preserve="1">
+  <p:cSld name="竖排标题与文本">
+    <p:spTree>
+      <p:nvGrpSpPr>
+        <p:cNvPr id="1" name=""/>
+        <p:cNvGrpSpPr/>
+        <p:nvPr/>
+      </p:nvGrpSpPr>
+      <p:grpSpPr>
+        <a:xfrm>
+          <a:off x="0" y="0"/>
+          <a:ext cx="0" cy="0"/>
+          <a:chOff x="0" y="0"/>
+          <a:chExt cx="0" cy="0"/>
+        </a:xfrm>
+      </p:grpSpPr>
+      <p:sp>
+        <p:nvSpPr>
+          <p:cNvPr id="2" name="竖排标题 1"/>
+          <p:cNvSpPr>
+            <a:spLocks noGrp="1"/>
+          </p:cNvSpPr>
+          <p:nvPr>
+            <p:ph type="title" orient="vert"/>
+          </p:nvPr>
+        </p:nvSpPr>
+        <p:spPr>
+          <a:xfrm>
+            <a:off x="8724900" y="365125"/>
+            <a:ext cx="2628900" cy="5811838"/>
+          </a:xfrm>
+        </p:spPr>
+        <p:txBody>
+          <a:bodyPr vert="eaVert"/>
+          <a:lstStyle/>
+          <a:p>
+            <a:r>
+              <a:rPr kumimoji="1" lang="zh-CN" altLang="en-US"/>
+              <a:t>单击此处编辑母版标题样式</a:t>
+            </a:r>
+          </a:p>
+        </p:txBody>
+      </p:sp>
+      <p:sp>
+        <p:nvSpPr>
+          <p:cNvPr id="3" name="竖排文字占位符 2"/>
+          <p:cNvSpPr>
+            <a:spLocks noGrp="1"/>
+          </p:cNvSpPr>
+          <p:nvPr>
+            <p:ph type="body" orient="vert" idx="1"/>
+          </p:nvPr>
+        </p:nvSpPr>
+        <p:spPr>
+          <a:xfrm>
+            <a:off x="838200" y="365125"/>
+            <a:ext cx="7734300" cy="5811838"/>
+          </a:xfrm>
+        </p:spPr>
+        <p:txBody>
+          <a:bodyPr vert="eaVert"/>
+          <a:lstStyle/>
+          <a:p>
+            <a:pPr lvl="0"/>
+            <a:r>
+              <a:rPr kumimoji="1" lang="zh-CN" altLang="en-US"/>
+              <a:t>单击此处编辑母版文本样式</a:t>
+            </a:r>
+          </a:p>
+          <a:p>
+            <a:pPr lvl="1"/>
+            <a:r>
+              <a:rPr kumimoji="1" lang="zh-CN" altLang="en-US"/>
+              <a:t>二级</a:t>
+            </a:r>
+          </a:p>
+          <a:p>
+            <a:pPr lvl="2"/>
+            <a:r>
+              <a:rPr kumimoji="1" lang="zh-CN" altLang="en-US"/>
+              <a:t>三级</a:t>
+            </a:r>
+          </a:p>
+          <a:p>
+            <a:pPr lvl="3"/>
+            <a:r>
+              <a:rPr kumimoji="1" lang="zh-CN" altLang="en-US"/>
+              <a:t>四级</a:t>
+            </a:r>
+          </a:p>
+          <a:p>
+            <a:pPr lvl="4"/>
+            <a:r>
+              <a:rPr kumimoji="1" lang="zh-CN" altLang="en-US"/>
+              <a:t>五级</a:t>
+            </a:r>
+          </a:p>
+        </p:txBody>
+      </p:sp>
+      <p:sp>
+        <p:nvSpPr>
+          <p:cNvPr id="4" name="日期占位符 3"/>
+          <p:cNvSpPr>
+            <a:spLocks noGrp="1"/>
+          </p:cNvSpPr>
+          <p:nvPr>
+            <p:ph type="dt" sz="half" idx="10"/>
+          </p:nvPr>
+        </p:nvSpPr>
+        <p:spPr/>
+        <p:txBody>
+          <a:bodyPr/>
+          <a:lstStyle/>
+          <a:p>
+            <a:fld id="{E7E08B94-B0B3-D748-9AF7-763EF72ADB9D}" type="datetimeFigureOut">
+              <a:rPr kumimoji="1" lang="zh-CN" altLang="en-US" smtClean="0"/>
+              <a:t>2025/10/27</a:t>
+            </a:fld>
+            <a:endParaRPr kumimoji="1" lang="zh-CN" altLang="en-US"/>
+          </a:p>
+        </p:txBody>
+      </p:sp>
+      <p:sp>
+        <p:nvSpPr>
+          <p:cNvPr id="5" name="页脚占位符 4"/>
+          <p:cNvSpPr>
+            <a:spLocks noGrp="1"/>
+          </p:cNvSpPr>
+          <p:nvPr>
+            <p:ph type="ftr" sz="quarter" idx="11"/>
+          </p:nvPr>
+        </p:nvSpPr>
+        <p:spPr/>
+        <p:txBody>
+          <a:bodyPr/>
+          <a:lstStyle/>
+          <a:p>
+            <a:endParaRPr kumimoji="1" lang="zh-CN" altLang="en-US"/>
+          </a:p>
+        </p:txBody>
+      </p:sp>
+      <p:sp>
+        <p:nvSpPr>
+          <p:cNvPr id="6" name="灯片编号占位符 5"/>
+          <p:cNvSpPr>
+            <a:spLocks noGrp="1"/>
+          </p:cNvSpPr>
+          <p:nvPr>
+            <p:ph type="sldNum" sz="quarter" idx="12"/>
+          </p:nvPr>
+        </p:nvSpPr>
+        <p:spPr/>
+        <p:txBody>
+          <a:bodyPr/>
+          <a:lstStyle/>
+          <a:p>
+            <a:fld id="{A3F02C1F-FECB-3F4B-A508-74C8F5CFF95E}" type="slidenum">
+              <a:rPr kumimoji="1" lang="zh-CN" altLang="en-US" smtClean="0"/>
+              <a:t>‹#›</a:t>
+            </a:fld>
+            <a:endParaRPr kumimoji="1" lang="zh-CN" altLang="en-US"/>
+          </a:p>
+        </p:txBody>
+      </p:sp>
+    </p:spTree>
+    <p:extLst>
+      <p:ext uri="{BB962C8B-B14F-4D97-AF65-F5344CB8AC3E}">
+        <p14:creationId xmlns:p14="http://schemas.microsoft.com/office/powerpoint/2010/main" val="1040749908"/>
+      </p:ext>
+    </p:extLst>
+  </p:cSld>
+  <p:clrMapOvr>
+    <a:masterClrMapping/>
+  </p:clrMapOvr>
+</p:sldLayout>
+</file>
+
+<file path=ppt/slideLayouts/slideLayout2.xml><?xml version="1.0" encoding="utf-8"?>
 <p:sldLayout xmlns:a="http://schemas.openxmlformats.org/drawingml/2006/main" xmlns:r="http://schemas.openxmlformats.org/officeDocument/2006/relationships" xmlns:p="http://schemas.openxmlformats.org/presentationml/2006/main" type="obj" preserve="1">
   <p:cSld name="标题和内容">
     <p:spTree>
@@ -6331,7 +6160,7 @@
           <a:p>
             <a:fld id="{E7E08B94-B0B3-D748-9AF7-763EF72ADB9D}" type="datetimeFigureOut">
               <a:rPr kumimoji="1" lang="zh-CN" altLang="en-US" smtClean="0"/>
-              <a:t>2025/10/24</a:t>
+              <a:t>2025/10/27</a:t>
             </a:fld>
             <a:endParaRPr kumimoji="1" lang="zh-CN" altLang="en-US"/>
           </a:p>
@@ -6392,7 +6221,7 @@
 </p:sldLayout>
 </file>
 
-<file path=ppt/slideLayouts/slideLayout14.xml><?xml version="1.0" encoding="utf-8"?>
+<file path=ppt/slideLayouts/slideLayout3.xml><?xml version="1.0" encoding="utf-8"?>
 <p:sldLayout xmlns:a="http://schemas.openxmlformats.org/drawingml/2006/main" xmlns:r="http://schemas.openxmlformats.org/officeDocument/2006/relationships" xmlns:p="http://schemas.openxmlformats.org/presentationml/2006/main" type="secHead" preserve="1">
   <p:cSld name="节标题">
     <p:spTree>
@@ -6576,7 +6405,7 @@
           <a:p>
             <a:fld id="{E7E08B94-B0B3-D748-9AF7-763EF72ADB9D}" type="datetimeFigureOut">
               <a:rPr kumimoji="1" lang="zh-CN" altLang="en-US" smtClean="0"/>
-              <a:t>2025/10/24</a:t>
+              <a:t>2025/10/27</a:t>
             </a:fld>
             <a:endParaRPr kumimoji="1" lang="zh-CN" altLang="en-US"/>
           </a:p>
@@ -6637,7 +6466,7 @@
 </p:sldLayout>
 </file>
 
-<file path=ppt/slideLayouts/slideLayout15.xml><?xml version="1.0" encoding="utf-8"?>
+<file path=ppt/slideLayouts/slideLayout4.xml><?xml version="1.0" encoding="utf-8"?>
 <p:sldLayout xmlns:a="http://schemas.openxmlformats.org/drawingml/2006/main" xmlns:r="http://schemas.openxmlformats.org/officeDocument/2006/relationships" xmlns:p="http://schemas.openxmlformats.org/presentationml/2006/main" type="twoObj" preserve="1">
   <p:cSld name="两栏内容">
     <p:spTree>
@@ -6805,7 +6634,7 @@
           <a:p>
             <a:fld id="{E7E08B94-B0B3-D748-9AF7-763EF72ADB9D}" type="datetimeFigureOut">
               <a:rPr kumimoji="1" lang="zh-CN" altLang="en-US" smtClean="0"/>
-              <a:t>2025/10/24</a:t>
+              <a:t>2025/10/27</a:t>
             </a:fld>
             <a:endParaRPr kumimoji="1" lang="zh-CN" altLang="en-US"/>
           </a:p>
@@ -6866,7 +6695,7 @@
 </p:sldLayout>
 </file>
 
-<file path=ppt/slideLayouts/slideLayout16.xml><?xml version="1.0" encoding="utf-8"?>
+<file path=ppt/slideLayouts/slideLayout5.xml><?xml version="1.0" encoding="utf-8"?>
 <p:sldLayout xmlns:a="http://schemas.openxmlformats.org/drawingml/2006/main" xmlns:r="http://schemas.openxmlformats.org/officeDocument/2006/relationships" xmlns:p="http://schemas.openxmlformats.org/presentationml/2006/main" type="twoTxTwoObj" preserve="1">
   <p:cSld name="比较">
     <p:spTree>
@@ -7169,7 +6998,7 @@
           <a:p>
             <a:fld id="{E7E08B94-B0B3-D748-9AF7-763EF72ADB9D}" type="datetimeFigureOut">
               <a:rPr kumimoji="1" lang="zh-CN" altLang="en-US" smtClean="0"/>
-              <a:t>2025/10/24</a:t>
+              <a:t>2025/10/27</a:t>
             </a:fld>
             <a:endParaRPr kumimoji="1" lang="zh-CN" altLang="en-US"/>
           </a:p>
@@ -7230,7 +7059,7 @@
 </p:sldLayout>
 </file>
 
-<file path=ppt/slideLayouts/slideLayout17.xml><?xml version="1.0" encoding="utf-8"?>
+<file path=ppt/slideLayouts/slideLayout6.xml><?xml version="1.0" encoding="utf-8"?>
 <p:sldLayout xmlns:a="http://schemas.openxmlformats.org/drawingml/2006/main" xmlns:r="http://schemas.openxmlformats.org/officeDocument/2006/relationships" xmlns:p="http://schemas.openxmlformats.org/presentationml/2006/main" type="titleOnly" preserve="1">
   <p:cSld name="仅标题">
     <p:spTree>
@@ -7286,7 +7115,7 @@
           <a:p>
             <a:fld id="{E7E08B94-B0B3-D748-9AF7-763EF72ADB9D}" type="datetimeFigureOut">
               <a:rPr kumimoji="1" lang="zh-CN" altLang="en-US" smtClean="0"/>
-              <a:t>2025/10/24</a:t>
+              <a:t>2025/10/27</a:t>
             </a:fld>
             <a:endParaRPr kumimoji="1" lang="zh-CN" altLang="en-US"/>
           </a:p>
@@ -7347,7 +7176,7 @@
 </p:sldLayout>
 </file>
 
-<file path=ppt/slideLayouts/slideLayout18.xml><?xml version="1.0" encoding="utf-8"?>
+<file path=ppt/slideLayouts/slideLayout7.xml><?xml version="1.0" encoding="utf-8"?>
 <p:sldLayout xmlns:a="http://schemas.openxmlformats.org/drawingml/2006/main" xmlns:r="http://schemas.openxmlformats.org/officeDocument/2006/relationships" xmlns:p="http://schemas.openxmlformats.org/presentationml/2006/main" type="blank" preserve="1">
   <p:cSld name="空白">
     <p:spTree>
@@ -7381,7 +7210,7 @@
           <a:p>
             <a:fld id="{E7E08B94-B0B3-D748-9AF7-763EF72ADB9D}" type="datetimeFigureOut">
               <a:rPr kumimoji="1" lang="zh-CN" altLang="en-US" smtClean="0"/>
-              <a:t>2025/10/24</a:t>
+              <a:t>2025/10/27</a:t>
             </a:fld>
             <a:endParaRPr kumimoji="1" lang="zh-CN" altLang="en-US"/>
           </a:p>
@@ -7442,7 +7271,7 @@
 </p:sldLayout>
 </file>
 
-<file path=ppt/slideLayouts/slideLayout19.xml><?xml version="1.0" encoding="utf-8"?>
+<file path=ppt/slideLayouts/slideLayout8.xml><?xml version="1.0" encoding="utf-8"?>
 <p:sldLayout xmlns:a="http://schemas.openxmlformats.org/drawingml/2006/main" xmlns:r="http://schemas.openxmlformats.org/officeDocument/2006/relationships" xmlns:p="http://schemas.openxmlformats.org/presentationml/2006/main" type="objTx" preserve="1">
   <p:cSld name="内容与标题">
     <p:spTree>
@@ -7656,7 +7485,7 @@
           <a:p>
             <a:fld id="{E7E08B94-B0B3-D748-9AF7-763EF72ADB9D}" type="datetimeFigureOut">
               <a:rPr kumimoji="1" lang="zh-CN" altLang="en-US" smtClean="0"/>
-              <a:t>2025/10/24</a:t>
+              <a:t>2025/10/27</a:t>
             </a:fld>
             <a:endParaRPr kumimoji="1" lang="zh-CN" altLang="en-US"/>
           </a:p>
@@ -7717,205 +7546,7 @@
 </p:sldLayout>
 </file>
 
-<file path=ppt/slideLayouts/slideLayout2.xml><?xml version="1.0" encoding="utf-8"?>
-<p:sldLayout xmlns:a="http://schemas.openxmlformats.org/drawingml/2006/main" xmlns:r="http://schemas.openxmlformats.org/officeDocument/2006/relationships" xmlns:p="http://schemas.openxmlformats.org/presentationml/2006/main" type="obj" preserve="1">
-  <p:cSld name="标题和内容">
-    <p:spTree>
-      <p:nvGrpSpPr>
-        <p:cNvPr id="1" name=""/>
-        <p:cNvGrpSpPr/>
-        <p:nvPr/>
-      </p:nvGrpSpPr>
-      <p:grpSpPr>
-        <a:xfrm>
-          <a:off x="0" y="0"/>
-          <a:ext cx="0" cy="0"/>
-          <a:chOff x="0" y="0"/>
-          <a:chExt cx="0" cy="0"/>
-        </a:xfrm>
-      </p:grpSpPr>
-      <p:sp>
-        <p:nvSpPr>
-          <p:cNvPr id="2" name="标题 1">
-            <a:extLst>
-              <a:ext uri="{FF2B5EF4-FFF2-40B4-BE49-F238E27FC236}">
-                <a16:creationId xmlns:a16="http://schemas.microsoft.com/office/drawing/2014/main" id="{5C23C8B3-B036-FC43-B0E9-3490EEEB034F}"/>
-              </a:ext>
-            </a:extLst>
-          </p:cNvPr>
-          <p:cNvSpPr>
-            <a:spLocks noGrp="1"/>
-          </p:cNvSpPr>
-          <p:nvPr>
-            <p:ph type="title"/>
-          </p:nvPr>
-        </p:nvSpPr>
-        <p:spPr/>
-        <p:txBody>
-          <a:bodyPr/>
-          <a:lstStyle/>
-          <a:p>
-            <a:r>
-              <a:rPr lang="zh-CN" altLang="en-US"/>
-              <a:t>单击此处编辑母版标题样式</a:t>
-            </a:r>
-          </a:p>
-        </p:txBody>
-      </p:sp>
-      <p:sp>
-        <p:nvSpPr>
-          <p:cNvPr id="3" name="内容占位符 2">
-            <a:extLst>
-              <a:ext uri="{FF2B5EF4-FFF2-40B4-BE49-F238E27FC236}">
-                <a16:creationId xmlns:a16="http://schemas.microsoft.com/office/drawing/2014/main" id="{4B009C5F-D32E-3643-2216-DCA6674892E4}"/>
-              </a:ext>
-            </a:extLst>
-          </p:cNvPr>
-          <p:cNvSpPr>
-            <a:spLocks noGrp="1"/>
-          </p:cNvSpPr>
-          <p:nvPr>
-            <p:ph idx="1"/>
-          </p:nvPr>
-        </p:nvSpPr>
-        <p:spPr/>
-        <p:txBody>
-          <a:bodyPr/>
-          <a:lstStyle/>
-          <a:p>
-            <a:pPr lvl="0"/>
-            <a:r>
-              <a:rPr lang="zh-CN" altLang="en-US"/>
-              <a:t>单击此处编辑母版文本样式</a:t>
-            </a:r>
-          </a:p>
-          <a:p>
-            <a:pPr lvl="1"/>
-            <a:r>
-              <a:rPr lang="zh-CN" altLang="en-US"/>
-              <a:t>二级</a:t>
-            </a:r>
-          </a:p>
-          <a:p>
-            <a:pPr lvl="2"/>
-            <a:r>
-              <a:rPr lang="zh-CN" altLang="en-US"/>
-              <a:t>三级</a:t>
-            </a:r>
-          </a:p>
-          <a:p>
-            <a:pPr lvl="3"/>
-            <a:r>
-              <a:rPr lang="zh-CN" altLang="en-US"/>
-              <a:t>四级</a:t>
-            </a:r>
-          </a:p>
-          <a:p>
-            <a:pPr lvl="4"/>
-            <a:r>
-              <a:rPr lang="zh-CN" altLang="en-US"/>
-              <a:t>五级</a:t>
-            </a:r>
-          </a:p>
-        </p:txBody>
-      </p:sp>
-      <p:sp>
-        <p:nvSpPr>
-          <p:cNvPr id="4" name="日期占位符 3">
-            <a:extLst>
-              <a:ext uri="{FF2B5EF4-FFF2-40B4-BE49-F238E27FC236}">
-                <a16:creationId xmlns:a16="http://schemas.microsoft.com/office/drawing/2014/main" id="{EC2AC207-839D-9042-2A23-55A90459F48E}"/>
-              </a:ext>
-            </a:extLst>
-          </p:cNvPr>
-          <p:cNvSpPr>
-            <a:spLocks noGrp="1"/>
-          </p:cNvSpPr>
-          <p:nvPr>
-            <p:ph type="dt" sz="half" idx="10"/>
-          </p:nvPr>
-        </p:nvSpPr>
-        <p:spPr/>
-        <p:txBody>
-          <a:bodyPr/>
-          <a:lstStyle/>
-          <a:p>
-            <a:fld id="{7AA81C96-24F4-4F3A-899C-FBD2C4469914}" type="datetimeFigureOut">
-              <a:rPr lang="zh-CN" altLang="en-US" smtClean="0"/>
-              <a:t>2025/10/24</a:t>
-            </a:fld>
-            <a:endParaRPr lang="zh-CN" altLang="en-US"/>
-          </a:p>
-        </p:txBody>
-      </p:sp>
-      <p:sp>
-        <p:nvSpPr>
-          <p:cNvPr id="5" name="页脚占位符 4">
-            <a:extLst>
-              <a:ext uri="{FF2B5EF4-FFF2-40B4-BE49-F238E27FC236}">
-                <a16:creationId xmlns:a16="http://schemas.microsoft.com/office/drawing/2014/main" id="{3926FD7D-76E4-4A49-F99D-51C09C1AF93C}"/>
-              </a:ext>
-            </a:extLst>
-          </p:cNvPr>
-          <p:cNvSpPr>
-            <a:spLocks noGrp="1"/>
-          </p:cNvSpPr>
-          <p:nvPr>
-            <p:ph type="ftr" sz="quarter" idx="11"/>
-          </p:nvPr>
-        </p:nvSpPr>
-        <p:spPr/>
-        <p:txBody>
-          <a:bodyPr/>
-          <a:lstStyle/>
-          <a:p>
-            <a:endParaRPr lang="zh-CN" altLang="en-US"/>
-          </a:p>
-        </p:txBody>
-      </p:sp>
-      <p:sp>
-        <p:nvSpPr>
-          <p:cNvPr id="6" name="灯片编号占位符 5">
-            <a:extLst>
-              <a:ext uri="{FF2B5EF4-FFF2-40B4-BE49-F238E27FC236}">
-                <a16:creationId xmlns:a16="http://schemas.microsoft.com/office/drawing/2014/main" id="{05C23B2D-C0B1-3041-4BB0-3E34CD1B09CD}"/>
-              </a:ext>
-            </a:extLst>
-          </p:cNvPr>
-          <p:cNvSpPr>
-            <a:spLocks noGrp="1"/>
-          </p:cNvSpPr>
-          <p:nvPr>
-            <p:ph type="sldNum" sz="quarter" idx="12"/>
-          </p:nvPr>
-        </p:nvSpPr>
-        <p:spPr/>
-        <p:txBody>
-          <a:bodyPr/>
-          <a:lstStyle/>
-          <a:p>
-            <a:fld id="{C29498BF-BD51-437A-86B1-81643FAF715C}" type="slidenum">
-              <a:rPr lang="zh-CN" altLang="en-US" smtClean="0"/>
-              <a:t>‹#›</a:t>
-            </a:fld>
-            <a:endParaRPr lang="zh-CN" altLang="en-US"/>
-          </a:p>
-        </p:txBody>
-      </p:sp>
-    </p:spTree>
-    <p:extLst>
-      <p:ext uri="{BB962C8B-B14F-4D97-AF65-F5344CB8AC3E}">
-        <p14:creationId xmlns:p14="http://schemas.microsoft.com/office/powerpoint/2010/main" val="1628000341"/>
-      </p:ext>
-    </p:extLst>
-  </p:cSld>
-  <p:clrMapOvr>
-    <a:masterClrMapping/>
-  </p:clrMapOvr>
-</p:sldLayout>
-</file>
-
-<file path=ppt/slideLayouts/slideLayout20.xml><?xml version="1.0" encoding="utf-8"?>
+<file path=ppt/slideLayouts/slideLayout9.xml><?xml version="1.0" encoding="utf-8"?>
 <p:sldLayout xmlns:a="http://schemas.openxmlformats.org/drawingml/2006/main" xmlns:r="http://schemas.openxmlformats.org/officeDocument/2006/relationships" xmlns:p="http://schemas.openxmlformats.org/presentationml/2006/main" type="picTx" preserve="1">
   <p:cSld name="图片与标题">
     <p:spTree>
@@ -8106,7 +7737,7 @@
           <a:p>
             <a:fld id="{E7E08B94-B0B3-D748-9AF7-763EF72ADB9D}" type="datetimeFigureOut">
               <a:rPr kumimoji="1" lang="zh-CN" altLang="en-US" smtClean="0"/>
-              <a:t>2025/10/24</a:t>
+              <a:t>2025/10/27</a:t>
             </a:fld>
             <a:endParaRPr kumimoji="1" lang="zh-CN" altLang="en-US"/>
           </a:p>
@@ -8167,2726 +7798,7 @@
 </p:sldLayout>
 </file>
 
-<file path=ppt/slideLayouts/slideLayout21.xml><?xml version="1.0" encoding="utf-8"?>
-<p:sldLayout xmlns:a="http://schemas.openxmlformats.org/drawingml/2006/main" xmlns:r="http://schemas.openxmlformats.org/officeDocument/2006/relationships" xmlns:p="http://schemas.openxmlformats.org/presentationml/2006/main" type="vertTx" preserve="1">
-  <p:cSld name="标题和竖排文字">
-    <p:spTree>
-      <p:nvGrpSpPr>
-        <p:cNvPr id="1" name=""/>
-        <p:cNvGrpSpPr/>
-        <p:nvPr/>
-      </p:nvGrpSpPr>
-      <p:grpSpPr>
-        <a:xfrm>
-          <a:off x="0" y="0"/>
-          <a:ext cx="0" cy="0"/>
-          <a:chOff x="0" y="0"/>
-          <a:chExt cx="0" cy="0"/>
-        </a:xfrm>
-      </p:grpSpPr>
-      <p:sp>
-        <p:nvSpPr>
-          <p:cNvPr id="2" name="标题 1"/>
-          <p:cNvSpPr>
-            <a:spLocks noGrp="1"/>
-          </p:cNvSpPr>
-          <p:nvPr>
-            <p:ph type="title"/>
-          </p:nvPr>
-        </p:nvSpPr>
-        <p:spPr/>
-        <p:txBody>
-          <a:bodyPr/>
-          <a:lstStyle/>
-          <a:p>
-            <a:r>
-              <a:rPr kumimoji="1" lang="zh-CN" altLang="en-US"/>
-              <a:t>单击此处编辑母版标题样式</a:t>
-            </a:r>
-          </a:p>
-        </p:txBody>
-      </p:sp>
-      <p:sp>
-        <p:nvSpPr>
-          <p:cNvPr id="3" name="竖排文字占位符 2"/>
-          <p:cNvSpPr>
-            <a:spLocks noGrp="1"/>
-          </p:cNvSpPr>
-          <p:nvPr>
-            <p:ph type="body" orient="vert" idx="1"/>
-          </p:nvPr>
-        </p:nvSpPr>
-        <p:spPr/>
-        <p:txBody>
-          <a:bodyPr vert="eaVert"/>
-          <a:lstStyle/>
-          <a:p>
-            <a:pPr lvl="0"/>
-            <a:r>
-              <a:rPr kumimoji="1" lang="zh-CN" altLang="en-US"/>
-              <a:t>单击此处编辑母版文本样式</a:t>
-            </a:r>
-          </a:p>
-          <a:p>
-            <a:pPr lvl="1"/>
-            <a:r>
-              <a:rPr kumimoji="1" lang="zh-CN" altLang="en-US"/>
-              <a:t>二级</a:t>
-            </a:r>
-          </a:p>
-          <a:p>
-            <a:pPr lvl="2"/>
-            <a:r>
-              <a:rPr kumimoji="1" lang="zh-CN" altLang="en-US"/>
-              <a:t>三级</a:t>
-            </a:r>
-          </a:p>
-          <a:p>
-            <a:pPr lvl="3"/>
-            <a:r>
-              <a:rPr kumimoji="1" lang="zh-CN" altLang="en-US"/>
-              <a:t>四级</a:t>
-            </a:r>
-          </a:p>
-          <a:p>
-            <a:pPr lvl="4"/>
-            <a:r>
-              <a:rPr kumimoji="1" lang="zh-CN" altLang="en-US"/>
-              <a:t>五级</a:t>
-            </a:r>
-          </a:p>
-        </p:txBody>
-      </p:sp>
-      <p:sp>
-        <p:nvSpPr>
-          <p:cNvPr id="4" name="日期占位符 3"/>
-          <p:cNvSpPr>
-            <a:spLocks noGrp="1"/>
-          </p:cNvSpPr>
-          <p:nvPr>
-            <p:ph type="dt" sz="half" idx="10"/>
-          </p:nvPr>
-        </p:nvSpPr>
-        <p:spPr/>
-        <p:txBody>
-          <a:bodyPr/>
-          <a:lstStyle/>
-          <a:p>
-            <a:fld id="{E7E08B94-B0B3-D748-9AF7-763EF72ADB9D}" type="datetimeFigureOut">
-              <a:rPr kumimoji="1" lang="zh-CN" altLang="en-US" smtClean="0"/>
-              <a:t>2025/10/24</a:t>
-            </a:fld>
-            <a:endParaRPr kumimoji="1" lang="zh-CN" altLang="en-US"/>
-          </a:p>
-        </p:txBody>
-      </p:sp>
-      <p:sp>
-        <p:nvSpPr>
-          <p:cNvPr id="5" name="页脚占位符 4"/>
-          <p:cNvSpPr>
-            <a:spLocks noGrp="1"/>
-          </p:cNvSpPr>
-          <p:nvPr>
-            <p:ph type="ftr" sz="quarter" idx="11"/>
-          </p:nvPr>
-        </p:nvSpPr>
-        <p:spPr/>
-        <p:txBody>
-          <a:bodyPr/>
-          <a:lstStyle/>
-          <a:p>
-            <a:endParaRPr kumimoji="1" lang="zh-CN" altLang="en-US"/>
-          </a:p>
-        </p:txBody>
-      </p:sp>
-      <p:sp>
-        <p:nvSpPr>
-          <p:cNvPr id="6" name="灯片编号占位符 5"/>
-          <p:cNvSpPr>
-            <a:spLocks noGrp="1"/>
-          </p:cNvSpPr>
-          <p:nvPr>
-            <p:ph type="sldNum" sz="quarter" idx="12"/>
-          </p:nvPr>
-        </p:nvSpPr>
-        <p:spPr/>
-        <p:txBody>
-          <a:bodyPr/>
-          <a:lstStyle/>
-          <a:p>
-            <a:fld id="{A3F02C1F-FECB-3F4B-A508-74C8F5CFF95E}" type="slidenum">
-              <a:rPr kumimoji="1" lang="zh-CN" altLang="en-US" smtClean="0"/>
-              <a:t>‹#›</a:t>
-            </a:fld>
-            <a:endParaRPr kumimoji="1" lang="zh-CN" altLang="en-US"/>
-          </a:p>
-        </p:txBody>
-      </p:sp>
-    </p:spTree>
-    <p:extLst>
-      <p:ext uri="{BB962C8B-B14F-4D97-AF65-F5344CB8AC3E}">
-        <p14:creationId xmlns:p14="http://schemas.microsoft.com/office/powerpoint/2010/main" val="3059316591"/>
-      </p:ext>
-    </p:extLst>
-  </p:cSld>
-  <p:clrMapOvr>
-    <a:masterClrMapping/>
-  </p:clrMapOvr>
-</p:sldLayout>
-</file>
-
-<file path=ppt/slideLayouts/slideLayout22.xml><?xml version="1.0" encoding="utf-8"?>
-<p:sldLayout xmlns:a="http://schemas.openxmlformats.org/drawingml/2006/main" xmlns:r="http://schemas.openxmlformats.org/officeDocument/2006/relationships" xmlns:p="http://schemas.openxmlformats.org/presentationml/2006/main" type="vertTitleAndTx" preserve="1">
-  <p:cSld name="竖排标题与文本">
-    <p:spTree>
-      <p:nvGrpSpPr>
-        <p:cNvPr id="1" name=""/>
-        <p:cNvGrpSpPr/>
-        <p:nvPr/>
-      </p:nvGrpSpPr>
-      <p:grpSpPr>
-        <a:xfrm>
-          <a:off x="0" y="0"/>
-          <a:ext cx="0" cy="0"/>
-          <a:chOff x="0" y="0"/>
-          <a:chExt cx="0" cy="0"/>
-        </a:xfrm>
-      </p:grpSpPr>
-      <p:sp>
-        <p:nvSpPr>
-          <p:cNvPr id="2" name="竖排标题 1"/>
-          <p:cNvSpPr>
-            <a:spLocks noGrp="1"/>
-          </p:cNvSpPr>
-          <p:nvPr>
-            <p:ph type="title" orient="vert"/>
-          </p:nvPr>
-        </p:nvSpPr>
-        <p:spPr>
-          <a:xfrm>
-            <a:off x="8724900" y="365125"/>
-            <a:ext cx="2628900" cy="5811838"/>
-          </a:xfrm>
-        </p:spPr>
-        <p:txBody>
-          <a:bodyPr vert="eaVert"/>
-          <a:lstStyle/>
-          <a:p>
-            <a:r>
-              <a:rPr kumimoji="1" lang="zh-CN" altLang="en-US"/>
-              <a:t>单击此处编辑母版标题样式</a:t>
-            </a:r>
-          </a:p>
-        </p:txBody>
-      </p:sp>
-      <p:sp>
-        <p:nvSpPr>
-          <p:cNvPr id="3" name="竖排文字占位符 2"/>
-          <p:cNvSpPr>
-            <a:spLocks noGrp="1"/>
-          </p:cNvSpPr>
-          <p:nvPr>
-            <p:ph type="body" orient="vert" idx="1"/>
-          </p:nvPr>
-        </p:nvSpPr>
-        <p:spPr>
-          <a:xfrm>
-            <a:off x="838200" y="365125"/>
-            <a:ext cx="7734300" cy="5811838"/>
-          </a:xfrm>
-        </p:spPr>
-        <p:txBody>
-          <a:bodyPr vert="eaVert"/>
-          <a:lstStyle/>
-          <a:p>
-            <a:pPr lvl="0"/>
-            <a:r>
-              <a:rPr kumimoji="1" lang="zh-CN" altLang="en-US"/>
-              <a:t>单击此处编辑母版文本样式</a:t>
-            </a:r>
-          </a:p>
-          <a:p>
-            <a:pPr lvl="1"/>
-            <a:r>
-              <a:rPr kumimoji="1" lang="zh-CN" altLang="en-US"/>
-              <a:t>二级</a:t>
-            </a:r>
-          </a:p>
-          <a:p>
-            <a:pPr lvl="2"/>
-            <a:r>
-              <a:rPr kumimoji="1" lang="zh-CN" altLang="en-US"/>
-              <a:t>三级</a:t>
-            </a:r>
-          </a:p>
-          <a:p>
-            <a:pPr lvl="3"/>
-            <a:r>
-              <a:rPr kumimoji="1" lang="zh-CN" altLang="en-US"/>
-              <a:t>四级</a:t>
-            </a:r>
-          </a:p>
-          <a:p>
-            <a:pPr lvl="4"/>
-            <a:r>
-              <a:rPr kumimoji="1" lang="zh-CN" altLang="en-US"/>
-              <a:t>五级</a:t>
-            </a:r>
-          </a:p>
-        </p:txBody>
-      </p:sp>
-      <p:sp>
-        <p:nvSpPr>
-          <p:cNvPr id="4" name="日期占位符 3"/>
-          <p:cNvSpPr>
-            <a:spLocks noGrp="1"/>
-          </p:cNvSpPr>
-          <p:nvPr>
-            <p:ph type="dt" sz="half" idx="10"/>
-          </p:nvPr>
-        </p:nvSpPr>
-        <p:spPr/>
-        <p:txBody>
-          <a:bodyPr/>
-          <a:lstStyle/>
-          <a:p>
-            <a:fld id="{E7E08B94-B0B3-D748-9AF7-763EF72ADB9D}" type="datetimeFigureOut">
-              <a:rPr kumimoji="1" lang="zh-CN" altLang="en-US" smtClean="0"/>
-              <a:t>2025/10/24</a:t>
-            </a:fld>
-            <a:endParaRPr kumimoji="1" lang="zh-CN" altLang="en-US"/>
-          </a:p>
-        </p:txBody>
-      </p:sp>
-      <p:sp>
-        <p:nvSpPr>
-          <p:cNvPr id="5" name="页脚占位符 4"/>
-          <p:cNvSpPr>
-            <a:spLocks noGrp="1"/>
-          </p:cNvSpPr>
-          <p:nvPr>
-            <p:ph type="ftr" sz="quarter" idx="11"/>
-          </p:nvPr>
-        </p:nvSpPr>
-        <p:spPr/>
-        <p:txBody>
-          <a:bodyPr/>
-          <a:lstStyle/>
-          <a:p>
-            <a:endParaRPr kumimoji="1" lang="zh-CN" altLang="en-US"/>
-          </a:p>
-        </p:txBody>
-      </p:sp>
-      <p:sp>
-        <p:nvSpPr>
-          <p:cNvPr id="6" name="灯片编号占位符 5"/>
-          <p:cNvSpPr>
-            <a:spLocks noGrp="1"/>
-          </p:cNvSpPr>
-          <p:nvPr>
-            <p:ph type="sldNum" sz="quarter" idx="12"/>
-          </p:nvPr>
-        </p:nvSpPr>
-        <p:spPr/>
-        <p:txBody>
-          <a:bodyPr/>
-          <a:lstStyle/>
-          <a:p>
-            <a:fld id="{A3F02C1F-FECB-3F4B-A508-74C8F5CFF95E}" type="slidenum">
-              <a:rPr kumimoji="1" lang="zh-CN" altLang="en-US" smtClean="0"/>
-              <a:t>‹#›</a:t>
-            </a:fld>
-            <a:endParaRPr kumimoji="1" lang="zh-CN" altLang="en-US"/>
-          </a:p>
-        </p:txBody>
-      </p:sp>
-    </p:spTree>
-    <p:extLst>
-      <p:ext uri="{BB962C8B-B14F-4D97-AF65-F5344CB8AC3E}">
-        <p14:creationId xmlns:p14="http://schemas.microsoft.com/office/powerpoint/2010/main" val="1040749908"/>
-      </p:ext>
-    </p:extLst>
-  </p:cSld>
-  <p:clrMapOvr>
-    <a:masterClrMapping/>
-  </p:clrMapOvr>
-</p:sldLayout>
-</file>
-
-<file path=ppt/slideLayouts/slideLayout3.xml><?xml version="1.0" encoding="utf-8"?>
-<p:sldLayout xmlns:a="http://schemas.openxmlformats.org/drawingml/2006/main" xmlns:r="http://schemas.openxmlformats.org/officeDocument/2006/relationships" xmlns:p="http://schemas.openxmlformats.org/presentationml/2006/main" type="secHead" preserve="1">
-  <p:cSld name="节标题">
-    <p:spTree>
-      <p:nvGrpSpPr>
-        <p:cNvPr id="1" name=""/>
-        <p:cNvGrpSpPr/>
-        <p:nvPr/>
-      </p:nvGrpSpPr>
-      <p:grpSpPr>
-        <a:xfrm>
-          <a:off x="0" y="0"/>
-          <a:ext cx="0" cy="0"/>
-          <a:chOff x="0" y="0"/>
-          <a:chExt cx="0" cy="0"/>
-        </a:xfrm>
-      </p:grpSpPr>
-      <p:sp>
-        <p:nvSpPr>
-          <p:cNvPr id="2" name="标题 1">
-            <a:extLst>
-              <a:ext uri="{FF2B5EF4-FFF2-40B4-BE49-F238E27FC236}">
-                <a16:creationId xmlns:a16="http://schemas.microsoft.com/office/drawing/2014/main" id="{B7D00892-E690-2EEC-D34A-7C84E256239D}"/>
-              </a:ext>
-            </a:extLst>
-          </p:cNvPr>
-          <p:cNvSpPr>
-            <a:spLocks noGrp="1"/>
-          </p:cNvSpPr>
-          <p:nvPr>
-            <p:ph type="title"/>
-          </p:nvPr>
-        </p:nvSpPr>
-        <p:spPr>
-          <a:xfrm>
-            <a:off x="831850" y="1709738"/>
-            <a:ext cx="10515600" cy="2852737"/>
-          </a:xfrm>
-        </p:spPr>
-        <p:txBody>
-          <a:bodyPr anchor="b"/>
-          <a:lstStyle>
-            <a:lvl1pPr>
-              <a:defRPr sz="6000"/>
-            </a:lvl1pPr>
-          </a:lstStyle>
-          <a:p>
-            <a:r>
-              <a:rPr lang="zh-CN" altLang="en-US"/>
-              <a:t>单击此处编辑母版标题样式</a:t>
-            </a:r>
-          </a:p>
-        </p:txBody>
-      </p:sp>
-      <p:sp>
-        <p:nvSpPr>
-          <p:cNvPr id="3" name="文本占位符 2">
-            <a:extLst>
-              <a:ext uri="{FF2B5EF4-FFF2-40B4-BE49-F238E27FC236}">
-                <a16:creationId xmlns:a16="http://schemas.microsoft.com/office/drawing/2014/main" id="{40DA12C1-2351-4392-FD65-C8237E456DF3}"/>
-              </a:ext>
-            </a:extLst>
-          </p:cNvPr>
-          <p:cNvSpPr>
-            <a:spLocks noGrp="1"/>
-          </p:cNvSpPr>
-          <p:nvPr>
-            <p:ph type="body" idx="1"/>
-          </p:nvPr>
-        </p:nvSpPr>
-        <p:spPr>
-          <a:xfrm>
-            <a:off x="831850" y="4589463"/>
-            <a:ext cx="10515600" cy="1500187"/>
-          </a:xfrm>
-        </p:spPr>
-        <p:txBody>
-          <a:bodyPr/>
-          <a:lstStyle>
-            <a:lvl1pPr marL="0" indent="0">
-              <a:buNone/>
-              <a:defRPr sz="2400">
-                <a:solidFill>
-                  <a:schemeClr val="tx1">
-                    <a:tint val="82000"/>
-                  </a:schemeClr>
-                </a:solidFill>
-              </a:defRPr>
-            </a:lvl1pPr>
-            <a:lvl2pPr marL="457200" indent="0">
-              <a:buNone/>
-              <a:defRPr sz="2000">
-                <a:solidFill>
-                  <a:schemeClr val="tx1">
-                    <a:tint val="82000"/>
-                  </a:schemeClr>
-                </a:solidFill>
-              </a:defRPr>
-            </a:lvl2pPr>
-            <a:lvl3pPr marL="914400" indent="0">
-              <a:buNone/>
-              <a:defRPr sz="1800">
-                <a:solidFill>
-                  <a:schemeClr val="tx1">
-                    <a:tint val="82000"/>
-                  </a:schemeClr>
-                </a:solidFill>
-              </a:defRPr>
-            </a:lvl3pPr>
-            <a:lvl4pPr marL="1371600" indent="0">
-              <a:buNone/>
-              <a:defRPr sz="1600">
-                <a:solidFill>
-                  <a:schemeClr val="tx1">
-                    <a:tint val="82000"/>
-                  </a:schemeClr>
-                </a:solidFill>
-              </a:defRPr>
-            </a:lvl4pPr>
-            <a:lvl5pPr marL="1828800" indent="0">
-              <a:buNone/>
-              <a:defRPr sz="1600">
-                <a:solidFill>
-                  <a:schemeClr val="tx1">
-                    <a:tint val="82000"/>
-                  </a:schemeClr>
-                </a:solidFill>
-              </a:defRPr>
-            </a:lvl5pPr>
-            <a:lvl6pPr marL="2286000" indent="0">
-              <a:buNone/>
-              <a:defRPr sz="1600">
-                <a:solidFill>
-                  <a:schemeClr val="tx1">
-                    <a:tint val="82000"/>
-                  </a:schemeClr>
-                </a:solidFill>
-              </a:defRPr>
-            </a:lvl6pPr>
-            <a:lvl7pPr marL="2743200" indent="0">
-              <a:buNone/>
-              <a:defRPr sz="1600">
-                <a:solidFill>
-                  <a:schemeClr val="tx1">
-                    <a:tint val="82000"/>
-                  </a:schemeClr>
-                </a:solidFill>
-              </a:defRPr>
-            </a:lvl7pPr>
-            <a:lvl8pPr marL="3200400" indent="0">
-              <a:buNone/>
-              <a:defRPr sz="1600">
-                <a:solidFill>
-                  <a:schemeClr val="tx1">
-                    <a:tint val="82000"/>
-                  </a:schemeClr>
-                </a:solidFill>
-              </a:defRPr>
-            </a:lvl8pPr>
-            <a:lvl9pPr marL="3657600" indent="0">
-              <a:buNone/>
-              <a:defRPr sz="1600">
-                <a:solidFill>
-                  <a:schemeClr val="tx1">
-                    <a:tint val="82000"/>
-                  </a:schemeClr>
-                </a:solidFill>
-              </a:defRPr>
-            </a:lvl9pPr>
-          </a:lstStyle>
-          <a:p>
-            <a:pPr lvl="0"/>
-            <a:r>
-              <a:rPr lang="zh-CN" altLang="en-US"/>
-              <a:t>单击此处编辑母版文本样式</a:t>
-            </a:r>
-          </a:p>
-        </p:txBody>
-      </p:sp>
-      <p:sp>
-        <p:nvSpPr>
-          <p:cNvPr id="4" name="日期占位符 3">
-            <a:extLst>
-              <a:ext uri="{FF2B5EF4-FFF2-40B4-BE49-F238E27FC236}">
-                <a16:creationId xmlns:a16="http://schemas.microsoft.com/office/drawing/2014/main" id="{D380DF00-0E0A-FCC8-1100-A2E877DB3E4B}"/>
-              </a:ext>
-            </a:extLst>
-          </p:cNvPr>
-          <p:cNvSpPr>
-            <a:spLocks noGrp="1"/>
-          </p:cNvSpPr>
-          <p:nvPr>
-            <p:ph type="dt" sz="half" idx="10"/>
-          </p:nvPr>
-        </p:nvSpPr>
-        <p:spPr/>
-        <p:txBody>
-          <a:bodyPr/>
-          <a:lstStyle/>
-          <a:p>
-            <a:fld id="{7AA81C96-24F4-4F3A-899C-FBD2C4469914}" type="datetimeFigureOut">
-              <a:rPr lang="zh-CN" altLang="en-US" smtClean="0"/>
-              <a:t>2025/10/24</a:t>
-            </a:fld>
-            <a:endParaRPr lang="zh-CN" altLang="en-US"/>
-          </a:p>
-        </p:txBody>
-      </p:sp>
-      <p:sp>
-        <p:nvSpPr>
-          <p:cNvPr id="5" name="页脚占位符 4">
-            <a:extLst>
-              <a:ext uri="{FF2B5EF4-FFF2-40B4-BE49-F238E27FC236}">
-                <a16:creationId xmlns:a16="http://schemas.microsoft.com/office/drawing/2014/main" id="{158D2DC8-4716-43A8-B704-C0D175BF2C59}"/>
-              </a:ext>
-            </a:extLst>
-          </p:cNvPr>
-          <p:cNvSpPr>
-            <a:spLocks noGrp="1"/>
-          </p:cNvSpPr>
-          <p:nvPr>
-            <p:ph type="ftr" sz="quarter" idx="11"/>
-          </p:nvPr>
-        </p:nvSpPr>
-        <p:spPr/>
-        <p:txBody>
-          <a:bodyPr/>
-          <a:lstStyle/>
-          <a:p>
-            <a:endParaRPr lang="zh-CN" altLang="en-US"/>
-          </a:p>
-        </p:txBody>
-      </p:sp>
-      <p:sp>
-        <p:nvSpPr>
-          <p:cNvPr id="6" name="灯片编号占位符 5">
-            <a:extLst>
-              <a:ext uri="{FF2B5EF4-FFF2-40B4-BE49-F238E27FC236}">
-                <a16:creationId xmlns:a16="http://schemas.microsoft.com/office/drawing/2014/main" id="{5BA2F1A1-778E-6881-0239-1AE69A425896}"/>
-              </a:ext>
-            </a:extLst>
-          </p:cNvPr>
-          <p:cNvSpPr>
-            <a:spLocks noGrp="1"/>
-          </p:cNvSpPr>
-          <p:nvPr>
-            <p:ph type="sldNum" sz="quarter" idx="12"/>
-          </p:nvPr>
-        </p:nvSpPr>
-        <p:spPr/>
-        <p:txBody>
-          <a:bodyPr/>
-          <a:lstStyle/>
-          <a:p>
-            <a:fld id="{C29498BF-BD51-437A-86B1-81643FAF715C}" type="slidenum">
-              <a:rPr lang="zh-CN" altLang="en-US" smtClean="0"/>
-              <a:t>‹#›</a:t>
-            </a:fld>
-            <a:endParaRPr lang="zh-CN" altLang="en-US"/>
-          </a:p>
-        </p:txBody>
-      </p:sp>
-    </p:spTree>
-    <p:extLst>
-      <p:ext uri="{BB962C8B-B14F-4D97-AF65-F5344CB8AC3E}">
-        <p14:creationId xmlns:p14="http://schemas.microsoft.com/office/powerpoint/2010/main" val="1425723657"/>
-      </p:ext>
-    </p:extLst>
-  </p:cSld>
-  <p:clrMapOvr>
-    <a:masterClrMapping/>
-  </p:clrMapOvr>
-</p:sldLayout>
-</file>
-
-<file path=ppt/slideLayouts/slideLayout4.xml><?xml version="1.0" encoding="utf-8"?>
-<p:sldLayout xmlns:a="http://schemas.openxmlformats.org/drawingml/2006/main" xmlns:r="http://schemas.openxmlformats.org/officeDocument/2006/relationships" xmlns:p="http://schemas.openxmlformats.org/presentationml/2006/main" type="twoObj" preserve="1">
-  <p:cSld name="两栏内容">
-    <p:spTree>
-      <p:nvGrpSpPr>
-        <p:cNvPr id="1" name=""/>
-        <p:cNvGrpSpPr/>
-        <p:nvPr/>
-      </p:nvGrpSpPr>
-      <p:grpSpPr>
-        <a:xfrm>
-          <a:off x="0" y="0"/>
-          <a:ext cx="0" cy="0"/>
-          <a:chOff x="0" y="0"/>
-          <a:chExt cx="0" cy="0"/>
-        </a:xfrm>
-      </p:grpSpPr>
-      <p:sp>
-        <p:nvSpPr>
-          <p:cNvPr id="2" name="标题 1">
-            <a:extLst>
-              <a:ext uri="{FF2B5EF4-FFF2-40B4-BE49-F238E27FC236}">
-                <a16:creationId xmlns:a16="http://schemas.microsoft.com/office/drawing/2014/main" id="{6EC577F0-275A-7E88-3843-20B50D61D8DC}"/>
-              </a:ext>
-            </a:extLst>
-          </p:cNvPr>
-          <p:cNvSpPr>
-            <a:spLocks noGrp="1"/>
-          </p:cNvSpPr>
-          <p:nvPr>
-            <p:ph type="title"/>
-          </p:nvPr>
-        </p:nvSpPr>
-        <p:spPr/>
-        <p:txBody>
-          <a:bodyPr/>
-          <a:lstStyle/>
-          <a:p>
-            <a:r>
-              <a:rPr lang="zh-CN" altLang="en-US"/>
-              <a:t>单击此处编辑母版标题样式</a:t>
-            </a:r>
-          </a:p>
-        </p:txBody>
-      </p:sp>
-      <p:sp>
-        <p:nvSpPr>
-          <p:cNvPr id="3" name="内容占位符 2">
-            <a:extLst>
-              <a:ext uri="{FF2B5EF4-FFF2-40B4-BE49-F238E27FC236}">
-                <a16:creationId xmlns:a16="http://schemas.microsoft.com/office/drawing/2014/main" id="{DD351460-BC92-5A6E-6F31-5141E91DDF87}"/>
-              </a:ext>
-            </a:extLst>
-          </p:cNvPr>
-          <p:cNvSpPr>
-            <a:spLocks noGrp="1"/>
-          </p:cNvSpPr>
-          <p:nvPr>
-            <p:ph sz="half" idx="1"/>
-          </p:nvPr>
-        </p:nvSpPr>
-        <p:spPr>
-          <a:xfrm>
-            <a:off x="838200" y="1825625"/>
-            <a:ext cx="5181600" cy="4351338"/>
-          </a:xfrm>
-        </p:spPr>
-        <p:txBody>
-          <a:bodyPr/>
-          <a:lstStyle/>
-          <a:p>
-            <a:pPr lvl="0"/>
-            <a:r>
-              <a:rPr lang="zh-CN" altLang="en-US"/>
-              <a:t>单击此处编辑母版文本样式</a:t>
-            </a:r>
-          </a:p>
-          <a:p>
-            <a:pPr lvl="1"/>
-            <a:r>
-              <a:rPr lang="zh-CN" altLang="en-US"/>
-              <a:t>二级</a:t>
-            </a:r>
-          </a:p>
-          <a:p>
-            <a:pPr lvl="2"/>
-            <a:r>
-              <a:rPr lang="zh-CN" altLang="en-US"/>
-              <a:t>三级</a:t>
-            </a:r>
-          </a:p>
-          <a:p>
-            <a:pPr lvl="3"/>
-            <a:r>
-              <a:rPr lang="zh-CN" altLang="en-US"/>
-              <a:t>四级</a:t>
-            </a:r>
-          </a:p>
-          <a:p>
-            <a:pPr lvl="4"/>
-            <a:r>
-              <a:rPr lang="zh-CN" altLang="en-US"/>
-              <a:t>五级</a:t>
-            </a:r>
-          </a:p>
-        </p:txBody>
-      </p:sp>
-      <p:sp>
-        <p:nvSpPr>
-          <p:cNvPr id="4" name="内容占位符 3">
-            <a:extLst>
-              <a:ext uri="{FF2B5EF4-FFF2-40B4-BE49-F238E27FC236}">
-                <a16:creationId xmlns:a16="http://schemas.microsoft.com/office/drawing/2014/main" id="{94707EF5-1C4A-C52E-C622-18A736DF0BE7}"/>
-              </a:ext>
-            </a:extLst>
-          </p:cNvPr>
-          <p:cNvSpPr>
-            <a:spLocks noGrp="1"/>
-          </p:cNvSpPr>
-          <p:nvPr>
-            <p:ph sz="half" idx="2"/>
-          </p:nvPr>
-        </p:nvSpPr>
-        <p:spPr>
-          <a:xfrm>
-            <a:off x="6172200" y="1825625"/>
-            <a:ext cx="5181600" cy="4351338"/>
-          </a:xfrm>
-        </p:spPr>
-        <p:txBody>
-          <a:bodyPr/>
-          <a:lstStyle/>
-          <a:p>
-            <a:pPr lvl="0"/>
-            <a:r>
-              <a:rPr lang="zh-CN" altLang="en-US"/>
-              <a:t>单击此处编辑母版文本样式</a:t>
-            </a:r>
-          </a:p>
-          <a:p>
-            <a:pPr lvl="1"/>
-            <a:r>
-              <a:rPr lang="zh-CN" altLang="en-US"/>
-              <a:t>二级</a:t>
-            </a:r>
-          </a:p>
-          <a:p>
-            <a:pPr lvl="2"/>
-            <a:r>
-              <a:rPr lang="zh-CN" altLang="en-US"/>
-              <a:t>三级</a:t>
-            </a:r>
-          </a:p>
-          <a:p>
-            <a:pPr lvl="3"/>
-            <a:r>
-              <a:rPr lang="zh-CN" altLang="en-US"/>
-              <a:t>四级</a:t>
-            </a:r>
-          </a:p>
-          <a:p>
-            <a:pPr lvl="4"/>
-            <a:r>
-              <a:rPr lang="zh-CN" altLang="en-US"/>
-              <a:t>五级</a:t>
-            </a:r>
-          </a:p>
-        </p:txBody>
-      </p:sp>
-      <p:sp>
-        <p:nvSpPr>
-          <p:cNvPr id="5" name="日期占位符 4">
-            <a:extLst>
-              <a:ext uri="{FF2B5EF4-FFF2-40B4-BE49-F238E27FC236}">
-                <a16:creationId xmlns:a16="http://schemas.microsoft.com/office/drawing/2014/main" id="{C1B65C91-7B4C-495E-82C7-702FC108D60A}"/>
-              </a:ext>
-            </a:extLst>
-          </p:cNvPr>
-          <p:cNvSpPr>
-            <a:spLocks noGrp="1"/>
-          </p:cNvSpPr>
-          <p:nvPr>
-            <p:ph type="dt" sz="half" idx="10"/>
-          </p:nvPr>
-        </p:nvSpPr>
-        <p:spPr/>
-        <p:txBody>
-          <a:bodyPr/>
-          <a:lstStyle/>
-          <a:p>
-            <a:fld id="{7AA81C96-24F4-4F3A-899C-FBD2C4469914}" type="datetimeFigureOut">
-              <a:rPr lang="zh-CN" altLang="en-US" smtClean="0"/>
-              <a:t>2025/10/24</a:t>
-            </a:fld>
-            <a:endParaRPr lang="zh-CN" altLang="en-US"/>
-          </a:p>
-        </p:txBody>
-      </p:sp>
-      <p:sp>
-        <p:nvSpPr>
-          <p:cNvPr id="6" name="页脚占位符 5">
-            <a:extLst>
-              <a:ext uri="{FF2B5EF4-FFF2-40B4-BE49-F238E27FC236}">
-                <a16:creationId xmlns:a16="http://schemas.microsoft.com/office/drawing/2014/main" id="{D64834DF-52F2-D049-9224-9DFA00241B2A}"/>
-              </a:ext>
-            </a:extLst>
-          </p:cNvPr>
-          <p:cNvSpPr>
-            <a:spLocks noGrp="1"/>
-          </p:cNvSpPr>
-          <p:nvPr>
-            <p:ph type="ftr" sz="quarter" idx="11"/>
-          </p:nvPr>
-        </p:nvSpPr>
-        <p:spPr/>
-        <p:txBody>
-          <a:bodyPr/>
-          <a:lstStyle/>
-          <a:p>
-            <a:endParaRPr lang="zh-CN" altLang="en-US"/>
-          </a:p>
-        </p:txBody>
-      </p:sp>
-      <p:sp>
-        <p:nvSpPr>
-          <p:cNvPr id="7" name="灯片编号占位符 6">
-            <a:extLst>
-              <a:ext uri="{FF2B5EF4-FFF2-40B4-BE49-F238E27FC236}">
-                <a16:creationId xmlns:a16="http://schemas.microsoft.com/office/drawing/2014/main" id="{741DA547-08D3-E248-D841-A8C9C429486E}"/>
-              </a:ext>
-            </a:extLst>
-          </p:cNvPr>
-          <p:cNvSpPr>
-            <a:spLocks noGrp="1"/>
-          </p:cNvSpPr>
-          <p:nvPr>
-            <p:ph type="sldNum" sz="quarter" idx="12"/>
-          </p:nvPr>
-        </p:nvSpPr>
-        <p:spPr/>
-        <p:txBody>
-          <a:bodyPr/>
-          <a:lstStyle/>
-          <a:p>
-            <a:fld id="{C29498BF-BD51-437A-86B1-81643FAF715C}" type="slidenum">
-              <a:rPr lang="zh-CN" altLang="en-US" smtClean="0"/>
-              <a:t>‹#›</a:t>
-            </a:fld>
-            <a:endParaRPr lang="zh-CN" altLang="en-US"/>
-          </a:p>
-        </p:txBody>
-      </p:sp>
-    </p:spTree>
-    <p:extLst>
-      <p:ext uri="{BB962C8B-B14F-4D97-AF65-F5344CB8AC3E}">
-        <p14:creationId xmlns:p14="http://schemas.microsoft.com/office/powerpoint/2010/main" val="3419768085"/>
-      </p:ext>
-    </p:extLst>
-  </p:cSld>
-  <p:clrMapOvr>
-    <a:masterClrMapping/>
-  </p:clrMapOvr>
-</p:sldLayout>
-</file>
-
-<file path=ppt/slideLayouts/slideLayout5.xml><?xml version="1.0" encoding="utf-8"?>
-<p:sldLayout xmlns:a="http://schemas.openxmlformats.org/drawingml/2006/main" xmlns:r="http://schemas.openxmlformats.org/officeDocument/2006/relationships" xmlns:p="http://schemas.openxmlformats.org/presentationml/2006/main" type="twoTxTwoObj" preserve="1">
-  <p:cSld name="比较">
-    <p:spTree>
-      <p:nvGrpSpPr>
-        <p:cNvPr id="1" name=""/>
-        <p:cNvGrpSpPr/>
-        <p:nvPr/>
-      </p:nvGrpSpPr>
-      <p:grpSpPr>
-        <a:xfrm>
-          <a:off x="0" y="0"/>
-          <a:ext cx="0" cy="0"/>
-          <a:chOff x="0" y="0"/>
-          <a:chExt cx="0" cy="0"/>
-        </a:xfrm>
-      </p:grpSpPr>
-      <p:sp>
-        <p:nvSpPr>
-          <p:cNvPr id="2" name="标题 1">
-            <a:extLst>
-              <a:ext uri="{FF2B5EF4-FFF2-40B4-BE49-F238E27FC236}">
-                <a16:creationId xmlns:a16="http://schemas.microsoft.com/office/drawing/2014/main" id="{418B9D37-190D-BDB5-C8CB-B20AAEF6A120}"/>
-              </a:ext>
-            </a:extLst>
-          </p:cNvPr>
-          <p:cNvSpPr>
-            <a:spLocks noGrp="1"/>
-          </p:cNvSpPr>
-          <p:nvPr>
-            <p:ph type="title"/>
-          </p:nvPr>
-        </p:nvSpPr>
-        <p:spPr>
-          <a:xfrm>
-            <a:off x="839788" y="365125"/>
-            <a:ext cx="10515600" cy="1325563"/>
-          </a:xfrm>
-        </p:spPr>
-        <p:txBody>
-          <a:bodyPr/>
-          <a:lstStyle/>
-          <a:p>
-            <a:r>
-              <a:rPr lang="zh-CN" altLang="en-US"/>
-              <a:t>单击此处编辑母版标题样式</a:t>
-            </a:r>
-          </a:p>
-        </p:txBody>
-      </p:sp>
-      <p:sp>
-        <p:nvSpPr>
-          <p:cNvPr id="3" name="文本占位符 2">
-            <a:extLst>
-              <a:ext uri="{FF2B5EF4-FFF2-40B4-BE49-F238E27FC236}">
-                <a16:creationId xmlns:a16="http://schemas.microsoft.com/office/drawing/2014/main" id="{6420F86C-02C8-5F93-52E2-ADF7F1C1EFB2}"/>
-              </a:ext>
-            </a:extLst>
-          </p:cNvPr>
-          <p:cNvSpPr>
-            <a:spLocks noGrp="1"/>
-          </p:cNvSpPr>
-          <p:nvPr>
-            <p:ph type="body" idx="1"/>
-          </p:nvPr>
-        </p:nvSpPr>
-        <p:spPr>
-          <a:xfrm>
-            <a:off x="839788" y="1681163"/>
-            <a:ext cx="5157787" cy="823912"/>
-          </a:xfrm>
-        </p:spPr>
-        <p:txBody>
-          <a:bodyPr anchor="b"/>
-          <a:lstStyle>
-            <a:lvl1pPr marL="0" indent="0">
-              <a:buNone/>
-              <a:defRPr sz="2400" b="1"/>
-            </a:lvl1pPr>
-            <a:lvl2pPr marL="457200" indent="0">
-              <a:buNone/>
-              <a:defRPr sz="2000" b="1"/>
-            </a:lvl2pPr>
-            <a:lvl3pPr marL="914400" indent="0">
-              <a:buNone/>
-              <a:defRPr sz="1800" b="1"/>
-            </a:lvl3pPr>
-            <a:lvl4pPr marL="1371600" indent="0">
-              <a:buNone/>
-              <a:defRPr sz="1600" b="1"/>
-            </a:lvl4pPr>
-            <a:lvl5pPr marL="1828800" indent="0">
-              <a:buNone/>
-              <a:defRPr sz="1600" b="1"/>
-            </a:lvl5pPr>
-            <a:lvl6pPr marL="2286000" indent="0">
-              <a:buNone/>
-              <a:defRPr sz="1600" b="1"/>
-            </a:lvl6pPr>
-            <a:lvl7pPr marL="2743200" indent="0">
-              <a:buNone/>
-              <a:defRPr sz="1600" b="1"/>
-            </a:lvl7pPr>
-            <a:lvl8pPr marL="3200400" indent="0">
-              <a:buNone/>
-              <a:defRPr sz="1600" b="1"/>
-            </a:lvl8pPr>
-            <a:lvl9pPr marL="3657600" indent="0">
-              <a:buNone/>
-              <a:defRPr sz="1600" b="1"/>
-            </a:lvl9pPr>
-          </a:lstStyle>
-          <a:p>
-            <a:pPr lvl="0"/>
-            <a:r>
-              <a:rPr lang="zh-CN" altLang="en-US"/>
-              <a:t>单击此处编辑母版文本样式</a:t>
-            </a:r>
-          </a:p>
-        </p:txBody>
-      </p:sp>
-      <p:sp>
-        <p:nvSpPr>
-          <p:cNvPr id="4" name="内容占位符 3">
-            <a:extLst>
-              <a:ext uri="{FF2B5EF4-FFF2-40B4-BE49-F238E27FC236}">
-                <a16:creationId xmlns:a16="http://schemas.microsoft.com/office/drawing/2014/main" id="{76F4C999-1DA0-71ED-6130-6AB8514812F7}"/>
-              </a:ext>
-            </a:extLst>
-          </p:cNvPr>
-          <p:cNvSpPr>
-            <a:spLocks noGrp="1"/>
-          </p:cNvSpPr>
-          <p:nvPr>
-            <p:ph sz="half" idx="2"/>
-          </p:nvPr>
-        </p:nvSpPr>
-        <p:spPr>
-          <a:xfrm>
-            <a:off x="839788" y="2505075"/>
-            <a:ext cx="5157787" cy="3684588"/>
-          </a:xfrm>
-        </p:spPr>
-        <p:txBody>
-          <a:bodyPr/>
-          <a:lstStyle/>
-          <a:p>
-            <a:pPr lvl="0"/>
-            <a:r>
-              <a:rPr lang="zh-CN" altLang="en-US"/>
-              <a:t>单击此处编辑母版文本样式</a:t>
-            </a:r>
-          </a:p>
-          <a:p>
-            <a:pPr lvl="1"/>
-            <a:r>
-              <a:rPr lang="zh-CN" altLang="en-US"/>
-              <a:t>二级</a:t>
-            </a:r>
-          </a:p>
-          <a:p>
-            <a:pPr lvl="2"/>
-            <a:r>
-              <a:rPr lang="zh-CN" altLang="en-US"/>
-              <a:t>三级</a:t>
-            </a:r>
-          </a:p>
-          <a:p>
-            <a:pPr lvl="3"/>
-            <a:r>
-              <a:rPr lang="zh-CN" altLang="en-US"/>
-              <a:t>四级</a:t>
-            </a:r>
-          </a:p>
-          <a:p>
-            <a:pPr lvl="4"/>
-            <a:r>
-              <a:rPr lang="zh-CN" altLang="en-US"/>
-              <a:t>五级</a:t>
-            </a:r>
-          </a:p>
-        </p:txBody>
-      </p:sp>
-      <p:sp>
-        <p:nvSpPr>
-          <p:cNvPr id="5" name="文本占位符 4">
-            <a:extLst>
-              <a:ext uri="{FF2B5EF4-FFF2-40B4-BE49-F238E27FC236}">
-                <a16:creationId xmlns:a16="http://schemas.microsoft.com/office/drawing/2014/main" id="{B7C31247-182E-2539-D876-7B230676D4CB}"/>
-              </a:ext>
-            </a:extLst>
-          </p:cNvPr>
-          <p:cNvSpPr>
-            <a:spLocks noGrp="1"/>
-          </p:cNvSpPr>
-          <p:nvPr>
-            <p:ph type="body" sz="quarter" idx="3"/>
-          </p:nvPr>
-        </p:nvSpPr>
-        <p:spPr>
-          <a:xfrm>
-            <a:off x="6172200" y="1681163"/>
-            <a:ext cx="5183188" cy="823912"/>
-          </a:xfrm>
-        </p:spPr>
-        <p:txBody>
-          <a:bodyPr anchor="b"/>
-          <a:lstStyle>
-            <a:lvl1pPr marL="0" indent="0">
-              <a:buNone/>
-              <a:defRPr sz="2400" b="1"/>
-            </a:lvl1pPr>
-            <a:lvl2pPr marL="457200" indent="0">
-              <a:buNone/>
-              <a:defRPr sz="2000" b="1"/>
-            </a:lvl2pPr>
-            <a:lvl3pPr marL="914400" indent="0">
-              <a:buNone/>
-              <a:defRPr sz="1800" b="1"/>
-            </a:lvl3pPr>
-            <a:lvl4pPr marL="1371600" indent="0">
-              <a:buNone/>
-              <a:defRPr sz="1600" b="1"/>
-            </a:lvl4pPr>
-            <a:lvl5pPr marL="1828800" indent="0">
-              <a:buNone/>
-              <a:defRPr sz="1600" b="1"/>
-            </a:lvl5pPr>
-            <a:lvl6pPr marL="2286000" indent="0">
-              <a:buNone/>
-              <a:defRPr sz="1600" b="1"/>
-            </a:lvl6pPr>
-            <a:lvl7pPr marL="2743200" indent="0">
-              <a:buNone/>
-              <a:defRPr sz="1600" b="1"/>
-            </a:lvl7pPr>
-            <a:lvl8pPr marL="3200400" indent="0">
-              <a:buNone/>
-              <a:defRPr sz="1600" b="1"/>
-            </a:lvl8pPr>
-            <a:lvl9pPr marL="3657600" indent="0">
-              <a:buNone/>
-              <a:defRPr sz="1600" b="1"/>
-            </a:lvl9pPr>
-          </a:lstStyle>
-          <a:p>
-            <a:pPr lvl="0"/>
-            <a:r>
-              <a:rPr lang="zh-CN" altLang="en-US"/>
-              <a:t>单击此处编辑母版文本样式</a:t>
-            </a:r>
-          </a:p>
-        </p:txBody>
-      </p:sp>
-      <p:sp>
-        <p:nvSpPr>
-          <p:cNvPr id="6" name="内容占位符 5">
-            <a:extLst>
-              <a:ext uri="{FF2B5EF4-FFF2-40B4-BE49-F238E27FC236}">
-                <a16:creationId xmlns:a16="http://schemas.microsoft.com/office/drawing/2014/main" id="{627F32FE-869C-0096-6F89-BB3715E05C25}"/>
-              </a:ext>
-            </a:extLst>
-          </p:cNvPr>
-          <p:cNvSpPr>
-            <a:spLocks noGrp="1"/>
-          </p:cNvSpPr>
-          <p:nvPr>
-            <p:ph sz="quarter" idx="4"/>
-          </p:nvPr>
-        </p:nvSpPr>
-        <p:spPr>
-          <a:xfrm>
-            <a:off x="6172200" y="2505075"/>
-            <a:ext cx="5183188" cy="3684588"/>
-          </a:xfrm>
-        </p:spPr>
-        <p:txBody>
-          <a:bodyPr/>
-          <a:lstStyle/>
-          <a:p>
-            <a:pPr lvl="0"/>
-            <a:r>
-              <a:rPr lang="zh-CN" altLang="en-US"/>
-              <a:t>单击此处编辑母版文本样式</a:t>
-            </a:r>
-          </a:p>
-          <a:p>
-            <a:pPr lvl="1"/>
-            <a:r>
-              <a:rPr lang="zh-CN" altLang="en-US"/>
-              <a:t>二级</a:t>
-            </a:r>
-          </a:p>
-          <a:p>
-            <a:pPr lvl="2"/>
-            <a:r>
-              <a:rPr lang="zh-CN" altLang="en-US"/>
-              <a:t>三级</a:t>
-            </a:r>
-          </a:p>
-          <a:p>
-            <a:pPr lvl="3"/>
-            <a:r>
-              <a:rPr lang="zh-CN" altLang="en-US"/>
-              <a:t>四级</a:t>
-            </a:r>
-          </a:p>
-          <a:p>
-            <a:pPr lvl="4"/>
-            <a:r>
-              <a:rPr lang="zh-CN" altLang="en-US"/>
-              <a:t>五级</a:t>
-            </a:r>
-          </a:p>
-        </p:txBody>
-      </p:sp>
-      <p:sp>
-        <p:nvSpPr>
-          <p:cNvPr id="7" name="日期占位符 6">
-            <a:extLst>
-              <a:ext uri="{FF2B5EF4-FFF2-40B4-BE49-F238E27FC236}">
-                <a16:creationId xmlns:a16="http://schemas.microsoft.com/office/drawing/2014/main" id="{616DEF96-B1D9-8E36-6A8C-68864F33932E}"/>
-              </a:ext>
-            </a:extLst>
-          </p:cNvPr>
-          <p:cNvSpPr>
-            <a:spLocks noGrp="1"/>
-          </p:cNvSpPr>
-          <p:nvPr>
-            <p:ph type="dt" sz="half" idx="10"/>
-          </p:nvPr>
-        </p:nvSpPr>
-        <p:spPr/>
-        <p:txBody>
-          <a:bodyPr/>
-          <a:lstStyle/>
-          <a:p>
-            <a:fld id="{7AA81C96-24F4-4F3A-899C-FBD2C4469914}" type="datetimeFigureOut">
-              <a:rPr lang="zh-CN" altLang="en-US" smtClean="0"/>
-              <a:t>2025/10/24</a:t>
-            </a:fld>
-            <a:endParaRPr lang="zh-CN" altLang="en-US"/>
-          </a:p>
-        </p:txBody>
-      </p:sp>
-      <p:sp>
-        <p:nvSpPr>
-          <p:cNvPr id="8" name="页脚占位符 7">
-            <a:extLst>
-              <a:ext uri="{FF2B5EF4-FFF2-40B4-BE49-F238E27FC236}">
-                <a16:creationId xmlns:a16="http://schemas.microsoft.com/office/drawing/2014/main" id="{0CE80CF3-91C0-051E-5F0D-4F2EE2916B3C}"/>
-              </a:ext>
-            </a:extLst>
-          </p:cNvPr>
-          <p:cNvSpPr>
-            <a:spLocks noGrp="1"/>
-          </p:cNvSpPr>
-          <p:nvPr>
-            <p:ph type="ftr" sz="quarter" idx="11"/>
-          </p:nvPr>
-        </p:nvSpPr>
-        <p:spPr/>
-        <p:txBody>
-          <a:bodyPr/>
-          <a:lstStyle/>
-          <a:p>
-            <a:endParaRPr lang="zh-CN" altLang="en-US"/>
-          </a:p>
-        </p:txBody>
-      </p:sp>
-      <p:sp>
-        <p:nvSpPr>
-          <p:cNvPr id="9" name="灯片编号占位符 8">
-            <a:extLst>
-              <a:ext uri="{FF2B5EF4-FFF2-40B4-BE49-F238E27FC236}">
-                <a16:creationId xmlns:a16="http://schemas.microsoft.com/office/drawing/2014/main" id="{F2AF9135-2855-62B0-912B-100FA3F8C3A2}"/>
-              </a:ext>
-            </a:extLst>
-          </p:cNvPr>
-          <p:cNvSpPr>
-            <a:spLocks noGrp="1"/>
-          </p:cNvSpPr>
-          <p:nvPr>
-            <p:ph type="sldNum" sz="quarter" idx="12"/>
-          </p:nvPr>
-        </p:nvSpPr>
-        <p:spPr/>
-        <p:txBody>
-          <a:bodyPr/>
-          <a:lstStyle/>
-          <a:p>
-            <a:fld id="{C29498BF-BD51-437A-86B1-81643FAF715C}" type="slidenum">
-              <a:rPr lang="zh-CN" altLang="en-US" smtClean="0"/>
-              <a:t>‹#›</a:t>
-            </a:fld>
-            <a:endParaRPr lang="zh-CN" altLang="en-US"/>
-          </a:p>
-        </p:txBody>
-      </p:sp>
-    </p:spTree>
-    <p:extLst>
-      <p:ext uri="{BB962C8B-B14F-4D97-AF65-F5344CB8AC3E}">
-        <p14:creationId xmlns:p14="http://schemas.microsoft.com/office/powerpoint/2010/main" val="4132502336"/>
-      </p:ext>
-    </p:extLst>
-  </p:cSld>
-  <p:clrMapOvr>
-    <a:masterClrMapping/>
-  </p:clrMapOvr>
-</p:sldLayout>
-</file>
-
-<file path=ppt/slideLayouts/slideLayout6.xml><?xml version="1.0" encoding="utf-8"?>
-<p:sldLayout xmlns:a="http://schemas.openxmlformats.org/drawingml/2006/main" xmlns:r="http://schemas.openxmlformats.org/officeDocument/2006/relationships" xmlns:p="http://schemas.openxmlformats.org/presentationml/2006/main" type="titleOnly" preserve="1">
-  <p:cSld name="仅标题">
-    <p:spTree>
-      <p:nvGrpSpPr>
-        <p:cNvPr id="1" name=""/>
-        <p:cNvGrpSpPr/>
-        <p:nvPr/>
-      </p:nvGrpSpPr>
-      <p:grpSpPr>
-        <a:xfrm>
-          <a:off x="0" y="0"/>
-          <a:ext cx="0" cy="0"/>
-          <a:chOff x="0" y="0"/>
-          <a:chExt cx="0" cy="0"/>
-        </a:xfrm>
-      </p:grpSpPr>
-      <p:sp>
-        <p:nvSpPr>
-          <p:cNvPr id="2" name="标题 1">
-            <a:extLst>
-              <a:ext uri="{FF2B5EF4-FFF2-40B4-BE49-F238E27FC236}">
-                <a16:creationId xmlns:a16="http://schemas.microsoft.com/office/drawing/2014/main" id="{32FB389F-D7B5-026A-3733-A7DF17FD9497}"/>
-              </a:ext>
-            </a:extLst>
-          </p:cNvPr>
-          <p:cNvSpPr>
-            <a:spLocks noGrp="1"/>
-          </p:cNvSpPr>
-          <p:nvPr>
-            <p:ph type="title"/>
-          </p:nvPr>
-        </p:nvSpPr>
-        <p:spPr/>
-        <p:txBody>
-          <a:bodyPr/>
-          <a:lstStyle/>
-          <a:p>
-            <a:r>
-              <a:rPr lang="zh-CN" altLang="en-US"/>
-              <a:t>单击此处编辑母版标题样式</a:t>
-            </a:r>
-          </a:p>
-        </p:txBody>
-      </p:sp>
-      <p:sp>
-        <p:nvSpPr>
-          <p:cNvPr id="3" name="日期占位符 2">
-            <a:extLst>
-              <a:ext uri="{FF2B5EF4-FFF2-40B4-BE49-F238E27FC236}">
-                <a16:creationId xmlns:a16="http://schemas.microsoft.com/office/drawing/2014/main" id="{EFEF1948-83DE-2717-9EBA-263CAF3A22B2}"/>
-              </a:ext>
-            </a:extLst>
-          </p:cNvPr>
-          <p:cNvSpPr>
-            <a:spLocks noGrp="1"/>
-          </p:cNvSpPr>
-          <p:nvPr>
-            <p:ph type="dt" sz="half" idx="10"/>
-          </p:nvPr>
-        </p:nvSpPr>
-        <p:spPr/>
-        <p:txBody>
-          <a:bodyPr/>
-          <a:lstStyle/>
-          <a:p>
-            <a:fld id="{7AA81C96-24F4-4F3A-899C-FBD2C4469914}" type="datetimeFigureOut">
-              <a:rPr lang="zh-CN" altLang="en-US" smtClean="0"/>
-              <a:t>2025/10/24</a:t>
-            </a:fld>
-            <a:endParaRPr lang="zh-CN" altLang="en-US"/>
-          </a:p>
-        </p:txBody>
-      </p:sp>
-      <p:sp>
-        <p:nvSpPr>
-          <p:cNvPr id="4" name="页脚占位符 3">
-            <a:extLst>
-              <a:ext uri="{FF2B5EF4-FFF2-40B4-BE49-F238E27FC236}">
-                <a16:creationId xmlns:a16="http://schemas.microsoft.com/office/drawing/2014/main" id="{4D53AEF0-09EB-D8B8-E3A8-05314E25DA79}"/>
-              </a:ext>
-            </a:extLst>
-          </p:cNvPr>
-          <p:cNvSpPr>
-            <a:spLocks noGrp="1"/>
-          </p:cNvSpPr>
-          <p:nvPr>
-            <p:ph type="ftr" sz="quarter" idx="11"/>
-          </p:nvPr>
-        </p:nvSpPr>
-        <p:spPr/>
-        <p:txBody>
-          <a:bodyPr/>
-          <a:lstStyle/>
-          <a:p>
-            <a:endParaRPr lang="zh-CN" altLang="en-US"/>
-          </a:p>
-        </p:txBody>
-      </p:sp>
-      <p:sp>
-        <p:nvSpPr>
-          <p:cNvPr id="5" name="灯片编号占位符 4">
-            <a:extLst>
-              <a:ext uri="{FF2B5EF4-FFF2-40B4-BE49-F238E27FC236}">
-                <a16:creationId xmlns:a16="http://schemas.microsoft.com/office/drawing/2014/main" id="{F9C7371D-D095-EAA6-E24D-8D4F92127029}"/>
-              </a:ext>
-            </a:extLst>
-          </p:cNvPr>
-          <p:cNvSpPr>
-            <a:spLocks noGrp="1"/>
-          </p:cNvSpPr>
-          <p:nvPr>
-            <p:ph type="sldNum" sz="quarter" idx="12"/>
-          </p:nvPr>
-        </p:nvSpPr>
-        <p:spPr/>
-        <p:txBody>
-          <a:bodyPr/>
-          <a:lstStyle/>
-          <a:p>
-            <a:fld id="{C29498BF-BD51-437A-86B1-81643FAF715C}" type="slidenum">
-              <a:rPr lang="zh-CN" altLang="en-US" smtClean="0"/>
-              <a:t>‹#›</a:t>
-            </a:fld>
-            <a:endParaRPr lang="zh-CN" altLang="en-US"/>
-          </a:p>
-        </p:txBody>
-      </p:sp>
-    </p:spTree>
-    <p:extLst>
-      <p:ext uri="{BB962C8B-B14F-4D97-AF65-F5344CB8AC3E}">
-        <p14:creationId xmlns:p14="http://schemas.microsoft.com/office/powerpoint/2010/main" val="1951260247"/>
-      </p:ext>
-    </p:extLst>
-  </p:cSld>
-  <p:clrMapOvr>
-    <a:masterClrMapping/>
-  </p:clrMapOvr>
-</p:sldLayout>
-</file>
-
-<file path=ppt/slideLayouts/slideLayout7.xml><?xml version="1.0" encoding="utf-8"?>
-<p:sldLayout xmlns:a="http://schemas.openxmlformats.org/drawingml/2006/main" xmlns:r="http://schemas.openxmlformats.org/officeDocument/2006/relationships" xmlns:p="http://schemas.openxmlformats.org/presentationml/2006/main" type="blank" preserve="1">
-  <p:cSld name="空白">
-    <p:spTree>
-      <p:nvGrpSpPr>
-        <p:cNvPr id="1" name=""/>
-        <p:cNvGrpSpPr/>
-        <p:nvPr/>
-      </p:nvGrpSpPr>
-      <p:grpSpPr>
-        <a:xfrm>
-          <a:off x="0" y="0"/>
-          <a:ext cx="0" cy="0"/>
-          <a:chOff x="0" y="0"/>
-          <a:chExt cx="0" cy="0"/>
-        </a:xfrm>
-      </p:grpSpPr>
-      <p:sp>
-        <p:nvSpPr>
-          <p:cNvPr id="2" name="日期占位符 1">
-            <a:extLst>
-              <a:ext uri="{FF2B5EF4-FFF2-40B4-BE49-F238E27FC236}">
-                <a16:creationId xmlns:a16="http://schemas.microsoft.com/office/drawing/2014/main" id="{A95A3C99-F6C0-5F0F-E29A-ACA919364F59}"/>
-              </a:ext>
-            </a:extLst>
-          </p:cNvPr>
-          <p:cNvSpPr>
-            <a:spLocks noGrp="1"/>
-          </p:cNvSpPr>
-          <p:nvPr>
-            <p:ph type="dt" sz="half" idx="10"/>
-          </p:nvPr>
-        </p:nvSpPr>
-        <p:spPr/>
-        <p:txBody>
-          <a:bodyPr/>
-          <a:lstStyle/>
-          <a:p>
-            <a:fld id="{7AA81C96-24F4-4F3A-899C-FBD2C4469914}" type="datetimeFigureOut">
-              <a:rPr lang="zh-CN" altLang="en-US" smtClean="0"/>
-              <a:t>2025/10/24</a:t>
-            </a:fld>
-            <a:endParaRPr lang="zh-CN" altLang="en-US"/>
-          </a:p>
-        </p:txBody>
-      </p:sp>
-      <p:sp>
-        <p:nvSpPr>
-          <p:cNvPr id="3" name="页脚占位符 2">
-            <a:extLst>
-              <a:ext uri="{FF2B5EF4-FFF2-40B4-BE49-F238E27FC236}">
-                <a16:creationId xmlns:a16="http://schemas.microsoft.com/office/drawing/2014/main" id="{C78FC044-E3CA-F61A-124B-755BDD499034}"/>
-              </a:ext>
-            </a:extLst>
-          </p:cNvPr>
-          <p:cNvSpPr>
-            <a:spLocks noGrp="1"/>
-          </p:cNvSpPr>
-          <p:nvPr>
-            <p:ph type="ftr" sz="quarter" idx="11"/>
-          </p:nvPr>
-        </p:nvSpPr>
-        <p:spPr/>
-        <p:txBody>
-          <a:bodyPr/>
-          <a:lstStyle/>
-          <a:p>
-            <a:endParaRPr lang="zh-CN" altLang="en-US"/>
-          </a:p>
-        </p:txBody>
-      </p:sp>
-      <p:sp>
-        <p:nvSpPr>
-          <p:cNvPr id="4" name="灯片编号占位符 3">
-            <a:extLst>
-              <a:ext uri="{FF2B5EF4-FFF2-40B4-BE49-F238E27FC236}">
-                <a16:creationId xmlns:a16="http://schemas.microsoft.com/office/drawing/2014/main" id="{98B48F28-3F20-3DDC-4CAA-D6A3AD8EE9B9}"/>
-              </a:ext>
-            </a:extLst>
-          </p:cNvPr>
-          <p:cNvSpPr>
-            <a:spLocks noGrp="1"/>
-          </p:cNvSpPr>
-          <p:nvPr>
-            <p:ph type="sldNum" sz="quarter" idx="12"/>
-          </p:nvPr>
-        </p:nvSpPr>
-        <p:spPr/>
-        <p:txBody>
-          <a:bodyPr/>
-          <a:lstStyle/>
-          <a:p>
-            <a:fld id="{C29498BF-BD51-437A-86B1-81643FAF715C}" type="slidenum">
-              <a:rPr lang="zh-CN" altLang="en-US" smtClean="0"/>
-              <a:t>‹#›</a:t>
-            </a:fld>
-            <a:endParaRPr lang="zh-CN" altLang="en-US"/>
-          </a:p>
-        </p:txBody>
-      </p:sp>
-    </p:spTree>
-    <p:extLst>
-      <p:ext uri="{BB962C8B-B14F-4D97-AF65-F5344CB8AC3E}">
-        <p14:creationId xmlns:p14="http://schemas.microsoft.com/office/powerpoint/2010/main" val="395492003"/>
-      </p:ext>
-    </p:extLst>
-  </p:cSld>
-  <p:clrMapOvr>
-    <a:masterClrMapping/>
-  </p:clrMapOvr>
-</p:sldLayout>
-</file>
-
-<file path=ppt/slideLayouts/slideLayout8.xml><?xml version="1.0" encoding="utf-8"?>
-<p:sldLayout xmlns:a="http://schemas.openxmlformats.org/drawingml/2006/main" xmlns:r="http://schemas.openxmlformats.org/officeDocument/2006/relationships" xmlns:p="http://schemas.openxmlformats.org/presentationml/2006/main" type="objTx" preserve="1">
-  <p:cSld name="内容与标题">
-    <p:spTree>
-      <p:nvGrpSpPr>
-        <p:cNvPr id="1" name=""/>
-        <p:cNvGrpSpPr/>
-        <p:nvPr/>
-      </p:nvGrpSpPr>
-      <p:grpSpPr>
-        <a:xfrm>
-          <a:off x="0" y="0"/>
-          <a:ext cx="0" cy="0"/>
-          <a:chOff x="0" y="0"/>
-          <a:chExt cx="0" cy="0"/>
-        </a:xfrm>
-      </p:grpSpPr>
-      <p:sp>
-        <p:nvSpPr>
-          <p:cNvPr id="2" name="标题 1">
-            <a:extLst>
-              <a:ext uri="{FF2B5EF4-FFF2-40B4-BE49-F238E27FC236}">
-                <a16:creationId xmlns:a16="http://schemas.microsoft.com/office/drawing/2014/main" id="{13F28882-033E-3DCE-3C17-183E9C953AAB}"/>
-              </a:ext>
-            </a:extLst>
-          </p:cNvPr>
-          <p:cNvSpPr>
-            <a:spLocks noGrp="1"/>
-          </p:cNvSpPr>
-          <p:nvPr>
-            <p:ph type="title"/>
-          </p:nvPr>
-        </p:nvSpPr>
-        <p:spPr>
-          <a:xfrm>
-            <a:off x="839788" y="457200"/>
-            <a:ext cx="3932237" cy="1600200"/>
-          </a:xfrm>
-        </p:spPr>
-        <p:txBody>
-          <a:bodyPr anchor="b"/>
-          <a:lstStyle>
-            <a:lvl1pPr>
-              <a:defRPr sz="3200"/>
-            </a:lvl1pPr>
-          </a:lstStyle>
-          <a:p>
-            <a:r>
-              <a:rPr lang="zh-CN" altLang="en-US"/>
-              <a:t>单击此处编辑母版标题样式</a:t>
-            </a:r>
-          </a:p>
-        </p:txBody>
-      </p:sp>
-      <p:sp>
-        <p:nvSpPr>
-          <p:cNvPr id="3" name="内容占位符 2">
-            <a:extLst>
-              <a:ext uri="{FF2B5EF4-FFF2-40B4-BE49-F238E27FC236}">
-                <a16:creationId xmlns:a16="http://schemas.microsoft.com/office/drawing/2014/main" id="{9F070D66-A3AD-7A94-2E1E-B543AD0A060C}"/>
-              </a:ext>
-            </a:extLst>
-          </p:cNvPr>
-          <p:cNvSpPr>
-            <a:spLocks noGrp="1"/>
-          </p:cNvSpPr>
-          <p:nvPr>
-            <p:ph idx="1"/>
-          </p:nvPr>
-        </p:nvSpPr>
-        <p:spPr>
-          <a:xfrm>
-            <a:off x="5183188" y="987425"/>
-            <a:ext cx="6172200" cy="4873625"/>
-          </a:xfrm>
-        </p:spPr>
-        <p:txBody>
-          <a:bodyPr/>
-          <a:lstStyle>
-            <a:lvl1pPr>
-              <a:defRPr sz="3200"/>
-            </a:lvl1pPr>
-            <a:lvl2pPr>
-              <a:defRPr sz="2800"/>
-            </a:lvl2pPr>
-            <a:lvl3pPr>
-              <a:defRPr sz="2400"/>
-            </a:lvl3pPr>
-            <a:lvl4pPr>
-              <a:defRPr sz="2000"/>
-            </a:lvl4pPr>
-            <a:lvl5pPr>
-              <a:defRPr sz="2000"/>
-            </a:lvl5pPr>
-            <a:lvl6pPr>
-              <a:defRPr sz="2000"/>
-            </a:lvl6pPr>
-            <a:lvl7pPr>
-              <a:defRPr sz="2000"/>
-            </a:lvl7pPr>
-            <a:lvl8pPr>
-              <a:defRPr sz="2000"/>
-            </a:lvl8pPr>
-            <a:lvl9pPr>
-              <a:defRPr sz="2000"/>
-            </a:lvl9pPr>
-          </a:lstStyle>
-          <a:p>
-            <a:pPr lvl="0"/>
-            <a:r>
-              <a:rPr lang="zh-CN" altLang="en-US"/>
-              <a:t>单击此处编辑母版文本样式</a:t>
-            </a:r>
-          </a:p>
-          <a:p>
-            <a:pPr lvl="1"/>
-            <a:r>
-              <a:rPr lang="zh-CN" altLang="en-US"/>
-              <a:t>二级</a:t>
-            </a:r>
-          </a:p>
-          <a:p>
-            <a:pPr lvl="2"/>
-            <a:r>
-              <a:rPr lang="zh-CN" altLang="en-US"/>
-              <a:t>三级</a:t>
-            </a:r>
-          </a:p>
-          <a:p>
-            <a:pPr lvl="3"/>
-            <a:r>
-              <a:rPr lang="zh-CN" altLang="en-US"/>
-              <a:t>四级</a:t>
-            </a:r>
-          </a:p>
-          <a:p>
-            <a:pPr lvl="4"/>
-            <a:r>
-              <a:rPr lang="zh-CN" altLang="en-US"/>
-              <a:t>五级</a:t>
-            </a:r>
-          </a:p>
-        </p:txBody>
-      </p:sp>
-      <p:sp>
-        <p:nvSpPr>
-          <p:cNvPr id="4" name="文本占位符 3">
-            <a:extLst>
-              <a:ext uri="{FF2B5EF4-FFF2-40B4-BE49-F238E27FC236}">
-                <a16:creationId xmlns:a16="http://schemas.microsoft.com/office/drawing/2014/main" id="{DEB4F991-6495-255D-D1BA-8AEA8EBF2632}"/>
-              </a:ext>
-            </a:extLst>
-          </p:cNvPr>
-          <p:cNvSpPr>
-            <a:spLocks noGrp="1"/>
-          </p:cNvSpPr>
-          <p:nvPr>
-            <p:ph type="body" sz="half" idx="2"/>
-          </p:nvPr>
-        </p:nvSpPr>
-        <p:spPr>
-          <a:xfrm>
-            <a:off x="839788" y="2057400"/>
-            <a:ext cx="3932237" cy="3811588"/>
-          </a:xfrm>
-        </p:spPr>
-        <p:txBody>
-          <a:bodyPr/>
-          <a:lstStyle>
-            <a:lvl1pPr marL="0" indent="0">
-              <a:buNone/>
-              <a:defRPr sz="1600"/>
-            </a:lvl1pPr>
-            <a:lvl2pPr marL="457200" indent="0">
-              <a:buNone/>
-              <a:defRPr sz="1400"/>
-            </a:lvl2pPr>
-            <a:lvl3pPr marL="914400" indent="0">
-              <a:buNone/>
-              <a:defRPr sz="1200"/>
-            </a:lvl3pPr>
-            <a:lvl4pPr marL="1371600" indent="0">
-              <a:buNone/>
-              <a:defRPr sz="1000"/>
-            </a:lvl4pPr>
-            <a:lvl5pPr marL="1828800" indent="0">
-              <a:buNone/>
-              <a:defRPr sz="1000"/>
-            </a:lvl5pPr>
-            <a:lvl6pPr marL="2286000" indent="0">
-              <a:buNone/>
-              <a:defRPr sz="1000"/>
-            </a:lvl6pPr>
-            <a:lvl7pPr marL="2743200" indent="0">
-              <a:buNone/>
-              <a:defRPr sz="1000"/>
-            </a:lvl7pPr>
-            <a:lvl8pPr marL="3200400" indent="0">
-              <a:buNone/>
-              <a:defRPr sz="1000"/>
-            </a:lvl8pPr>
-            <a:lvl9pPr marL="3657600" indent="0">
-              <a:buNone/>
-              <a:defRPr sz="1000"/>
-            </a:lvl9pPr>
-          </a:lstStyle>
-          <a:p>
-            <a:pPr lvl="0"/>
-            <a:r>
-              <a:rPr lang="zh-CN" altLang="en-US"/>
-              <a:t>单击此处编辑母版文本样式</a:t>
-            </a:r>
-          </a:p>
-        </p:txBody>
-      </p:sp>
-      <p:sp>
-        <p:nvSpPr>
-          <p:cNvPr id="5" name="日期占位符 4">
-            <a:extLst>
-              <a:ext uri="{FF2B5EF4-FFF2-40B4-BE49-F238E27FC236}">
-                <a16:creationId xmlns:a16="http://schemas.microsoft.com/office/drawing/2014/main" id="{A0B9AB6E-0F89-0D66-208B-983BCEDFB4CA}"/>
-              </a:ext>
-            </a:extLst>
-          </p:cNvPr>
-          <p:cNvSpPr>
-            <a:spLocks noGrp="1"/>
-          </p:cNvSpPr>
-          <p:nvPr>
-            <p:ph type="dt" sz="half" idx="10"/>
-          </p:nvPr>
-        </p:nvSpPr>
-        <p:spPr/>
-        <p:txBody>
-          <a:bodyPr/>
-          <a:lstStyle/>
-          <a:p>
-            <a:fld id="{7AA81C96-24F4-4F3A-899C-FBD2C4469914}" type="datetimeFigureOut">
-              <a:rPr lang="zh-CN" altLang="en-US" smtClean="0"/>
-              <a:t>2025/10/24</a:t>
-            </a:fld>
-            <a:endParaRPr lang="zh-CN" altLang="en-US"/>
-          </a:p>
-        </p:txBody>
-      </p:sp>
-      <p:sp>
-        <p:nvSpPr>
-          <p:cNvPr id="6" name="页脚占位符 5">
-            <a:extLst>
-              <a:ext uri="{FF2B5EF4-FFF2-40B4-BE49-F238E27FC236}">
-                <a16:creationId xmlns:a16="http://schemas.microsoft.com/office/drawing/2014/main" id="{502302E3-DB83-5650-2597-F1FBB50CD82E}"/>
-              </a:ext>
-            </a:extLst>
-          </p:cNvPr>
-          <p:cNvSpPr>
-            <a:spLocks noGrp="1"/>
-          </p:cNvSpPr>
-          <p:nvPr>
-            <p:ph type="ftr" sz="quarter" idx="11"/>
-          </p:nvPr>
-        </p:nvSpPr>
-        <p:spPr/>
-        <p:txBody>
-          <a:bodyPr/>
-          <a:lstStyle/>
-          <a:p>
-            <a:endParaRPr lang="zh-CN" altLang="en-US"/>
-          </a:p>
-        </p:txBody>
-      </p:sp>
-      <p:sp>
-        <p:nvSpPr>
-          <p:cNvPr id="7" name="灯片编号占位符 6">
-            <a:extLst>
-              <a:ext uri="{FF2B5EF4-FFF2-40B4-BE49-F238E27FC236}">
-                <a16:creationId xmlns:a16="http://schemas.microsoft.com/office/drawing/2014/main" id="{785D4F2B-8A3D-B612-AFBD-D6256BFB03F1}"/>
-              </a:ext>
-            </a:extLst>
-          </p:cNvPr>
-          <p:cNvSpPr>
-            <a:spLocks noGrp="1"/>
-          </p:cNvSpPr>
-          <p:nvPr>
-            <p:ph type="sldNum" sz="quarter" idx="12"/>
-          </p:nvPr>
-        </p:nvSpPr>
-        <p:spPr/>
-        <p:txBody>
-          <a:bodyPr/>
-          <a:lstStyle/>
-          <a:p>
-            <a:fld id="{C29498BF-BD51-437A-86B1-81643FAF715C}" type="slidenum">
-              <a:rPr lang="zh-CN" altLang="en-US" smtClean="0"/>
-              <a:t>‹#›</a:t>
-            </a:fld>
-            <a:endParaRPr lang="zh-CN" altLang="en-US"/>
-          </a:p>
-        </p:txBody>
-      </p:sp>
-    </p:spTree>
-    <p:extLst>
-      <p:ext uri="{BB962C8B-B14F-4D97-AF65-F5344CB8AC3E}">
-        <p14:creationId xmlns:p14="http://schemas.microsoft.com/office/powerpoint/2010/main" val="1669589776"/>
-      </p:ext>
-    </p:extLst>
-  </p:cSld>
-  <p:clrMapOvr>
-    <a:masterClrMapping/>
-  </p:clrMapOvr>
-</p:sldLayout>
-</file>
-
-<file path=ppt/slideLayouts/slideLayout9.xml><?xml version="1.0" encoding="utf-8"?>
-<p:sldLayout xmlns:a="http://schemas.openxmlformats.org/drawingml/2006/main" xmlns:r="http://schemas.openxmlformats.org/officeDocument/2006/relationships" xmlns:p="http://schemas.openxmlformats.org/presentationml/2006/main" type="picTx" preserve="1">
-  <p:cSld name="图片与标题">
-    <p:spTree>
-      <p:nvGrpSpPr>
-        <p:cNvPr id="1" name=""/>
-        <p:cNvGrpSpPr/>
-        <p:nvPr/>
-      </p:nvGrpSpPr>
-      <p:grpSpPr>
-        <a:xfrm>
-          <a:off x="0" y="0"/>
-          <a:ext cx="0" cy="0"/>
-          <a:chOff x="0" y="0"/>
-          <a:chExt cx="0" cy="0"/>
-        </a:xfrm>
-      </p:grpSpPr>
-      <p:sp>
-        <p:nvSpPr>
-          <p:cNvPr id="2" name="标题 1">
-            <a:extLst>
-              <a:ext uri="{FF2B5EF4-FFF2-40B4-BE49-F238E27FC236}">
-                <a16:creationId xmlns:a16="http://schemas.microsoft.com/office/drawing/2014/main" id="{81FE6E81-3262-8589-5AB1-053183E23A35}"/>
-              </a:ext>
-            </a:extLst>
-          </p:cNvPr>
-          <p:cNvSpPr>
-            <a:spLocks noGrp="1"/>
-          </p:cNvSpPr>
-          <p:nvPr>
-            <p:ph type="title"/>
-          </p:nvPr>
-        </p:nvSpPr>
-        <p:spPr>
-          <a:xfrm>
-            <a:off x="839788" y="457200"/>
-            <a:ext cx="3932237" cy="1600200"/>
-          </a:xfrm>
-        </p:spPr>
-        <p:txBody>
-          <a:bodyPr anchor="b"/>
-          <a:lstStyle>
-            <a:lvl1pPr>
-              <a:defRPr sz="3200"/>
-            </a:lvl1pPr>
-          </a:lstStyle>
-          <a:p>
-            <a:r>
-              <a:rPr lang="zh-CN" altLang="en-US"/>
-              <a:t>单击此处编辑母版标题样式</a:t>
-            </a:r>
-          </a:p>
-        </p:txBody>
-      </p:sp>
-      <p:sp>
-        <p:nvSpPr>
-          <p:cNvPr id="3" name="图片占位符 2">
-            <a:extLst>
-              <a:ext uri="{FF2B5EF4-FFF2-40B4-BE49-F238E27FC236}">
-                <a16:creationId xmlns:a16="http://schemas.microsoft.com/office/drawing/2014/main" id="{8FA6DF5B-66AA-B5D6-A4EF-32C304DA12EB}"/>
-              </a:ext>
-            </a:extLst>
-          </p:cNvPr>
-          <p:cNvSpPr>
-            <a:spLocks noGrp="1"/>
-          </p:cNvSpPr>
-          <p:nvPr>
-            <p:ph type="pic" idx="1"/>
-          </p:nvPr>
-        </p:nvSpPr>
-        <p:spPr>
-          <a:xfrm>
-            <a:off x="5183188" y="987425"/>
-            <a:ext cx="6172200" cy="4873625"/>
-          </a:xfrm>
-        </p:spPr>
-        <p:txBody>
-          <a:bodyPr/>
-          <a:lstStyle>
-            <a:lvl1pPr marL="0" indent="0">
-              <a:buNone/>
-              <a:defRPr sz="3200"/>
-            </a:lvl1pPr>
-            <a:lvl2pPr marL="457200" indent="0">
-              <a:buNone/>
-              <a:defRPr sz="2800"/>
-            </a:lvl2pPr>
-            <a:lvl3pPr marL="914400" indent="0">
-              <a:buNone/>
-              <a:defRPr sz="2400"/>
-            </a:lvl3pPr>
-            <a:lvl4pPr marL="1371600" indent="0">
-              <a:buNone/>
-              <a:defRPr sz="2000"/>
-            </a:lvl4pPr>
-            <a:lvl5pPr marL="1828800" indent="0">
-              <a:buNone/>
-              <a:defRPr sz="2000"/>
-            </a:lvl5pPr>
-            <a:lvl6pPr marL="2286000" indent="0">
-              <a:buNone/>
-              <a:defRPr sz="2000"/>
-            </a:lvl6pPr>
-            <a:lvl7pPr marL="2743200" indent="0">
-              <a:buNone/>
-              <a:defRPr sz="2000"/>
-            </a:lvl7pPr>
-            <a:lvl8pPr marL="3200400" indent="0">
-              <a:buNone/>
-              <a:defRPr sz="2000"/>
-            </a:lvl8pPr>
-            <a:lvl9pPr marL="3657600" indent="0">
-              <a:buNone/>
-              <a:defRPr sz="2000"/>
-            </a:lvl9pPr>
-          </a:lstStyle>
-          <a:p>
-            <a:endParaRPr lang="zh-CN" altLang="en-US"/>
-          </a:p>
-        </p:txBody>
-      </p:sp>
-      <p:sp>
-        <p:nvSpPr>
-          <p:cNvPr id="4" name="文本占位符 3">
-            <a:extLst>
-              <a:ext uri="{FF2B5EF4-FFF2-40B4-BE49-F238E27FC236}">
-                <a16:creationId xmlns:a16="http://schemas.microsoft.com/office/drawing/2014/main" id="{572096C0-374F-7973-50E9-86A4306E2DBD}"/>
-              </a:ext>
-            </a:extLst>
-          </p:cNvPr>
-          <p:cNvSpPr>
-            <a:spLocks noGrp="1"/>
-          </p:cNvSpPr>
-          <p:nvPr>
-            <p:ph type="body" sz="half" idx="2"/>
-          </p:nvPr>
-        </p:nvSpPr>
-        <p:spPr>
-          <a:xfrm>
-            <a:off x="839788" y="2057400"/>
-            <a:ext cx="3932237" cy="3811588"/>
-          </a:xfrm>
-        </p:spPr>
-        <p:txBody>
-          <a:bodyPr/>
-          <a:lstStyle>
-            <a:lvl1pPr marL="0" indent="0">
-              <a:buNone/>
-              <a:defRPr sz="1600"/>
-            </a:lvl1pPr>
-            <a:lvl2pPr marL="457200" indent="0">
-              <a:buNone/>
-              <a:defRPr sz="1400"/>
-            </a:lvl2pPr>
-            <a:lvl3pPr marL="914400" indent="0">
-              <a:buNone/>
-              <a:defRPr sz="1200"/>
-            </a:lvl3pPr>
-            <a:lvl4pPr marL="1371600" indent="0">
-              <a:buNone/>
-              <a:defRPr sz="1000"/>
-            </a:lvl4pPr>
-            <a:lvl5pPr marL="1828800" indent="0">
-              <a:buNone/>
-              <a:defRPr sz="1000"/>
-            </a:lvl5pPr>
-            <a:lvl6pPr marL="2286000" indent="0">
-              <a:buNone/>
-              <a:defRPr sz="1000"/>
-            </a:lvl6pPr>
-            <a:lvl7pPr marL="2743200" indent="0">
-              <a:buNone/>
-              <a:defRPr sz="1000"/>
-            </a:lvl7pPr>
-            <a:lvl8pPr marL="3200400" indent="0">
-              <a:buNone/>
-              <a:defRPr sz="1000"/>
-            </a:lvl8pPr>
-            <a:lvl9pPr marL="3657600" indent="0">
-              <a:buNone/>
-              <a:defRPr sz="1000"/>
-            </a:lvl9pPr>
-          </a:lstStyle>
-          <a:p>
-            <a:pPr lvl="0"/>
-            <a:r>
-              <a:rPr lang="zh-CN" altLang="en-US"/>
-              <a:t>单击此处编辑母版文本样式</a:t>
-            </a:r>
-          </a:p>
-        </p:txBody>
-      </p:sp>
-      <p:sp>
-        <p:nvSpPr>
-          <p:cNvPr id="5" name="日期占位符 4">
-            <a:extLst>
-              <a:ext uri="{FF2B5EF4-FFF2-40B4-BE49-F238E27FC236}">
-                <a16:creationId xmlns:a16="http://schemas.microsoft.com/office/drawing/2014/main" id="{4D4177FC-41CF-E878-B535-608CF3A02FF2}"/>
-              </a:ext>
-            </a:extLst>
-          </p:cNvPr>
-          <p:cNvSpPr>
-            <a:spLocks noGrp="1"/>
-          </p:cNvSpPr>
-          <p:nvPr>
-            <p:ph type="dt" sz="half" idx="10"/>
-          </p:nvPr>
-        </p:nvSpPr>
-        <p:spPr/>
-        <p:txBody>
-          <a:bodyPr/>
-          <a:lstStyle/>
-          <a:p>
-            <a:fld id="{7AA81C96-24F4-4F3A-899C-FBD2C4469914}" type="datetimeFigureOut">
-              <a:rPr lang="zh-CN" altLang="en-US" smtClean="0"/>
-              <a:t>2025/10/24</a:t>
-            </a:fld>
-            <a:endParaRPr lang="zh-CN" altLang="en-US"/>
-          </a:p>
-        </p:txBody>
-      </p:sp>
-      <p:sp>
-        <p:nvSpPr>
-          <p:cNvPr id="6" name="页脚占位符 5">
-            <a:extLst>
-              <a:ext uri="{FF2B5EF4-FFF2-40B4-BE49-F238E27FC236}">
-                <a16:creationId xmlns:a16="http://schemas.microsoft.com/office/drawing/2014/main" id="{B94B0019-9A94-9E7D-A6A7-B4D19C8348D1}"/>
-              </a:ext>
-            </a:extLst>
-          </p:cNvPr>
-          <p:cNvSpPr>
-            <a:spLocks noGrp="1"/>
-          </p:cNvSpPr>
-          <p:nvPr>
-            <p:ph type="ftr" sz="quarter" idx="11"/>
-          </p:nvPr>
-        </p:nvSpPr>
-        <p:spPr/>
-        <p:txBody>
-          <a:bodyPr/>
-          <a:lstStyle/>
-          <a:p>
-            <a:endParaRPr lang="zh-CN" altLang="en-US"/>
-          </a:p>
-        </p:txBody>
-      </p:sp>
-      <p:sp>
-        <p:nvSpPr>
-          <p:cNvPr id="7" name="灯片编号占位符 6">
-            <a:extLst>
-              <a:ext uri="{FF2B5EF4-FFF2-40B4-BE49-F238E27FC236}">
-                <a16:creationId xmlns:a16="http://schemas.microsoft.com/office/drawing/2014/main" id="{D18A689F-0AF8-AF34-C6BF-F53051B0E56F}"/>
-              </a:ext>
-            </a:extLst>
-          </p:cNvPr>
-          <p:cNvSpPr>
-            <a:spLocks noGrp="1"/>
-          </p:cNvSpPr>
-          <p:nvPr>
-            <p:ph type="sldNum" sz="quarter" idx="12"/>
-          </p:nvPr>
-        </p:nvSpPr>
-        <p:spPr/>
-        <p:txBody>
-          <a:bodyPr/>
-          <a:lstStyle/>
-          <a:p>
-            <a:fld id="{C29498BF-BD51-437A-86B1-81643FAF715C}" type="slidenum">
-              <a:rPr lang="zh-CN" altLang="en-US" smtClean="0"/>
-              <a:t>‹#›</a:t>
-            </a:fld>
-            <a:endParaRPr lang="zh-CN" altLang="en-US"/>
-          </a:p>
-        </p:txBody>
-      </p:sp>
-    </p:spTree>
-    <p:extLst>
-      <p:ext uri="{BB962C8B-B14F-4D97-AF65-F5344CB8AC3E}">
-        <p14:creationId xmlns:p14="http://schemas.microsoft.com/office/powerpoint/2010/main" val="1662051511"/>
-      </p:ext>
-    </p:extLst>
-  </p:cSld>
-  <p:clrMapOvr>
-    <a:masterClrMapping/>
-  </p:clrMapOvr>
-</p:sldLayout>
-</file>
-
 <file path=ppt/slideMasters/slideMaster1.xml><?xml version="1.0" encoding="utf-8"?>
-<p:sldMaster xmlns:a="http://schemas.openxmlformats.org/drawingml/2006/main" xmlns:r="http://schemas.openxmlformats.org/officeDocument/2006/relationships" xmlns:p="http://schemas.openxmlformats.org/presentationml/2006/main">
-  <p:cSld>
-    <p:bg>
-      <p:bgRef idx="1001">
-        <a:schemeClr val="bg1"/>
-      </p:bgRef>
-    </p:bg>
-    <p:spTree>
-      <p:nvGrpSpPr>
-        <p:cNvPr id="1" name=""/>
-        <p:cNvGrpSpPr/>
-        <p:nvPr/>
-      </p:nvGrpSpPr>
-      <p:grpSpPr>
-        <a:xfrm>
-          <a:off x="0" y="0"/>
-          <a:ext cx="0" cy="0"/>
-          <a:chOff x="0" y="0"/>
-          <a:chExt cx="0" cy="0"/>
-        </a:xfrm>
-      </p:grpSpPr>
-      <p:sp>
-        <p:nvSpPr>
-          <p:cNvPr id="2" name="标题占位符 1">
-            <a:extLst>
-              <a:ext uri="{FF2B5EF4-FFF2-40B4-BE49-F238E27FC236}">
-                <a16:creationId xmlns:a16="http://schemas.microsoft.com/office/drawing/2014/main" id="{55D0B29F-DE9F-1D17-D029-AFF938EFC2F5}"/>
-              </a:ext>
-            </a:extLst>
-          </p:cNvPr>
-          <p:cNvSpPr>
-            <a:spLocks noGrp="1"/>
-          </p:cNvSpPr>
-          <p:nvPr>
-            <p:ph type="title"/>
-          </p:nvPr>
-        </p:nvSpPr>
-        <p:spPr>
-          <a:xfrm>
-            <a:off x="838200" y="365125"/>
-            <a:ext cx="10515600" cy="1325563"/>
-          </a:xfrm>
-          <a:prstGeom prst="rect">
-            <a:avLst/>
-          </a:prstGeom>
-        </p:spPr>
-        <p:txBody>
-          <a:bodyPr vert="horz" lIns="91440" tIns="45720" rIns="91440" bIns="45720" rtlCol="0" anchor="ctr">
-            <a:normAutofit/>
-          </a:bodyPr>
-          <a:lstStyle/>
-          <a:p>
-            <a:r>
-              <a:rPr lang="zh-CN" altLang="en-US"/>
-              <a:t>单击此处编辑母版标题样式</a:t>
-            </a:r>
-          </a:p>
-        </p:txBody>
-      </p:sp>
-      <p:sp>
-        <p:nvSpPr>
-          <p:cNvPr id="3" name="文本占位符 2">
-            <a:extLst>
-              <a:ext uri="{FF2B5EF4-FFF2-40B4-BE49-F238E27FC236}">
-                <a16:creationId xmlns:a16="http://schemas.microsoft.com/office/drawing/2014/main" id="{5A3A78C4-BA5B-563C-870C-C63F14C81D3A}"/>
-              </a:ext>
-            </a:extLst>
-          </p:cNvPr>
-          <p:cNvSpPr>
-            <a:spLocks noGrp="1"/>
-          </p:cNvSpPr>
-          <p:nvPr>
-            <p:ph type="body" idx="1"/>
-          </p:nvPr>
-        </p:nvSpPr>
-        <p:spPr>
-          <a:xfrm>
-            <a:off x="838200" y="1825625"/>
-            <a:ext cx="10515600" cy="4351338"/>
-          </a:xfrm>
-          <a:prstGeom prst="rect">
-            <a:avLst/>
-          </a:prstGeom>
-        </p:spPr>
-        <p:txBody>
-          <a:bodyPr vert="horz" lIns="91440" tIns="45720" rIns="91440" bIns="45720" rtlCol="0">
-            <a:normAutofit/>
-          </a:bodyPr>
-          <a:lstStyle/>
-          <a:p>
-            <a:pPr lvl="0"/>
-            <a:r>
-              <a:rPr lang="zh-CN" altLang="en-US"/>
-              <a:t>单击此处编辑母版文本样式</a:t>
-            </a:r>
-          </a:p>
-          <a:p>
-            <a:pPr lvl="1"/>
-            <a:r>
-              <a:rPr lang="zh-CN" altLang="en-US"/>
-              <a:t>二级</a:t>
-            </a:r>
-          </a:p>
-          <a:p>
-            <a:pPr lvl="2"/>
-            <a:r>
-              <a:rPr lang="zh-CN" altLang="en-US"/>
-              <a:t>三级</a:t>
-            </a:r>
-          </a:p>
-          <a:p>
-            <a:pPr lvl="3"/>
-            <a:r>
-              <a:rPr lang="zh-CN" altLang="en-US"/>
-              <a:t>四级</a:t>
-            </a:r>
-          </a:p>
-          <a:p>
-            <a:pPr lvl="4"/>
-            <a:r>
-              <a:rPr lang="zh-CN" altLang="en-US"/>
-              <a:t>五级</a:t>
-            </a:r>
-          </a:p>
-        </p:txBody>
-      </p:sp>
-      <p:sp>
-        <p:nvSpPr>
-          <p:cNvPr id="4" name="日期占位符 3">
-            <a:extLst>
-              <a:ext uri="{FF2B5EF4-FFF2-40B4-BE49-F238E27FC236}">
-                <a16:creationId xmlns:a16="http://schemas.microsoft.com/office/drawing/2014/main" id="{BE871F76-F29A-BF53-5E80-CFA6A3D8A6CF}"/>
-              </a:ext>
-            </a:extLst>
-          </p:cNvPr>
-          <p:cNvSpPr>
-            <a:spLocks noGrp="1"/>
-          </p:cNvSpPr>
-          <p:nvPr>
-            <p:ph type="dt" sz="half" idx="2"/>
-          </p:nvPr>
-        </p:nvSpPr>
-        <p:spPr>
-          <a:xfrm>
-            <a:off x="838200" y="6356350"/>
-            <a:ext cx="2743200" cy="365125"/>
-          </a:xfrm>
-          <a:prstGeom prst="rect">
-            <a:avLst/>
-          </a:prstGeom>
-        </p:spPr>
-        <p:txBody>
-          <a:bodyPr vert="horz" lIns="91440" tIns="45720" rIns="91440" bIns="45720" rtlCol="0" anchor="ctr"/>
-          <a:lstStyle>
-            <a:lvl1pPr algn="l">
-              <a:defRPr sz="1200">
-                <a:solidFill>
-                  <a:schemeClr val="tx1">
-                    <a:tint val="82000"/>
-                  </a:schemeClr>
-                </a:solidFill>
-              </a:defRPr>
-            </a:lvl1pPr>
-          </a:lstStyle>
-          <a:p>
-            <a:fld id="{7AA81C96-24F4-4F3A-899C-FBD2C4469914}" type="datetimeFigureOut">
-              <a:rPr lang="zh-CN" altLang="en-US" smtClean="0"/>
-              <a:t>2025/10/24</a:t>
-            </a:fld>
-            <a:endParaRPr lang="zh-CN" altLang="en-US"/>
-          </a:p>
-        </p:txBody>
-      </p:sp>
-      <p:sp>
-        <p:nvSpPr>
-          <p:cNvPr id="5" name="页脚占位符 4">
-            <a:extLst>
-              <a:ext uri="{FF2B5EF4-FFF2-40B4-BE49-F238E27FC236}">
-                <a16:creationId xmlns:a16="http://schemas.microsoft.com/office/drawing/2014/main" id="{3147A365-C0B8-0273-5AB7-712B47338D0E}"/>
-              </a:ext>
-            </a:extLst>
-          </p:cNvPr>
-          <p:cNvSpPr>
-            <a:spLocks noGrp="1"/>
-          </p:cNvSpPr>
-          <p:nvPr>
-            <p:ph type="ftr" sz="quarter" idx="3"/>
-          </p:nvPr>
-        </p:nvSpPr>
-        <p:spPr>
-          <a:xfrm>
-            <a:off x="4038600" y="6356350"/>
-            <a:ext cx="4114800" cy="365125"/>
-          </a:xfrm>
-          <a:prstGeom prst="rect">
-            <a:avLst/>
-          </a:prstGeom>
-        </p:spPr>
-        <p:txBody>
-          <a:bodyPr vert="horz" lIns="91440" tIns="45720" rIns="91440" bIns="45720" rtlCol="0" anchor="ctr"/>
-          <a:lstStyle>
-            <a:lvl1pPr algn="ctr">
-              <a:defRPr sz="1200">
-                <a:solidFill>
-                  <a:schemeClr val="tx1">
-                    <a:tint val="82000"/>
-                  </a:schemeClr>
-                </a:solidFill>
-              </a:defRPr>
-            </a:lvl1pPr>
-          </a:lstStyle>
-          <a:p>
-            <a:endParaRPr lang="zh-CN" altLang="en-US"/>
-          </a:p>
-        </p:txBody>
-      </p:sp>
-      <p:sp>
-        <p:nvSpPr>
-          <p:cNvPr id="6" name="灯片编号占位符 5">
-            <a:extLst>
-              <a:ext uri="{FF2B5EF4-FFF2-40B4-BE49-F238E27FC236}">
-                <a16:creationId xmlns:a16="http://schemas.microsoft.com/office/drawing/2014/main" id="{0F26A9FA-A5C5-789B-953E-A9554AD0FD3E}"/>
-              </a:ext>
-            </a:extLst>
-          </p:cNvPr>
-          <p:cNvSpPr>
-            <a:spLocks noGrp="1"/>
-          </p:cNvSpPr>
-          <p:nvPr>
-            <p:ph type="sldNum" sz="quarter" idx="4"/>
-          </p:nvPr>
-        </p:nvSpPr>
-        <p:spPr>
-          <a:xfrm>
-            <a:off x="8610600" y="6356350"/>
-            <a:ext cx="2743200" cy="365125"/>
-          </a:xfrm>
-          <a:prstGeom prst="rect">
-            <a:avLst/>
-          </a:prstGeom>
-        </p:spPr>
-        <p:txBody>
-          <a:bodyPr vert="horz" lIns="91440" tIns="45720" rIns="91440" bIns="45720" rtlCol="0" anchor="ctr"/>
-          <a:lstStyle>
-            <a:lvl1pPr algn="r">
-              <a:defRPr sz="1200">
-                <a:solidFill>
-                  <a:schemeClr val="tx1">
-                    <a:tint val="82000"/>
-                  </a:schemeClr>
-                </a:solidFill>
-              </a:defRPr>
-            </a:lvl1pPr>
-          </a:lstStyle>
-          <a:p>
-            <a:fld id="{C29498BF-BD51-437A-86B1-81643FAF715C}" type="slidenum">
-              <a:rPr lang="zh-CN" altLang="en-US" smtClean="0"/>
-              <a:t>‹#›</a:t>
-            </a:fld>
-            <a:endParaRPr lang="zh-CN" altLang="en-US"/>
-          </a:p>
-        </p:txBody>
-      </p:sp>
-    </p:spTree>
-    <p:extLst>
-      <p:ext uri="{BB962C8B-B14F-4D97-AF65-F5344CB8AC3E}">
-        <p14:creationId xmlns:p14="http://schemas.microsoft.com/office/powerpoint/2010/main" val="3925228177"/>
-      </p:ext>
-    </p:extLst>
-  </p:cSld>
-  <p:clrMap bg1="lt1" tx1="dk1" bg2="lt2" tx2="dk2" accent1="accent1" accent2="accent2" accent3="accent3" accent4="accent4" accent5="accent5" accent6="accent6" hlink="hlink" folHlink="folHlink"/>
-  <p:sldLayoutIdLst>
-    <p:sldLayoutId id="2147483649" r:id="rId1"/>
-    <p:sldLayoutId id="2147483650" r:id="rId2"/>
-    <p:sldLayoutId id="2147483651" r:id="rId3"/>
-    <p:sldLayoutId id="2147483652" r:id="rId4"/>
-    <p:sldLayoutId id="2147483653" r:id="rId5"/>
-    <p:sldLayoutId id="2147483654" r:id="rId6"/>
-    <p:sldLayoutId id="2147483655" r:id="rId7"/>
-    <p:sldLayoutId id="2147483656" r:id="rId8"/>
-    <p:sldLayoutId id="2147483657" r:id="rId9"/>
-    <p:sldLayoutId id="2147483658" r:id="rId10"/>
-    <p:sldLayoutId id="2147483659" r:id="rId11"/>
-  </p:sldLayoutIdLst>
-  <p:txStyles>
-    <p:titleStyle>
-      <a:lvl1pPr algn="l" defTabSz="914400" rtl="0" eaLnBrk="1" latinLnBrk="0" hangingPunct="1">
-        <a:lnSpc>
-          <a:spcPct val="90000"/>
-        </a:lnSpc>
-        <a:spcBef>
-          <a:spcPct val="0"/>
-        </a:spcBef>
-        <a:buNone/>
-        <a:defRPr sz="4400" kern="1200">
-          <a:solidFill>
-            <a:schemeClr val="tx1"/>
-          </a:solidFill>
-          <a:latin typeface="+mj-lt"/>
-          <a:ea typeface="+mj-ea"/>
-          <a:cs typeface="+mj-cs"/>
-        </a:defRPr>
-      </a:lvl1pPr>
-    </p:titleStyle>
-    <p:bodyStyle>
-      <a:lvl1pPr marL="228600" indent="-228600" algn="l" defTabSz="914400" rtl="0" eaLnBrk="1" latinLnBrk="0" hangingPunct="1">
-        <a:lnSpc>
-          <a:spcPct val="90000"/>
-        </a:lnSpc>
-        <a:spcBef>
-          <a:spcPts val="1000"/>
-        </a:spcBef>
-        <a:buFont typeface="Arial" panose="020B0604020202020204" pitchFamily="34" charset="0"/>
-        <a:buChar char="•"/>
-        <a:defRPr sz="2800" kern="1200">
-          <a:solidFill>
-            <a:schemeClr val="tx1"/>
-          </a:solidFill>
-          <a:latin typeface="+mn-lt"/>
-          <a:ea typeface="+mn-ea"/>
-          <a:cs typeface="+mn-cs"/>
-        </a:defRPr>
-      </a:lvl1pPr>
-      <a:lvl2pPr marL="685800" indent="-228600" algn="l" defTabSz="914400" rtl="0" eaLnBrk="1" latinLnBrk="0" hangingPunct="1">
-        <a:lnSpc>
-          <a:spcPct val="90000"/>
-        </a:lnSpc>
-        <a:spcBef>
-          <a:spcPts val="500"/>
-        </a:spcBef>
-        <a:buFont typeface="Arial" panose="020B0604020202020204" pitchFamily="34" charset="0"/>
-        <a:buChar char="•"/>
-        <a:defRPr sz="2400" kern="1200">
-          <a:solidFill>
-            <a:schemeClr val="tx1"/>
-          </a:solidFill>
-          <a:latin typeface="+mn-lt"/>
-          <a:ea typeface="+mn-ea"/>
-          <a:cs typeface="+mn-cs"/>
-        </a:defRPr>
-      </a:lvl2pPr>
-      <a:lvl3pPr marL="1143000" indent="-228600" algn="l" defTabSz="914400" rtl="0" eaLnBrk="1" latinLnBrk="0" hangingPunct="1">
-        <a:lnSpc>
-          <a:spcPct val="90000"/>
-        </a:lnSpc>
-        <a:spcBef>
-          <a:spcPts val="500"/>
-        </a:spcBef>
-        <a:buFont typeface="Arial" panose="020B0604020202020204" pitchFamily="34" charset="0"/>
-        <a:buChar char="•"/>
-        <a:defRPr sz="2000" kern="1200">
-          <a:solidFill>
-            <a:schemeClr val="tx1"/>
-          </a:solidFill>
-          <a:latin typeface="+mn-lt"/>
-          <a:ea typeface="+mn-ea"/>
-          <a:cs typeface="+mn-cs"/>
-        </a:defRPr>
-      </a:lvl3pPr>
-      <a:lvl4pPr marL="1600200" indent="-228600" algn="l" defTabSz="914400" rtl="0" eaLnBrk="1" latinLnBrk="0" hangingPunct="1">
-        <a:lnSpc>
-          <a:spcPct val="90000"/>
-        </a:lnSpc>
-        <a:spcBef>
-          <a:spcPts val="500"/>
-        </a:spcBef>
-        <a:buFont typeface="Arial" panose="020B0604020202020204" pitchFamily="34" charset="0"/>
-        <a:buChar char="•"/>
-        <a:defRPr sz="1800" kern="1200">
-          <a:solidFill>
-            <a:schemeClr val="tx1"/>
-          </a:solidFill>
-          <a:latin typeface="+mn-lt"/>
-          <a:ea typeface="+mn-ea"/>
-          <a:cs typeface="+mn-cs"/>
-        </a:defRPr>
-      </a:lvl4pPr>
-      <a:lvl5pPr marL="2057400" indent="-228600" algn="l" defTabSz="914400" rtl="0" eaLnBrk="1" latinLnBrk="0" hangingPunct="1">
-        <a:lnSpc>
-          <a:spcPct val="90000"/>
-        </a:lnSpc>
-        <a:spcBef>
-          <a:spcPts val="500"/>
-        </a:spcBef>
-        <a:buFont typeface="Arial" panose="020B0604020202020204" pitchFamily="34" charset="0"/>
-        <a:buChar char="•"/>
-        <a:defRPr sz="1800" kern="1200">
-          <a:solidFill>
-            <a:schemeClr val="tx1"/>
-          </a:solidFill>
-          <a:latin typeface="+mn-lt"/>
-          <a:ea typeface="+mn-ea"/>
-          <a:cs typeface="+mn-cs"/>
-        </a:defRPr>
-      </a:lvl5pPr>
-      <a:lvl6pPr marL="2514600" indent="-228600" algn="l" defTabSz="914400" rtl="0" eaLnBrk="1" latinLnBrk="0" hangingPunct="1">
-        <a:lnSpc>
-          <a:spcPct val="90000"/>
-        </a:lnSpc>
-        <a:spcBef>
-          <a:spcPts val="500"/>
-        </a:spcBef>
-        <a:buFont typeface="Arial" panose="020B0604020202020204" pitchFamily="34" charset="0"/>
-        <a:buChar char="•"/>
-        <a:defRPr sz="1800" kern="1200">
-          <a:solidFill>
-            <a:schemeClr val="tx1"/>
-          </a:solidFill>
-          <a:latin typeface="+mn-lt"/>
-          <a:ea typeface="+mn-ea"/>
-          <a:cs typeface="+mn-cs"/>
-        </a:defRPr>
-      </a:lvl6pPr>
-      <a:lvl7pPr marL="2971800" indent="-228600" algn="l" defTabSz="914400" rtl="0" eaLnBrk="1" latinLnBrk="0" hangingPunct="1">
-        <a:lnSpc>
-          <a:spcPct val="90000"/>
-        </a:lnSpc>
-        <a:spcBef>
-          <a:spcPts val="500"/>
-        </a:spcBef>
-        <a:buFont typeface="Arial" panose="020B0604020202020204" pitchFamily="34" charset="0"/>
-        <a:buChar char="•"/>
-        <a:defRPr sz="1800" kern="1200">
-          <a:solidFill>
-            <a:schemeClr val="tx1"/>
-          </a:solidFill>
-          <a:latin typeface="+mn-lt"/>
-          <a:ea typeface="+mn-ea"/>
-          <a:cs typeface="+mn-cs"/>
-        </a:defRPr>
-      </a:lvl7pPr>
-      <a:lvl8pPr marL="3429000" indent="-228600" algn="l" defTabSz="914400" rtl="0" eaLnBrk="1" latinLnBrk="0" hangingPunct="1">
-        <a:lnSpc>
-          <a:spcPct val="90000"/>
-        </a:lnSpc>
-        <a:spcBef>
-          <a:spcPts val="500"/>
-        </a:spcBef>
-        <a:buFont typeface="Arial" panose="020B0604020202020204" pitchFamily="34" charset="0"/>
-        <a:buChar char="•"/>
-        <a:defRPr sz="1800" kern="1200">
-          <a:solidFill>
-            <a:schemeClr val="tx1"/>
-          </a:solidFill>
-          <a:latin typeface="+mn-lt"/>
-          <a:ea typeface="+mn-ea"/>
-          <a:cs typeface="+mn-cs"/>
-        </a:defRPr>
-      </a:lvl8pPr>
-      <a:lvl9pPr marL="3886200" indent="-228600" algn="l" defTabSz="914400" rtl="0" eaLnBrk="1" latinLnBrk="0" hangingPunct="1">
-        <a:lnSpc>
-          <a:spcPct val="90000"/>
-        </a:lnSpc>
-        <a:spcBef>
-          <a:spcPts val="500"/>
-        </a:spcBef>
-        <a:buFont typeface="Arial" panose="020B0604020202020204" pitchFamily="34" charset="0"/>
-        <a:buChar char="•"/>
-        <a:defRPr sz="1800" kern="1200">
-          <a:solidFill>
-            <a:schemeClr val="tx1"/>
-          </a:solidFill>
-          <a:latin typeface="+mn-lt"/>
-          <a:ea typeface="+mn-ea"/>
-          <a:cs typeface="+mn-cs"/>
-        </a:defRPr>
-      </a:lvl9pPr>
-    </p:bodyStyle>
-    <p:otherStyle>
-      <a:defPPr>
-        <a:defRPr lang="zh-CN"/>
-      </a:defPPr>
-      <a:lvl1pPr marL="0" algn="l" defTabSz="914400" rtl="0" eaLnBrk="1" latinLnBrk="0" hangingPunct="1">
-        <a:defRPr sz="1800" kern="1200">
-          <a:solidFill>
-            <a:schemeClr val="tx1"/>
-          </a:solidFill>
-          <a:latin typeface="+mn-lt"/>
-          <a:ea typeface="+mn-ea"/>
-          <a:cs typeface="+mn-cs"/>
-        </a:defRPr>
-      </a:lvl1pPr>
-      <a:lvl2pPr marL="457200" algn="l" defTabSz="914400" rtl="0" eaLnBrk="1" latinLnBrk="0" hangingPunct="1">
-        <a:defRPr sz="1800" kern="1200">
-          <a:solidFill>
-            <a:schemeClr val="tx1"/>
-          </a:solidFill>
-          <a:latin typeface="+mn-lt"/>
-          <a:ea typeface="+mn-ea"/>
-          <a:cs typeface="+mn-cs"/>
-        </a:defRPr>
-      </a:lvl2pPr>
-      <a:lvl3pPr marL="914400" algn="l" defTabSz="914400" rtl="0" eaLnBrk="1" latinLnBrk="0" hangingPunct="1">
-        <a:defRPr sz="1800" kern="1200">
-          <a:solidFill>
-            <a:schemeClr val="tx1"/>
-          </a:solidFill>
-          <a:latin typeface="+mn-lt"/>
-          <a:ea typeface="+mn-ea"/>
-          <a:cs typeface="+mn-cs"/>
-        </a:defRPr>
-      </a:lvl3pPr>
-      <a:lvl4pPr marL="1371600" algn="l" defTabSz="914400" rtl="0" eaLnBrk="1" latinLnBrk="0" hangingPunct="1">
-        <a:defRPr sz="1800" kern="1200">
-          <a:solidFill>
-            <a:schemeClr val="tx1"/>
-          </a:solidFill>
-          <a:latin typeface="+mn-lt"/>
-          <a:ea typeface="+mn-ea"/>
-          <a:cs typeface="+mn-cs"/>
-        </a:defRPr>
-      </a:lvl4pPr>
-      <a:lvl5pPr marL="1828800" algn="l" defTabSz="914400" rtl="0" eaLnBrk="1" latinLnBrk="0" hangingPunct="1">
-        <a:defRPr sz="1800" kern="1200">
-          <a:solidFill>
-            <a:schemeClr val="tx1"/>
-          </a:solidFill>
-          <a:latin typeface="+mn-lt"/>
-          <a:ea typeface="+mn-ea"/>
-          <a:cs typeface="+mn-cs"/>
-        </a:defRPr>
-      </a:lvl5pPr>
-      <a:lvl6pPr marL="2286000" algn="l" defTabSz="914400" rtl="0" eaLnBrk="1" latinLnBrk="0" hangingPunct="1">
-        <a:defRPr sz="1800" kern="1200">
-          <a:solidFill>
-            <a:schemeClr val="tx1"/>
-          </a:solidFill>
-          <a:latin typeface="+mn-lt"/>
-          <a:ea typeface="+mn-ea"/>
-          <a:cs typeface="+mn-cs"/>
-        </a:defRPr>
-      </a:lvl6pPr>
-      <a:lvl7pPr marL="2743200" algn="l" defTabSz="914400" rtl="0" eaLnBrk="1" latinLnBrk="0" hangingPunct="1">
-        <a:defRPr sz="1800" kern="1200">
-          <a:solidFill>
-            <a:schemeClr val="tx1"/>
-          </a:solidFill>
-          <a:latin typeface="+mn-lt"/>
-          <a:ea typeface="+mn-ea"/>
-          <a:cs typeface="+mn-cs"/>
-        </a:defRPr>
-      </a:lvl7pPr>
-      <a:lvl8pPr marL="3200400" algn="l" defTabSz="914400" rtl="0" eaLnBrk="1" latinLnBrk="0" hangingPunct="1">
-        <a:defRPr sz="1800" kern="1200">
-          <a:solidFill>
-            <a:schemeClr val="tx1"/>
-          </a:solidFill>
-          <a:latin typeface="+mn-lt"/>
-          <a:ea typeface="+mn-ea"/>
-          <a:cs typeface="+mn-cs"/>
-        </a:defRPr>
-      </a:lvl8pPr>
-      <a:lvl9pPr marL="3657600" algn="l" defTabSz="914400" rtl="0" eaLnBrk="1" latinLnBrk="0" hangingPunct="1">
-        <a:defRPr sz="1800" kern="1200">
-          <a:solidFill>
-            <a:schemeClr val="tx1"/>
-          </a:solidFill>
-          <a:latin typeface="+mn-lt"/>
-          <a:ea typeface="+mn-ea"/>
-          <a:cs typeface="+mn-cs"/>
-        </a:defRPr>
-      </a:lvl9pPr>
-    </p:otherStyle>
-  </p:txStyles>
-</p:sldMaster>
-</file>
-
-<file path=ppt/slideMasters/slideMaster2.xml><?xml version="1.0" encoding="utf-8"?>
 <p:sldMaster xmlns:a="http://schemas.openxmlformats.org/drawingml/2006/main" xmlns:r="http://schemas.openxmlformats.org/officeDocument/2006/relationships" xmlns:p="http://schemas.openxmlformats.org/presentationml/2006/main">
   <p:cSld>
     <p:bg>
@@ -11039,7 +7951,7 @@
           <a:p>
             <a:fld id="{E7E08B94-B0B3-D748-9AF7-763EF72ADB9D}" type="datetimeFigureOut">
               <a:rPr kumimoji="1" lang="zh-CN" altLang="en-US" smtClean="0"/>
-              <a:t>2025/10/24</a:t>
+              <a:t>2025/10/27</a:t>
             </a:fld>
             <a:endParaRPr kumimoji="1" lang="zh-CN" altLang="en-US"/>
           </a:p>
@@ -13403,9 +10315,9 @@
                   <a:uFillTx/>
                   <a:latin typeface=".苹方-简" panose="020B0400000000000000" pitchFamily="34" charset="-122"/>
                   <a:ea typeface=".苹方-简" panose="020B0400000000000000" pitchFamily="34" charset="-122"/>
-                  <a:cs typeface="SF Pro Display" pitchFamily="50" charset="0"/>
+                  <a:cs typeface="+mn-cs"/>
                 </a:rPr>
-                <a:t>前端</a:t>
+                <a:t>优化</a:t>
               </a:r>
               <a:endParaRPr kumimoji="1" lang="zh-CN" altLang="en-US" sz="2400" b="1" i="0" u="none" strike="noStrike" kern="1200" cap="none" spc="0" normalizeH="0" baseline="0" noProof="0" dirty="0">
                 <a:ln>
@@ -13756,10 +10668,10 @@
       </p:pic>
       <p:pic>
         <p:nvPicPr>
-          <p:cNvPr id="2" name="图片 1" descr="屏幕上有个手机&#10;&#10;AI 生成的内容可能不正确。">
+          <p:cNvPr id="8" name="图片 7">
             <a:extLst>
               <a:ext uri="{FF2B5EF4-FFF2-40B4-BE49-F238E27FC236}">
-                <a16:creationId xmlns:a16="http://schemas.microsoft.com/office/drawing/2014/main" id="{5CF4C1FC-C142-7DBA-AB30-49F840BD4498}"/>
+                <a16:creationId xmlns:a16="http://schemas.microsoft.com/office/drawing/2014/main" id="{FD830E7F-B279-9B49-DD16-C18565F06F1B}"/>
               </a:ext>
             </a:extLst>
           </p:cNvPr>
@@ -13769,21 +10681,15 @@
           <p:nvPr/>
         </p:nvPicPr>
         <p:blipFill>
-          <a:blip r:embed="rId5">
-            <a:extLst>
-              <a:ext uri="{28A0092B-C50C-407E-A947-70E740481C1C}">
-                <a14:useLocalDpi xmlns:a14="http://schemas.microsoft.com/office/drawing/2010/main" val="0"/>
-              </a:ext>
-            </a:extLst>
-          </a:blip>
+          <a:blip r:embed="rId5"/>
           <a:stretch>
             <a:fillRect/>
           </a:stretch>
         </p:blipFill>
         <p:spPr>
           <a:xfrm>
-            <a:off x="2665552" y="1231750"/>
-            <a:ext cx="6860894" cy="5149874"/>
+            <a:off x="3385759" y="1733535"/>
+            <a:ext cx="5420481" cy="3172268"/>
           </a:xfrm>
           <a:prstGeom prst="rect">
             <a:avLst/>
@@ -13792,10 +10698,10 @@
       </p:pic>
       <p:sp>
         <p:nvSpPr>
-          <p:cNvPr id="6" name="文本框 5">
+          <p:cNvPr id="14" name="文本框 13">
             <a:extLst>
               <a:ext uri="{FF2B5EF4-FFF2-40B4-BE49-F238E27FC236}">
-                <a16:creationId xmlns:a16="http://schemas.microsoft.com/office/drawing/2014/main" id="{38496DF1-9B4F-0683-C258-933F4C1341B2}"/>
+                <a16:creationId xmlns:a16="http://schemas.microsoft.com/office/drawing/2014/main" id="{3E1DFB29-1B2A-9138-B90E-08D479241B14}"/>
               </a:ext>
             </a:extLst>
           </p:cNvPr>
@@ -13804,8 +10710,8 @@
         </p:nvSpPr>
         <p:spPr>
           <a:xfrm>
-            <a:off x="210586" y="5211933"/>
-            <a:ext cx="2454965" cy="369332"/>
+            <a:off x="5694186" y="4741327"/>
+            <a:ext cx="1107996" cy="1107371"/>
           </a:xfrm>
           <a:prstGeom prst="rect">
             <a:avLst/>
@@ -13813,101 +10719,19 @@
           <a:noFill/>
         </p:spPr>
         <p:txBody>
-          <a:bodyPr wrap="square" rtlCol="0">
+          <a:bodyPr vert="eaVert" wrap="square" rtlCol="0">
             <a:spAutoFit/>
           </a:bodyPr>
           <a:lstStyle/>
           <a:p>
             <a:pPr algn="ctr"/>
             <a:r>
-              <a:rPr lang="en-US" altLang="zh-CN" dirty="0" err="1">
+              <a:rPr lang="en-US" altLang="zh-CN" sz="6000" dirty="0">
                 <a:latin typeface="SF Pro Display" panose="00000500000000000000" pitchFamily="50" charset="0"/>
               </a:rPr>
-              <a:t>VideoDropZone.vue</a:t>
-            </a:r>
-            <a:endParaRPr lang="zh-CN" altLang="en-US" dirty="0">
-              <a:latin typeface="SF Pro Display" panose="00000500000000000000" pitchFamily="50" charset="0"/>
-            </a:endParaRPr>
-          </a:p>
-        </p:txBody>
-      </p:sp>
-      <p:sp>
-        <p:nvSpPr>
-          <p:cNvPr id="7" name="文本框 6">
-            <a:extLst>
-              <a:ext uri="{FF2B5EF4-FFF2-40B4-BE49-F238E27FC236}">
-                <a16:creationId xmlns:a16="http://schemas.microsoft.com/office/drawing/2014/main" id="{4BD5B3DB-45F6-0080-6271-F5834D7A366E}"/>
-              </a:ext>
-            </a:extLst>
-          </p:cNvPr>
-          <p:cNvSpPr txBox="1"/>
-          <p:nvPr/>
-        </p:nvSpPr>
-        <p:spPr>
-          <a:xfrm>
-            <a:off x="9436749" y="5352132"/>
-            <a:ext cx="2454965" cy="369332"/>
-          </a:xfrm>
-          <a:prstGeom prst="rect">
-            <a:avLst/>
-          </a:prstGeom>
-          <a:noFill/>
-        </p:spPr>
-        <p:txBody>
-          <a:bodyPr wrap="square" rtlCol="0">
-            <a:spAutoFit/>
-          </a:bodyPr>
-          <a:lstStyle/>
-          <a:p>
-            <a:pPr algn="ctr"/>
-            <a:r>
-              <a:rPr lang="en-US" altLang="zh-CN" dirty="0" err="1">
-                <a:latin typeface="SF Pro Display" panose="00000500000000000000" pitchFamily="50" charset="0"/>
-              </a:rPr>
-              <a:t>StatusBanner.vue</a:t>
-            </a:r>
-            <a:endParaRPr lang="zh-CN" altLang="en-US" dirty="0">
-              <a:latin typeface="SF Pro Display" panose="00000500000000000000" pitchFamily="50" charset="0"/>
-            </a:endParaRPr>
-          </a:p>
-        </p:txBody>
-      </p:sp>
-      <p:sp>
-        <p:nvSpPr>
-          <p:cNvPr id="9" name="文本框 8">
-            <a:extLst>
-              <a:ext uri="{FF2B5EF4-FFF2-40B4-BE49-F238E27FC236}">
-                <a16:creationId xmlns:a16="http://schemas.microsoft.com/office/drawing/2014/main" id="{3271569E-402A-057E-C84D-87E381A0C03D}"/>
-              </a:ext>
-            </a:extLst>
-          </p:cNvPr>
-          <p:cNvSpPr txBox="1"/>
-          <p:nvPr/>
-        </p:nvSpPr>
-        <p:spPr>
-          <a:xfrm>
-            <a:off x="210585" y="5581265"/>
-            <a:ext cx="2454965" cy="369332"/>
-          </a:xfrm>
-          <a:prstGeom prst="rect">
-            <a:avLst/>
-          </a:prstGeom>
-          <a:noFill/>
-        </p:spPr>
-        <p:txBody>
-          <a:bodyPr wrap="square" rtlCol="0">
-            <a:spAutoFit/>
-          </a:bodyPr>
-          <a:lstStyle/>
-          <a:p>
-            <a:pPr algn="ctr"/>
-            <a:r>
-              <a:rPr lang="en-US" altLang="zh-CN" dirty="0" err="1">
-                <a:latin typeface="SF Pro Display" panose="00000500000000000000" pitchFamily="50" charset="0"/>
-              </a:rPr>
-              <a:t>ManualROIDialog.vue</a:t>
-            </a:r>
-            <a:endParaRPr lang="zh-CN" altLang="en-US" dirty="0">
+              <a:t>…</a:t>
+            </a:r>
+            <a:endParaRPr lang="zh-CN" altLang="en-US" sz="1600" dirty="0">
               <a:latin typeface="SF Pro Display" panose="00000500000000000000" pitchFamily="50" charset="0"/>
             </a:endParaRPr>
           </a:p>
@@ -13916,88 +10740,13 @@
     </p:spTree>
     <p:extLst>
       <p:ext uri="{BB962C8B-B14F-4D97-AF65-F5344CB8AC3E}">
-        <p14:creationId xmlns:p14="http://schemas.microsoft.com/office/powerpoint/2010/main" val="2546432847"/>
+        <p14:creationId xmlns:p14="http://schemas.microsoft.com/office/powerpoint/2010/main" val="1508823413"/>
       </p:ext>
     </p:extLst>
   </p:cSld>
   <p:clrMapOvr>
     <a:masterClrMapping/>
   </p:clrMapOvr>
-  <p:timing>
-    <p:tnLst>
-      <p:par>
-        <p:cTn id="1" dur="indefinite" restart="never" nodeType="tmRoot">
-          <p:childTnLst>
-            <p:seq concurrent="1" nextAc="seek">
-              <p:cTn id="2" dur="indefinite" nodeType="mainSeq">
-                <p:childTnLst>
-                  <p:par>
-                    <p:cTn id="3" fill="hold">
-                      <p:stCondLst>
-                        <p:cond delay="indefinite"/>
-                      </p:stCondLst>
-                      <p:childTnLst>
-                        <p:par>
-                          <p:cTn id="4" fill="hold">
-                            <p:stCondLst>
-                              <p:cond delay="0"/>
-                            </p:stCondLst>
-                            <p:childTnLst>
-                              <p:par>
-                                <p:cTn id="5" presetID="1" presetClass="exit" presetSubtype="0" fill="hold" nodeType="clickEffect">
-                                  <p:stCondLst>
-                                    <p:cond delay="0"/>
-                                  </p:stCondLst>
-                                  <p:childTnLst>
-                                    <p:set>
-                                      <p:cBhvr>
-                                        <p:cTn id="6" dur="1" fill="hold">
-                                          <p:stCondLst>
-                                            <p:cond delay="0"/>
-                                          </p:stCondLst>
-                                        </p:cTn>
-                                        <p:tgtEl>
-                                          <p:spTgt spid="2"/>
-                                        </p:tgtEl>
-                                        <p:attrNameLst>
-                                          <p:attrName>style.visibility</p:attrName>
-                                        </p:attrNameLst>
-                                      </p:cBhvr>
-                                      <p:to>
-                                        <p:strVal val="hidden"/>
-                                      </p:to>
-                                    </p:set>
-                                  </p:childTnLst>
-                                </p:cTn>
-                              </p:par>
-                            </p:childTnLst>
-                          </p:cTn>
-                        </p:par>
-                      </p:childTnLst>
-                    </p:cTn>
-                  </p:par>
-                </p:childTnLst>
-              </p:cTn>
-              <p:prevCondLst>
-                <p:cond evt="onPrev" delay="0">
-                  <p:tgtEl>
-                    <p:sldTgt/>
-                  </p:tgtEl>
-                </p:cond>
-              </p:prevCondLst>
-              <p:nextCondLst>
-                <p:cond evt="onNext" delay="0">
-                  <p:tgtEl>
-                    <p:sldTgt/>
-                  </p:tgtEl>
-                </p:cond>
-              </p:nextCondLst>
-            </p:seq>
-          </p:childTnLst>
-        </p:cTn>
-      </p:par>
-    </p:tnLst>
-  </p:timing>
 </p:sld>
 </file>
 
@@ -14201,7 +10950,7 @@
                   <a:ea typeface=".苹方-简" panose="020B0400000000000000" pitchFamily="34" charset="-122"/>
                   <a:cs typeface="+mn-cs"/>
                 </a:rPr>
-                <a:t>优化</a:t>
+                <a:t>视频编码</a:t>
               </a:r>
               <a:endParaRPr kumimoji="1" lang="zh-CN" altLang="en-US" sz="2400" b="1" i="0" u="none" strike="noStrike" kern="1200" cap="none" spc="0" normalizeH="0" baseline="0" noProof="0" dirty="0">
                 <a:ln>
@@ -14354,7 +11103,7 @@
                 <a:defRPr/>
               </a:pPr>
               <a:r>
-                <a:rPr kumimoji="1" lang="en-US" altLang="zh-CN" sz="2000" b="1" i="0" u="none" strike="noStrike" kern="1200" cap="none" spc="0" normalizeH="0" baseline="0" noProof="0" dirty="0">
+                <a:rPr kumimoji="1" lang="en-US" altLang="zh-CN" sz="2000" b="1" i="0" u="none" strike="noStrike" kern="1200" cap="none" spc="0" normalizeH="0" baseline="0" noProof="0">
                   <a:ln>
                     <a:noFill/>
                   </a:ln>
@@ -14370,6 +11119,20 @@
                 </a:rPr>
                 <a:t>IV</a:t>
               </a:r>
+              <a:endParaRPr kumimoji="1" lang="en-US" altLang="zh-CN" sz="2000" b="1" i="0" u="none" strike="noStrike" kern="1200" cap="none" spc="0" normalizeH="0" baseline="0" noProof="0" dirty="0">
+                <a:ln>
+                  <a:noFill/>
+                </a:ln>
+                <a:solidFill>
+                  <a:srgbClr val="1851A3"/>
+                </a:solidFill>
+                <a:effectLst/>
+                <a:uLnTx/>
+                <a:uFillTx/>
+                <a:latin typeface="SF Pro Display" pitchFamily="50" charset="0"/>
+                <a:ea typeface="SF Pro Display" pitchFamily="50" charset="0"/>
+                <a:cs typeface="SF Pro Display" pitchFamily="50" charset="0"/>
+              </a:endParaRPr>
             </a:p>
           </p:txBody>
         </p:sp>
@@ -14550,12 +11313,66 @@
           </a:prstGeom>
         </p:spPr>
       </p:pic>
+      <p:sp>
+        <p:nvSpPr>
+          <p:cNvPr id="5" name="内容占位符 4">
+            <a:extLst>
+              <a:ext uri="{FF2B5EF4-FFF2-40B4-BE49-F238E27FC236}">
+                <a16:creationId xmlns:a16="http://schemas.microsoft.com/office/drawing/2014/main" id="{15F4FD27-CE7E-46C5-C3E1-879A2FD46F17}"/>
+              </a:ext>
+            </a:extLst>
+          </p:cNvPr>
+          <p:cNvSpPr>
+            <a:spLocks noGrp="1"/>
+          </p:cNvSpPr>
+          <p:nvPr>
+            <p:ph idx="1"/>
+          </p:nvPr>
+        </p:nvSpPr>
+        <p:spPr/>
+        <p:txBody>
+          <a:bodyPr/>
+          <a:lstStyle/>
+          <a:p>
+            <a:r>
+              <a:rPr lang="en-US" altLang="zh-CN" dirty="0">
+                <a:latin typeface="SF Pro Display" panose="00000600000000000000" pitchFamily="50" charset="0"/>
+                <a:ea typeface="SF Pro Display" panose="00000600000000000000" pitchFamily="50" charset="0"/>
+              </a:rPr>
+              <a:t>MP4 </a:t>
+            </a:r>
+            <a:r>
+              <a:rPr lang="zh-CN" altLang="en-US" dirty="0">
+                <a:ea typeface=".苹方-简" panose="020B0400000000000000"/>
+              </a:rPr>
+              <a:t>扩展盒</a:t>
+            </a:r>
+            <a:endParaRPr lang="en-US" altLang="zh-CN" dirty="0">
+              <a:ea typeface=".苹方-简" panose="020B0400000000000000"/>
+            </a:endParaRPr>
+          </a:p>
+          <a:p>
+            <a:pPr lvl="1"/>
+            <a:r>
+              <a:rPr lang="en-US" altLang="zh-CN" dirty="0">
+                <a:latin typeface="SF Pro Display" panose="00000600000000000000" pitchFamily="50" charset="0"/>
+                <a:ea typeface="SF Pro Display" panose="00000600000000000000" pitchFamily="50" charset="0"/>
+              </a:rPr>
+              <a:t>ISO Base Media File Format</a:t>
+            </a:r>
+            <a:endParaRPr lang="zh-CN" altLang="en-US" dirty="0">
+              <a:latin typeface="SF Pro Display" panose="00000600000000000000" pitchFamily="50" charset="0"/>
+              <a:ea typeface=".苹方-简" panose="020B0400000000000000"/>
+            </a:endParaRPr>
+          </a:p>
+        </p:txBody>
+      </p:sp>
       <p:pic>
         <p:nvPicPr>
-          <p:cNvPr id="8" name="图片 7">
+          <p:cNvPr id="7" name="图片 6">
             <a:extLst>
               <a:ext uri="{FF2B5EF4-FFF2-40B4-BE49-F238E27FC236}">
-                <a16:creationId xmlns:a16="http://schemas.microsoft.com/office/drawing/2014/main" id="{FD830E7F-B279-9B49-DD16-C18565F06F1B}"/>
+                <a16:creationId xmlns:a16="http://schemas.microsoft.com/office/drawing/2014/main" id="{FE14B396-AB33-302F-80A5-1B5B373E9E61}"/>
               </a:ext>
             </a:extLst>
           </p:cNvPr>
@@ -14565,15 +11382,20 @@
           <p:nvPr/>
         </p:nvPicPr>
         <p:blipFill>
-          <a:blip r:embed="rId5"/>
-          <a:stretch>
-            <a:fillRect/>
-          </a:stretch>
+          <a:blip r:embed="rId5">
+            <a:extLst>
+              <a:ext uri="{28A0092B-C50C-407E-A947-70E740481C1C}">
+                <a14:useLocalDpi xmlns:a14="http://schemas.microsoft.com/office/drawing/2010/main" val="0"/>
+              </a:ext>
+            </a:extLst>
+          </a:blip>
+          <a:srcRect t="33235" b="34412"/>
+          <a:stretch/>
         </p:blipFill>
         <p:spPr>
           <a:xfrm>
-            <a:off x="3385759" y="1733535"/>
-            <a:ext cx="5420481" cy="3172268"/>
+            <a:off x="270387" y="3429000"/>
+            <a:ext cx="11610474" cy="2218765"/>
           </a:xfrm>
           <a:prstGeom prst="rect">
             <a:avLst/>
@@ -14582,10 +11404,10 @@
       </p:pic>
       <p:sp>
         <p:nvSpPr>
-          <p:cNvPr id="14" name="文本框 13">
+          <p:cNvPr id="9" name="文本框 8">
             <a:extLst>
               <a:ext uri="{FF2B5EF4-FFF2-40B4-BE49-F238E27FC236}">
-                <a16:creationId xmlns:a16="http://schemas.microsoft.com/office/drawing/2014/main" id="{3E1DFB29-1B2A-9138-B90E-08D479241B14}"/>
+                <a16:creationId xmlns:a16="http://schemas.microsoft.com/office/drawing/2014/main" id="{70E3503B-5DA2-758E-FDD4-FAEB8967129E}"/>
               </a:ext>
             </a:extLst>
           </p:cNvPr>
@@ -14594,8 +11416,8 @@
         </p:nvSpPr>
         <p:spPr>
           <a:xfrm>
-            <a:off x="5694186" y="4741327"/>
-            <a:ext cx="1107996" cy="1107371"/>
+            <a:off x="10839450" y="4990643"/>
+            <a:ext cx="1028700" cy="1200329"/>
           </a:xfrm>
           <a:prstGeom prst="rect">
             <a:avLst/>
@@ -14603,28 +11425,57 @@
           <a:noFill/>
         </p:spPr>
         <p:txBody>
-          <a:bodyPr vert="eaVert" wrap="square" rtlCol="0">
+          <a:bodyPr wrap="square" rtlCol="0">
             <a:spAutoFit/>
           </a:bodyPr>
           <a:lstStyle/>
           <a:p>
             <a:pPr algn="ctr"/>
             <a:r>
-              <a:rPr lang="en-US" altLang="zh-CN" sz="6000" dirty="0">
-                <a:latin typeface="SF Pro Display" panose="00000500000000000000" pitchFamily="50" charset="0"/>
+              <a:rPr lang="en-US" altLang="zh-CN" dirty="0">
+                <a:latin typeface="SF Pro Display" panose="00000600000000000000" pitchFamily="50" charset="0"/>
+                <a:ea typeface="SF Pro Display" panose="00000600000000000000" pitchFamily="50" charset="0"/>
               </a:rPr>
-              <a:t>…</a:t>
-            </a:r>
-            <a:endParaRPr lang="zh-CN" altLang="en-US" sz="1600" dirty="0">
-              <a:latin typeface="SF Pro Display" panose="00000500000000000000" pitchFamily="50" charset="0"/>
+              <a:t>+</a:t>
+            </a:r>
+          </a:p>
+          <a:p>
+            <a:pPr algn="ctr"/>
+            <a:r>
+              <a:rPr lang="zh-CN" altLang="en-US" dirty="0">
+                <a:ea typeface=".苹方-简" panose="020B0400000000000000"/>
+              </a:rPr>
+              <a:t>密钥</a:t>
+            </a:r>
+            <a:endParaRPr lang="en-US" altLang="zh-CN" dirty="0">
+              <a:ea typeface=".苹方-简" panose="020B0400000000000000"/>
             </a:endParaRPr>
+          </a:p>
+          <a:p>
+            <a:pPr algn="ctr"/>
+            <a:r>
+              <a:rPr lang="en-US" altLang="zh-CN" dirty="0">
+                <a:latin typeface="SF Pro Display" panose="00000600000000000000" pitchFamily="50" charset="0"/>
+                <a:ea typeface="SF Pro Display" panose="00000600000000000000" pitchFamily="50" charset="0"/>
+              </a:rPr>
+              <a:t>=</a:t>
+            </a:r>
+          </a:p>
+          <a:p>
+            <a:pPr algn="ctr"/>
+            <a:r>
+              <a:rPr lang="zh-CN" altLang="en-US" dirty="0">
+                <a:ea typeface=".苹方-简" panose="020B0400000000000000"/>
+              </a:rPr>
+              <a:t>原视频</a:t>
+            </a:r>
           </a:p>
         </p:txBody>
       </p:sp>
     </p:spTree>
     <p:extLst>
       <p:ext uri="{BB962C8B-B14F-4D97-AF65-F5344CB8AC3E}">
-        <p14:creationId xmlns:p14="http://schemas.microsoft.com/office/powerpoint/2010/main" val="1508823413"/>
+        <p14:creationId xmlns:p14="http://schemas.microsoft.com/office/powerpoint/2010/main" val="1612368940"/>
       </p:ext>
     </p:extLst>
   </p:cSld>
@@ -14635,321 +11486,6 @@
 </file>
 
 <file path=ppt/theme/theme1.xml><?xml version="1.0" encoding="utf-8"?>
-<a:theme xmlns:a="http://schemas.openxmlformats.org/drawingml/2006/main" name="Office 主题​​">
-  <a:themeElements>
-    <a:clrScheme name="Office">
-      <a:dk1>
-        <a:sysClr val="windowText" lastClr="000000"/>
-      </a:dk1>
-      <a:lt1>
-        <a:sysClr val="window" lastClr="FFFFFF"/>
-      </a:lt1>
-      <a:dk2>
-        <a:srgbClr val="0E2841"/>
-      </a:dk2>
-      <a:lt2>
-        <a:srgbClr val="E8E8E8"/>
-      </a:lt2>
-      <a:accent1>
-        <a:srgbClr val="156082"/>
-      </a:accent1>
-      <a:accent2>
-        <a:srgbClr val="E97132"/>
-      </a:accent2>
-      <a:accent3>
-        <a:srgbClr val="196B24"/>
-      </a:accent3>
-      <a:accent4>
-        <a:srgbClr val="0F9ED5"/>
-      </a:accent4>
-      <a:accent5>
-        <a:srgbClr val="A02B93"/>
-      </a:accent5>
-      <a:accent6>
-        <a:srgbClr val="4EA72E"/>
-      </a:accent6>
-      <a:hlink>
-        <a:srgbClr val="467886"/>
-      </a:hlink>
-      <a:folHlink>
-        <a:srgbClr val="96607D"/>
-      </a:folHlink>
-    </a:clrScheme>
-    <a:fontScheme name="Office">
-      <a:majorFont>
-        <a:latin typeface="等线 Light" panose="02110004020202020204"/>
-        <a:ea typeface=""/>
-        <a:cs typeface=""/>
-        <a:font script="Jpan" typeface="游ゴシック Light"/>
-        <a:font script="Hang" typeface="맑은 고딕"/>
-        <a:font script="Hans" typeface="等线 Light"/>
-        <a:font script="Hant" typeface="新細明體"/>
-        <a:font script="Arab" typeface="Times New Roman"/>
-        <a:font script="Hebr" typeface="Times New Roman"/>
-        <a:font script="Thai" typeface="Angsana New"/>
-        <a:font script="Ethi" typeface="Nyala"/>
-        <a:font script="Beng" typeface="Vrinda"/>
-        <a:font script="Gujr" typeface="Shruti"/>
-        <a:font script="Khmr" typeface="MoolBoran"/>
-        <a:font script="Knda" typeface="Tunga"/>
-        <a:font script="Guru" typeface="Raavi"/>
-        <a:font script="Cans" typeface="Euphemia"/>
-        <a:font script="Cher" typeface="Plantagenet Cherokee"/>
-        <a:font script="Yiii" typeface="Microsoft Yi Baiti"/>
-        <a:font script="Tibt" typeface="Microsoft Himalaya"/>
-        <a:font script="Thaa" typeface="MV Boli"/>
-        <a:font script="Deva" typeface="Mangal"/>
-        <a:font script="Telu" typeface="Gautami"/>
-        <a:font script="Taml" typeface="Latha"/>
-        <a:font script="Syrc" typeface="Estrangelo Edessa"/>
-        <a:font script="Orya" typeface="Kalinga"/>
-        <a:font script="Mlym" typeface="Kartika"/>
-        <a:font script="Laoo" typeface="DokChampa"/>
-        <a:font script="Sinh" typeface="Iskoola Pota"/>
-        <a:font script="Mong" typeface="Mongolian Baiti"/>
-        <a:font script="Viet" typeface="Times New Roman"/>
-        <a:font script="Uigh" typeface="Microsoft Uighur"/>
-        <a:font script="Geor" typeface="Sylfaen"/>
-        <a:font script="Armn" typeface="Arial"/>
-        <a:font script="Bugi" typeface="Leelawadee UI"/>
-        <a:font script="Bopo" typeface="Microsoft JhengHei"/>
-        <a:font script="Java" typeface="Javanese Text"/>
-        <a:font script="Lisu" typeface="Segoe UI"/>
-        <a:font script="Mymr" typeface="Myanmar Text"/>
-        <a:font script="Nkoo" typeface="Ebrima"/>
-        <a:font script="Olck" typeface="Nirmala UI"/>
-        <a:font script="Osma" typeface="Ebrima"/>
-        <a:font script="Phag" typeface="Phagspa"/>
-        <a:font script="Syrn" typeface="Estrangelo Edessa"/>
-        <a:font script="Syrj" typeface="Estrangelo Edessa"/>
-        <a:font script="Syre" typeface="Estrangelo Edessa"/>
-        <a:font script="Sora" typeface="Nirmala UI"/>
-        <a:font script="Tale" typeface="Microsoft Tai Le"/>
-        <a:font script="Talu" typeface="Microsoft New Tai Lue"/>
-        <a:font script="Tfng" typeface="Ebrima"/>
-      </a:majorFont>
-      <a:minorFont>
-        <a:latin typeface="等线" panose="02110004020202020204"/>
-        <a:ea typeface=""/>
-        <a:cs typeface=""/>
-        <a:font script="Jpan" typeface="游ゴシック"/>
-        <a:font script="Hang" typeface="맑은 고딕"/>
-        <a:font script="Hans" typeface="等线"/>
-        <a:font script="Hant" typeface="新細明體"/>
-        <a:font script="Arab" typeface="Arial"/>
-        <a:font script="Hebr" typeface="Arial"/>
-        <a:font script="Thai" typeface="Cordia New"/>
-        <a:font script="Ethi" typeface="Nyala"/>
-        <a:font script="Beng" typeface="Vrinda"/>
-        <a:font script="Gujr" typeface="Shruti"/>
-        <a:font script="Khmr" typeface="DaunPenh"/>
-        <a:font script="Knda" typeface="Tunga"/>
-        <a:font script="Guru" typeface="Raavi"/>
-        <a:font script="Cans" typeface="Euphemia"/>
-        <a:font script="Cher" typeface="Plantagenet Cherokee"/>
-        <a:font script="Yiii" typeface="Microsoft Yi Baiti"/>
-        <a:font script="Tibt" typeface="Microsoft Himalaya"/>
-        <a:font script="Thaa" typeface="MV Boli"/>
-        <a:font script="Deva" typeface="Mangal"/>
-        <a:font script="Telu" typeface="Gautami"/>
-        <a:font script="Taml" typeface="Latha"/>
-        <a:font script="Syrc" typeface="Estrangelo Edessa"/>
-        <a:font script="Orya" typeface="Kalinga"/>
-        <a:font script="Mlym" typeface="Kartika"/>
-        <a:font script="Laoo" typeface="DokChampa"/>
-        <a:font script="Sinh" typeface="Iskoola Pota"/>
-        <a:font script="Mong" typeface="Mongolian Baiti"/>
-        <a:font script="Viet" typeface="Arial"/>
-        <a:font script="Uigh" typeface="Microsoft Uighur"/>
-        <a:font script="Geor" typeface="Sylfaen"/>
-        <a:font script="Armn" typeface="Arial"/>
-        <a:font script="Bugi" typeface="Leelawadee UI"/>
-        <a:font script="Bopo" typeface="Microsoft JhengHei"/>
-        <a:font script="Java" typeface="Javanese Text"/>
-        <a:font script="Lisu" typeface="Segoe UI"/>
-        <a:font script="Mymr" typeface="Myanmar Text"/>
-        <a:font script="Nkoo" typeface="Ebrima"/>
-        <a:font script="Olck" typeface="Nirmala UI"/>
-        <a:font script="Osma" typeface="Ebrima"/>
-        <a:font script="Phag" typeface="Phagspa"/>
-        <a:font script="Syrn" typeface="Estrangelo Edessa"/>
-        <a:font script="Syrj" typeface="Estrangelo Edessa"/>
-        <a:font script="Syre" typeface="Estrangelo Edessa"/>
-        <a:font script="Sora" typeface="Nirmala UI"/>
-        <a:font script="Tale" typeface="Microsoft Tai Le"/>
-        <a:font script="Talu" typeface="Microsoft New Tai Lue"/>
-        <a:font script="Tfng" typeface="Ebrima"/>
-      </a:minorFont>
-    </a:fontScheme>
-    <a:fmtScheme name="Office">
-      <a:fillStyleLst>
-        <a:solidFill>
-          <a:schemeClr val="phClr"/>
-        </a:solidFill>
-        <a:gradFill rotWithShape="1">
-          <a:gsLst>
-            <a:gs pos="0">
-              <a:schemeClr val="phClr">
-                <a:lumMod val="110000"/>
-                <a:satMod val="105000"/>
-                <a:tint val="67000"/>
-              </a:schemeClr>
-            </a:gs>
-            <a:gs pos="50000">
-              <a:schemeClr val="phClr">
-                <a:lumMod val="105000"/>
-                <a:satMod val="103000"/>
-                <a:tint val="73000"/>
-              </a:schemeClr>
-            </a:gs>
-            <a:gs pos="100000">
-              <a:schemeClr val="phClr">
-                <a:lumMod val="105000"/>
-                <a:satMod val="109000"/>
-                <a:tint val="81000"/>
-              </a:schemeClr>
-            </a:gs>
-          </a:gsLst>
-          <a:lin ang="5400000" scaled="0"/>
-        </a:gradFill>
-        <a:gradFill rotWithShape="1">
-          <a:gsLst>
-            <a:gs pos="0">
-              <a:schemeClr val="phClr">
-                <a:satMod val="103000"/>
-                <a:lumMod val="102000"/>
-                <a:tint val="94000"/>
-              </a:schemeClr>
-            </a:gs>
-            <a:gs pos="50000">
-              <a:schemeClr val="phClr">
-                <a:satMod val="110000"/>
-                <a:lumMod val="100000"/>
-                <a:shade val="100000"/>
-              </a:schemeClr>
-            </a:gs>
-            <a:gs pos="100000">
-              <a:schemeClr val="phClr">
-                <a:lumMod val="99000"/>
-                <a:satMod val="120000"/>
-                <a:shade val="78000"/>
-              </a:schemeClr>
-            </a:gs>
-          </a:gsLst>
-          <a:lin ang="5400000" scaled="0"/>
-        </a:gradFill>
-      </a:fillStyleLst>
-      <a:lnStyleLst>
-        <a:ln w="12700" cap="flat" cmpd="sng" algn="ctr">
-          <a:solidFill>
-            <a:schemeClr val="phClr"/>
-          </a:solidFill>
-          <a:prstDash val="solid"/>
-          <a:miter lim="800000"/>
-        </a:ln>
-        <a:ln w="19050" cap="flat" cmpd="sng" algn="ctr">
-          <a:solidFill>
-            <a:schemeClr val="phClr"/>
-          </a:solidFill>
-          <a:prstDash val="solid"/>
-          <a:miter lim="800000"/>
-        </a:ln>
-        <a:ln w="25400" cap="flat" cmpd="sng" algn="ctr">
-          <a:solidFill>
-            <a:schemeClr val="phClr"/>
-          </a:solidFill>
-          <a:prstDash val="solid"/>
-          <a:miter lim="800000"/>
-        </a:ln>
-      </a:lnStyleLst>
-      <a:effectStyleLst>
-        <a:effectStyle>
-          <a:effectLst/>
-        </a:effectStyle>
-        <a:effectStyle>
-          <a:effectLst/>
-        </a:effectStyle>
-        <a:effectStyle>
-          <a:effectLst>
-            <a:outerShdw blurRad="57150" dist="19050" dir="5400000" algn="ctr" rotWithShape="0">
-              <a:srgbClr val="000000">
-                <a:alpha val="63000"/>
-              </a:srgbClr>
-            </a:outerShdw>
-          </a:effectLst>
-        </a:effectStyle>
-      </a:effectStyleLst>
-      <a:bgFillStyleLst>
-        <a:solidFill>
-          <a:schemeClr val="phClr"/>
-        </a:solidFill>
-        <a:solidFill>
-          <a:schemeClr val="phClr">
-            <a:tint val="95000"/>
-            <a:satMod val="170000"/>
-          </a:schemeClr>
-        </a:solidFill>
-        <a:gradFill rotWithShape="1">
-          <a:gsLst>
-            <a:gs pos="0">
-              <a:schemeClr val="phClr">
-                <a:tint val="93000"/>
-                <a:satMod val="150000"/>
-                <a:shade val="98000"/>
-                <a:lumMod val="102000"/>
-              </a:schemeClr>
-            </a:gs>
-            <a:gs pos="50000">
-              <a:schemeClr val="phClr">
-                <a:tint val="98000"/>
-                <a:satMod val="130000"/>
-                <a:shade val="90000"/>
-                <a:lumMod val="103000"/>
-              </a:schemeClr>
-            </a:gs>
-            <a:gs pos="100000">
-              <a:schemeClr val="phClr">
-                <a:shade val="63000"/>
-                <a:satMod val="120000"/>
-              </a:schemeClr>
-            </a:gs>
-          </a:gsLst>
-          <a:lin ang="5400000" scaled="0"/>
-        </a:gradFill>
-      </a:bgFillStyleLst>
-    </a:fmtScheme>
-  </a:themeElements>
-  <a:objectDefaults>
-    <a:lnDef>
-      <a:spPr/>
-      <a:bodyPr/>
-      <a:lstStyle/>
-      <a:style>
-        <a:lnRef idx="2">
-          <a:schemeClr val="accent1"/>
-        </a:lnRef>
-        <a:fillRef idx="0">
-          <a:schemeClr val="accent1"/>
-        </a:fillRef>
-        <a:effectRef idx="1">
-          <a:schemeClr val="accent1"/>
-        </a:effectRef>
-        <a:fontRef idx="minor">
-          <a:schemeClr val="tx1"/>
-        </a:fontRef>
-      </a:style>
-    </a:lnDef>
-  </a:objectDefaults>
-  <a:extraClrSchemeLst/>
-  <a:extLst>
-    <a:ext uri="{05A4C25C-085E-4340-85A3-A5531E510DB2}">
-      <thm15:themeFamily xmlns:thm15="http://schemas.microsoft.com/office/thememl/2012/main" name="Office Theme" id="{2E142A2C-CD16-42D6-873A-C26D2A0506FA}" vid="{1BDDFF52-6CD6-40A5-AB3C-68EB2F1E4D0A}"/>
-    </a:ext>
-  </a:extLst>
-</a:theme>
-</file>
-
-<file path=ppt/theme/theme2.xml><?xml version="1.0" encoding="utf-8"?>
 <a:theme xmlns:a="http://schemas.openxmlformats.org/drawingml/2006/main" name="1_Office 主题​​">
   <a:themeElements>
     <a:clrScheme name="Office">
@@ -15210,7 +11746,7 @@
 </a:theme>
 </file>
 
-<file path=ppt/theme/theme3.xml><?xml version="1.0" encoding="utf-8"?>
+<file path=ppt/theme/theme2.xml><?xml version="1.0" encoding="utf-8"?>
 <a:theme xmlns:a="http://schemas.openxmlformats.org/drawingml/2006/main" name="Office 主题​​">
   <a:themeElements>
     <a:clrScheme name="Office">
